--- a/Dokumentation/DataOrganizer.pptx
+++ b/Dokumentation/DataOrganizer.pptx
@@ -124,3605 +124,6 @@
 </p:presentation>
 </file>
 
-<file path=ppt/diagrams/colors1.xml><?xml version="1.0" encoding="utf-8"?>
-<dgm:colorsDef xmlns:dgm="http://schemas.openxmlformats.org/drawingml/2006/diagram" xmlns:a="http://schemas.openxmlformats.org/drawingml/2006/main" uniqueId="urn:microsoft.com/office/officeart/2005/8/colors/ColorSchemeForSuggestions">
-  <dgm:title val="Color Scheme for Suggestions"/>
-  <dgm:desc val="Color Scheme for Suggestions"/>
-  <dgm:catLst>
-    <dgm:cat type="Other" pri="2"/>
-  </dgm:catLst>
-  <dgm:styleLbl name="node0">
-    <dgm:fillClrLst meth="repeat">
-      <a:schemeClr val="accent1"/>
-    </dgm:fillClrLst>
-    <dgm:linClrLst meth="repeat">
-      <a:schemeClr val="lt1"/>
-    </dgm:linClrLst>
-    <dgm:effectClrLst/>
-    <dgm:txLinClrLst/>
-    <dgm:txFillClrLst/>
-    <dgm:txEffectClrLst/>
-  </dgm:styleLbl>
-  <dgm:styleLbl name="alignNode1">
-    <dgm:fillClrLst meth="repeat">
-      <a:schemeClr val="accent1"/>
-    </dgm:fillClrLst>
-    <dgm:linClrLst meth="repeat">
-      <a:schemeClr val="accent1"/>
-    </dgm:linClrLst>
-    <dgm:effectClrLst/>
-    <dgm:txLinClrLst/>
-    <dgm:txFillClrLst/>
-    <dgm:txEffectClrLst/>
-  </dgm:styleLbl>
-  <dgm:styleLbl name="node1">
-    <dgm:fillClrLst meth="repeat">
-      <a:schemeClr val="accent1"/>
-    </dgm:fillClrLst>
-    <dgm:linClrLst meth="repeat">
-      <a:schemeClr val="lt1"/>
-    </dgm:linClrLst>
-    <dgm:effectClrLst/>
-    <dgm:txLinClrLst/>
-    <dgm:txFillClrLst/>
-    <dgm:txEffectClrLst/>
-  </dgm:styleLbl>
-  <dgm:styleLbl name="lnNode1">
-    <dgm:fillClrLst meth="repeat">
-      <a:schemeClr val="accent1"/>
-    </dgm:fillClrLst>
-    <dgm:linClrLst meth="repeat">
-      <a:schemeClr val="lt1"/>
-    </dgm:linClrLst>
-    <dgm:effectClrLst/>
-    <dgm:txLinClrLst/>
-    <dgm:txFillClrLst/>
-    <dgm:txEffectClrLst/>
-  </dgm:styleLbl>
-  <dgm:styleLbl name="vennNode1">
-    <dgm:fillClrLst meth="repeat">
-      <a:schemeClr val="accent1">
-        <a:alpha val="50000"/>
-      </a:schemeClr>
-    </dgm:fillClrLst>
-    <dgm:linClrLst meth="repeat">
-      <a:schemeClr val="lt1"/>
-    </dgm:linClrLst>
-    <dgm:effectClrLst/>
-    <dgm:txLinClrLst/>
-    <dgm:txFillClrLst/>
-    <dgm:txEffectClrLst/>
-  </dgm:styleLbl>
-  <dgm:styleLbl name="node2">
-    <dgm:fillClrLst meth="repeat">
-      <a:schemeClr val="accent1"/>
-    </dgm:fillClrLst>
-    <dgm:linClrLst meth="repeat">
-      <a:schemeClr val="lt1"/>
-    </dgm:linClrLst>
-    <dgm:effectClrLst/>
-    <dgm:txLinClrLst/>
-    <dgm:txFillClrLst/>
-    <dgm:txEffectClrLst/>
-  </dgm:styleLbl>
-  <dgm:styleLbl name="node3">
-    <dgm:fillClrLst meth="repeat">
-      <a:schemeClr val="accent1"/>
-    </dgm:fillClrLst>
-    <dgm:linClrLst meth="repeat">
-      <a:schemeClr val="lt1"/>
-    </dgm:linClrLst>
-    <dgm:effectClrLst/>
-    <dgm:txLinClrLst/>
-    <dgm:txFillClrLst/>
-    <dgm:txEffectClrLst/>
-  </dgm:styleLbl>
-  <dgm:styleLbl name="node4">
-    <dgm:fillClrLst meth="repeat">
-      <a:schemeClr val="accent1"/>
-    </dgm:fillClrLst>
-    <dgm:linClrLst meth="repeat">
-      <a:schemeClr val="lt1"/>
-    </dgm:linClrLst>
-    <dgm:effectClrLst/>
-    <dgm:txLinClrLst/>
-    <dgm:txFillClrLst/>
-    <dgm:txEffectClrLst/>
-  </dgm:styleLbl>
-  <dgm:styleLbl name="fgImgPlace1">
-    <dgm:fillClrLst meth="repeat">
-      <a:schemeClr val="accent1">
-        <a:tint val="50000"/>
-      </a:schemeClr>
-    </dgm:fillClrLst>
-    <dgm:linClrLst meth="repeat">
-      <a:schemeClr val="lt1"/>
-    </dgm:linClrLst>
-    <dgm:effectClrLst/>
-    <dgm:txLinClrLst/>
-    <dgm:txFillClrLst meth="repeat">
-      <a:schemeClr val="lt1"/>
-    </dgm:txFillClrLst>
-    <dgm:txEffectClrLst/>
-  </dgm:styleLbl>
-  <dgm:styleLbl name="alignImgPlace1">
-    <dgm:fillClrLst meth="repeat">
-      <a:schemeClr val="accent1">
-        <a:tint val="50000"/>
-      </a:schemeClr>
-    </dgm:fillClrLst>
-    <dgm:linClrLst meth="repeat">
-      <a:schemeClr val="lt1"/>
-    </dgm:linClrLst>
-    <dgm:effectClrLst/>
-    <dgm:txLinClrLst/>
-    <dgm:txFillClrLst meth="repeat">
-      <a:schemeClr val="lt1"/>
-    </dgm:txFillClrLst>
-    <dgm:txEffectClrLst/>
-  </dgm:styleLbl>
-  <dgm:styleLbl name="bgImgPlace1">
-    <dgm:fillClrLst meth="repeat">
-      <a:schemeClr val="accent1">
-        <a:tint val="50000"/>
-      </a:schemeClr>
-    </dgm:fillClrLst>
-    <dgm:linClrLst meth="repeat">
-      <a:schemeClr val="lt1"/>
-    </dgm:linClrLst>
-    <dgm:effectClrLst/>
-    <dgm:txLinClrLst/>
-    <dgm:txFillClrLst meth="repeat">
-      <a:schemeClr val="lt1"/>
-    </dgm:txFillClrLst>
-    <dgm:txEffectClrLst/>
-  </dgm:styleLbl>
-  <dgm:styleLbl name="sibTrans2D1">
-    <dgm:fillClrLst meth="repeat">
-      <a:schemeClr val="accent1">
-        <a:tint val="60000"/>
-      </a:schemeClr>
-    </dgm:fillClrLst>
-    <dgm:linClrLst meth="repeat">
-      <a:schemeClr val="accent1">
-        <a:tint val="60000"/>
-      </a:schemeClr>
-    </dgm:linClrLst>
-    <dgm:effectClrLst/>
-    <dgm:txLinClrLst/>
-    <dgm:txFillClrLst/>
-    <dgm:txEffectClrLst/>
-  </dgm:styleLbl>
-  <dgm:styleLbl name="fgSibTrans2D1">
-    <dgm:fillClrLst meth="repeat">
-      <a:schemeClr val="accent1">
-        <a:tint val="60000"/>
-      </a:schemeClr>
-    </dgm:fillClrLst>
-    <dgm:linClrLst meth="repeat">
-      <a:schemeClr val="accent1">
-        <a:tint val="60000"/>
-      </a:schemeClr>
-    </dgm:linClrLst>
-    <dgm:effectClrLst/>
-    <dgm:txLinClrLst/>
-    <dgm:txFillClrLst/>
-    <dgm:txEffectClrLst/>
-  </dgm:styleLbl>
-  <dgm:styleLbl name="bgSibTrans2D1">
-    <dgm:fillClrLst meth="repeat">
-      <a:schemeClr val="accent1">
-        <a:tint val="60000"/>
-      </a:schemeClr>
-    </dgm:fillClrLst>
-    <dgm:linClrLst meth="repeat">
-      <a:schemeClr val="accent1">
-        <a:tint val="60000"/>
-      </a:schemeClr>
-    </dgm:linClrLst>
-    <dgm:effectClrLst/>
-    <dgm:txLinClrLst/>
-    <dgm:txFillClrLst/>
-    <dgm:txEffectClrLst/>
-  </dgm:styleLbl>
-  <dgm:styleLbl name="sibTrans1D1">
-    <dgm:fillClrLst meth="repeat">
-      <a:schemeClr val="accent1"/>
-    </dgm:fillClrLst>
-    <dgm:linClrLst meth="repeat">
-      <a:schemeClr val="accent1"/>
-    </dgm:linClrLst>
-    <dgm:effectClrLst/>
-    <dgm:txLinClrLst/>
-    <dgm:txFillClrLst meth="repeat">
-      <a:schemeClr val="tx1"/>
-    </dgm:txFillClrLst>
-    <dgm:txEffectClrLst/>
-  </dgm:styleLbl>
-  <dgm:styleLbl name="callout">
-    <dgm:fillClrLst meth="repeat">
-      <a:schemeClr val="accent1"/>
-    </dgm:fillClrLst>
-    <dgm:linClrLst meth="repeat">
-      <a:schemeClr val="accent1">
-        <a:tint val="50000"/>
-      </a:schemeClr>
-    </dgm:linClrLst>
-    <dgm:effectClrLst/>
-    <dgm:txLinClrLst/>
-    <dgm:txFillClrLst meth="repeat">
-      <a:schemeClr val="tx1"/>
-    </dgm:txFillClrLst>
-    <dgm:txEffectClrLst/>
-  </dgm:styleLbl>
-  <dgm:styleLbl name="asst0">
-    <dgm:fillClrLst meth="repeat">
-      <a:schemeClr val="accent1"/>
-    </dgm:fillClrLst>
-    <dgm:linClrLst meth="repeat">
-      <a:schemeClr val="lt1"/>
-    </dgm:linClrLst>
-    <dgm:effectClrLst/>
-    <dgm:txLinClrLst/>
-    <dgm:txFillClrLst/>
-    <dgm:txEffectClrLst/>
-  </dgm:styleLbl>
-  <dgm:styleLbl name="asst1">
-    <dgm:fillClrLst meth="repeat">
-      <a:schemeClr val="accent1"/>
-    </dgm:fillClrLst>
-    <dgm:linClrLst meth="repeat">
-      <a:schemeClr val="lt1"/>
-    </dgm:linClrLst>
-    <dgm:effectClrLst/>
-    <dgm:txLinClrLst/>
-    <dgm:txFillClrLst/>
-    <dgm:txEffectClrLst/>
-  </dgm:styleLbl>
-  <dgm:styleLbl name="asst2">
-    <dgm:fillClrLst meth="repeat">
-      <a:schemeClr val="accent1"/>
-    </dgm:fillClrLst>
-    <dgm:linClrLst meth="repeat">
-      <a:schemeClr val="lt1"/>
-    </dgm:linClrLst>
-    <dgm:effectClrLst/>
-    <dgm:txLinClrLst/>
-    <dgm:txFillClrLst/>
-    <dgm:txEffectClrLst/>
-  </dgm:styleLbl>
-  <dgm:styleLbl name="asst3">
-    <dgm:fillClrLst meth="repeat">
-      <a:schemeClr val="accent1"/>
-    </dgm:fillClrLst>
-    <dgm:linClrLst meth="repeat">
-      <a:schemeClr val="lt1"/>
-    </dgm:linClrLst>
-    <dgm:effectClrLst/>
-    <dgm:txLinClrLst/>
-    <dgm:txFillClrLst/>
-    <dgm:txEffectClrLst/>
-  </dgm:styleLbl>
-  <dgm:styleLbl name="asst4">
-    <dgm:fillClrLst meth="repeat">
-      <a:schemeClr val="accent1"/>
-    </dgm:fillClrLst>
-    <dgm:linClrLst meth="repeat">
-      <a:schemeClr val="lt1"/>
-    </dgm:linClrLst>
-    <dgm:effectClrLst/>
-    <dgm:txLinClrLst/>
-    <dgm:txFillClrLst/>
-    <dgm:txEffectClrLst/>
-  </dgm:styleLbl>
-  <dgm:styleLbl name="parChTrans2D1">
-    <dgm:fillClrLst meth="repeat">
-      <a:schemeClr val="accent1">
-        <a:tint val="60000"/>
-      </a:schemeClr>
-    </dgm:fillClrLst>
-    <dgm:linClrLst meth="repeat">
-      <a:schemeClr val="accent1">
-        <a:tint val="60000"/>
-      </a:schemeClr>
-    </dgm:linClrLst>
-    <dgm:effectClrLst/>
-    <dgm:txLinClrLst/>
-    <dgm:txFillClrLst meth="repeat">
-      <a:schemeClr val="lt1"/>
-    </dgm:txFillClrLst>
-    <dgm:txEffectClrLst/>
-  </dgm:styleLbl>
-  <dgm:styleLbl name="parChTrans2D2">
-    <dgm:fillClrLst meth="repeat">
-      <a:schemeClr val="accent1"/>
-    </dgm:fillClrLst>
-    <dgm:linClrLst meth="repeat">
-      <a:schemeClr val="accent1"/>
-    </dgm:linClrLst>
-    <dgm:effectClrLst/>
-    <dgm:txLinClrLst/>
-    <dgm:txFillClrLst meth="repeat">
-      <a:schemeClr val="lt1"/>
-    </dgm:txFillClrLst>
-    <dgm:txEffectClrLst/>
-  </dgm:styleLbl>
-  <dgm:styleLbl name="parChTrans2D3">
-    <dgm:fillClrLst meth="repeat">
-      <a:schemeClr val="accent1"/>
-    </dgm:fillClrLst>
-    <dgm:linClrLst meth="repeat">
-      <a:schemeClr val="accent1"/>
-    </dgm:linClrLst>
-    <dgm:effectClrLst/>
-    <dgm:txLinClrLst/>
-    <dgm:txFillClrLst meth="repeat">
-      <a:schemeClr val="lt1"/>
-    </dgm:txFillClrLst>
-    <dgm:txEffectClrLst/>
-  </dgm:styleLbl>
-  <dgm:styleLbl name="parChTrans2D4">
-    <dgm:fillClrLst meth="repeat">
-      <a:schemeClr val="accent1"/>
-    </dgm:fillClrLst>
-    <dgm:linClrLst meth="repeat">
-      <a:schemeClr val="accent1"/>
-    </dgm:linClrLst>
-    <dgm:effectClrLst/>
-    <dgm:txLinClrLst/>
-    <dgm:txFillClrLst meth="repeat">
-      <a:schemeClr val="lt1"/>
-    </dgm:txFillClrLst>
-    <dgm:txEffectClrLst/>
-  </dgm:styleLbl>
-  <dgm:styleLbl name="parChTrans1D1">
-    <dgm:fillClrLst meth="repeat">
-      <a:schemeClr val="accent1"/>
-    </dgm:fillClrLst>
-    <dgm:linClrLst meth="repeat">
-      <a:schemeClr val="accent1">
-        <a:shade val="60000"/>
-      </a:schemeClr>
-    </dgm:linClrLst>
-    <dgm:effectClrLst/>
-    <dgm:txLinClrLst/>
-    <dgm:txFillClrLst meth="repeat">
-      <a:schemeClr val="tx1"/>
-    </dgm:txFillClrLst>
-    <dgm:txEffectClrLst/>
-  </dgm:styleLbl>
-  <dgm:styleLbl name="parChTrans1D2">
-    <dgm:fillClrLst meth="repeat">
-      <a:schemeClr val="accent1"/>
-    </dgm:fillClrLst>
-    <dgm:linClrLst meth="repeat">
-      <a:schemeClr val="accent1">
-        <a:shade val="60000"/>
-      </a:schemeClr>
-    </dgm:linClrLst>
-    <dgm:effectClrLst/>
-    <dgm:txLinClrLst/>
-    <dgm:txFillClrLst meth="repeat">
-      <a:schemeClr val="tx1"/>
-    </dgm:txFillClrLst>
-    <dgm:txEffectClrLst/>
-  </dgm:styleLbl>
-  <dgm:styleLbl name="parChTrans1D3">
-    <dgm:fillClrLst meth="repeat">
-      <a:schemeClr val="accent1"/>
-    </dgm:fillClrLst>
-    <dgm:linClrLst meth="repeat">
-      <a:schemeClr val="accent1">
-        <a:shade val="80000"/>
-      </a:schemeClr>
-    </dgm:linClrLst>
-    <dgm:effectClrLst/>
-    <dgm:txLinClrLst/>
-    <dgm:txFillClrLst meth="repeat">
-      <a:schemeClr val="tx1"/>
-    </dgm:txFillClrLst>
-    <dgm:txEffectClrLst/>
-  </dgm:styleLbl>
-  <dgm:styleLbl name="parChTrans1D4">
-    <dgm:fillClrLst meth="repeat">
-      <a:schemeClr val="accent1"/>
-    </dgm:fillClrLst>
-    <dgm:linClrLst meth="repeat">
-      <a:schemeClr val="accent1">
-        <a:shade val="80000"/>
-      </a:schemeClr>
-    </dgm:linClrLst>
-    <dgm:effectClrLst/>
-    <dgm:txLinClrLst/>
-    <dgm:txFillClrLst meth="repeat">
-      <a:schemeClr val="tx1"/>
-    </dgm:txFillClrLst>
-    <dgm:txEffectClrLst/>
-  </dgm:styleLbl>
-  <dgm:styleLbl name="fgAcc1">
-    <dgm:fillClrLst meth="repeat">
-      <a:schemeClr val="lt1">
-        <a:alpha val="90000"/>
-      </a:schemeClr>
-    </dgm:fillClrLst>
-    <dgm:linClrLst meth="repeat">
-      <a:schemeClr val="accent1"/>
-    </dgm:linClrLst>
-    <dgm:effectClrLst/>
-    <dgm:txLinClrLst/>
-    <dgm:txFillClrLst meth="repeat">
-      <a:schemeClr val="dk1"/>
-    </dgm:txFillClrLst>
-    <dgm:txEffectClrLst/>
-  </dgm:styleLbl>
-  <dgm:styleLbl name="conFgAcc1">
-    <dgm:fillClrLst meth="repeat">
-      <a:schemeClr val="lt1">
-        <a:alpha val="90000"/>
-      </a:schemeClr>
-    </dgm:fillClrLst>
-    <dgm:linClrLst meth="repeat">
-      <a:schemeClr val="accent1"/>
-    </dgm:linClrLst>
-    <dgm:effectClrLst/>
-    <dgm:txLinClrLst/>
-    <dgm:txFillClrLst meth="repeat">
-      <a:schemeClr val="dk1"/>
-    </dgm:txFillClrLst>
-    <dgm:txEffectClrLst/>
-  </dgm:styleLbl>
-  <dgm:styleLbl name="alignAcc1">
-    <dgm:fillClrLst meth="repeat">
-      <a:schemeClr val="lt1">
-        <a:alpha val="90000"/>
-      </a:schemeClr>
-    </dgm:fillClrLst>
-    <dgm:linClrLst meth="repeat">
-      <a:schemeClr val="accent1"/>
-    </dgm:linClrLst>
-    <dgm:effectClrLst/>
-    <dgm:txLinClrLst/>
-    <dgm:txFillClrLst meth="repeat">
-      <a:schemeClr val="dk1"/>
-    </dgm:txFillClrLst>
-    <dgm:txEffectClrLst/>
-  </dgm:styleLbl>
-  <dgm:styleLbl name="trAlignAcc1">
-    <dgm:fillClrLst meth="repeat">
-      <a:schemeClr val="lt1">
-        <a:alpha val="40000"/>
-      </a:schemeClr>
-    </dgm:fillClrLst>
-    <dgm:linClrLst meth="repeat">
-      <a:schemeClr val="accent1"/>
-    </dgm:linClrLst>
-    <dgm:effectClrLst/>
-    <dgm:txLinClrLst/>
-    <dgm:txFillClrLst meth="repeat">
-      <a:schemeClr val="dk1"/>
-    </dgm:txFillClrLst>
-    <dgm:txEffectClrLst/>
-  </dgm:styleLbl>
-  <dgm:styleLbl name="bgAcc1">
-    <dgm:fillClrLst meth="repeat">
-      <a:schemeClr val="lt1">
-        <a:alpha val="90000"/>
-      </a:schemeClr>
-    </dgm:fillClrLst>
-    <dgm:linClrLst meth="repeat">
-      <a:schemeClr val="accent1"/>
-    </dgm:linClrLst>
-    <dgm:effectClrLst/>
-    <dgm:txLinClrLst/>
-    <dgm:txFillClrLst meth="repeat">
-      <a:schemeClr val="dk1"/>
-    </dgm:txFillClrLst>
-    <dgm:txEffectClrLst/>
-  </dgm:styleLbl>
-  <dgm:styleLbl name="solidFgAcc1">
-    <dgm:fillClrLst meth="repeat">
-      <a:schemeClr val="lt1"/>
-    </dgm:fillClrLst>
-    <dgm:linClrLst meth="repeat">
-      <a:schemeClr val="accent1"/>
-    </dgm:linClrLst>
-    <dgm:effectClrLst/>
-    <dgm:txLinClrLst/>
-    <dgm:txFillClrLst meth="repeat">
-      <a:schemeClr val="dk1"/>
-    </dgm:txFillClrLst>
-    <dgm:txEffectClrLst/>
-  </dgm:styleLbl>
-  <dgm:styleLbl name="solidAlignAcc1">
-    <dgm:fillClrLst meth="repeat">
-      <a:schemeClr val="lt1"/>
-    </dgm:fillClrLst>
-    <dgm:linClrLst meth="repeat">
-      <a:schemeClr val="accent1"/>
-    </dgm:linClrLst>
-    <dgm:effectClrLst/>
-    <dgm:txLinClrLst/>
-    <dgm:txFillClrLst meth="repeat">
-      <a:schemeClr val="dk1"/>
-    </dgm:txFillClrLst>
-    <dgm:txEffectClrLst/>
-  </dgm:styleLbl>
-  <dgm:styleLbl name="solidBgAcc1">
-    <dgm:fillClrLst meth="repeat">
-      <a:schemeClr val="lt1"/>
-    </dgm:fillClrLst>
-    <dgm:linClrLst meth="repeat">
-      <a:schemeClr val="accent1"/>
-    </dgm:linClrLst>
-    <dgm:effectClrLst/>
-    <dgm:txLinClrLst/>
-    <dgm:txFillClrLst meth="repeat">
-      <a:schemeClr val="dk1"/>
-    </dgm:txFillClrLst>
-    <dgm:txEffectClrLst/>
-  </dgm:styleLbl>
-  <dgm:styleLbl name="fgAccFollowNode1">
-    <dgm:fillClrLst meth="repeat">
-      <a:schemeClr val="accent1">
-        <a:alpha val="90000"/>
-        <a:tint val="40000"/>
-      </a:schemeClr>
-    </dgm:fillClrLst>
-    <dgm:linClrLst meth="repeat">
-      <a:schemeClr val="accent1">
-        <a:alpha val="90000"/>
-        <a:tint val="40000"/>
-      </a:schemeClr>
-    </dgm:linClrLst>
-    <dgm:effectClrLst/>
-    <dgm:txLinClrLst/>
-    <dgm:txFillClrLst meth="repeat">
-      <a:schemeClr val="dk1"/>
-    </dgm:txFillClrLst>
-    <dgm:txEffectClrLst/>
-  </dgm:styleLbl>
-  <dgm:styleLbl name="alignAccFollowNode1">
-    <dgm:fillClrLst meth="repeat">
-      <a:schemeClr val="accent1">
-        <a:alpha val="90000"/>
-        <a:tint val="40000"/>
-      </a:schemeClr>
-    </dgm:fillClrLst>
-    <dgm:linClrLst meth="repeat">
-      <a:schemeClr val="accent1">
-        <a:alpha val="90000"/>
-        <a:tint val="40000"/>
-      </a:schemeClr>
-    </dgm:linClrLst>
-    <dgm:effectClrLst/>
-    <dgm:txLinClrLst/>
-    <dgm:txFillClrLst meth="repeat">
-      <a:schemeClr val="dk1"/>
-    </dgm:txFillClrLst>
-    <dgm:txEffectClrLst/>
-  </dgm:styleLbl>
-  <dgm:styleLbl name="bgAccFollowNode1">
-    <dgm:fillClrLst meth="repeat">
-      <a:schemeClr val="bg1">
-        <a:lumMod val="95000"/>
-      </a:schemeClr>
-    </dgm:fillClrLst>
-    <dgm:linClrLst>
-      <a:schemeClr val="bg1">
-        <a:lumMod val="95000"/>
-      </a:schemeClr>
-    </dgm:linClrLst>
-    <dgm:effectClrLst/>
-    <dgm:txLinClrLst/>
-    <dgm:txFillClrLst meth="repeat">
-      <a:schemeClr val="tx1">
-        <a:lumMod val="75000"/>
-        <a:lumOff val="25000"/>
-      </a:schemeClr>
-    </dgm:txFillClrLst>
-    <dgm:txEffectClrLst/>
-  </dgm:styleLbl>
-  <dgm:styleLbl name="fgAcc0">
-    <dgm:fillClrLst meth="repeat">
-      <a:schemeClr val="lt1">
-        <a:alpha val="90000"/>
-      </a:schemeClr>
-    </dgm:fillClrLst>
-    <dgm:linClrLst meth="repeat">
-      <a:schemeClr val="accent1"/>
-    </dgm:linClrLst>
-    <dgm:effectClrLst/>
-    <dgm:txLinClrLst/>
-    <dgm:txFillClrLst meth="repeat">
-      <a:schemeClr val="dk1"/>
-    </dgm:txFillClrLst>
-    <dgm:txEffectClrLst/>
-  </dgm:styleLbl>
-  <dgm:styleLbl name="fgAcc2">
-    <dgm:fillClrLst meth="repeat">
-      <a:schemeClr val="lt1">
-        <a:alpha val="90000"/>
-      </a:schemeClr>
-    </dgm:fillClrLst>
-    <dgm:linClrLst meth="repeat">
-      <a:schemeClr val="accent1"/>
-    </dgm:linClrLst>
-    <dgm:effectClrLst/>
-    <dgm:txLinClrLst/>
-    <dgm:txFillClrLst meth="repeat">
-      <a:schemeClr val="dk1"/>
-    </dgm:txFillClrLst>
-    <dgm:txEffectClrLst/>
-  </dgm:styleLbl>
-  <dgm:styleLbl name="fgAcc3">
-    <dgm:fillClrLst meth="repeat">
-      <a:schemeClr val="lt1">
-        <a:alpha val="90000"/>
-      </a:schemeClr>
-    </dgm:fillClrLst>
-    <dgm:linClrLst meth="repeat">
-      <a:schemeClr val="accent1"/>
-    </dgm:linClrLst>
-    <dgm:effectClrLst/>
-    <dgm:txLinClrLst/>
-    <dgm:txFillClrLst meth="repeat">
-      <a:schemeClr val="dk1"/>
-    </dgm:txFillClrLst>
-    <dgm:txEffectClrLst/>
-  </dgm:styleLbl>
-  <dgm:styleLbl name="fgAcc4">
-    <dgm:fillClrLst meth="repeat">
-      <a:schemeClr val="lt1">
-        <a:alpha val="90000"/>
-      </a:schemeClr>
-    </dgm:fillClrLst>
-    <dgm:linClrLst meth="repeat">
-      <a:schemeClr val="accent1"/>
-    </dgm:linClrLst>
-    <dgm:effectClrLst/>
-    <dgm:txLinClrLst/>
-    <dgm:txFillClrLst meth="repeat">
-      <a:schemeClr val="dk1"/>
-    </dgm:txFillClrLst>
-    <dgm:txEffectClrLst/>
-  </dgm:styleLbl>
-  <dgm:styleLbl name="bgShp">
-    <dgm:fillClrLst meth="repeat">
-      <a:schemeClr val="accent1">
-        <a:tint val="40000"/>
-      </a:schemeClr>
-    </dgm:fillClrLst>
-    <dgm:linClrLst meth="repeat">
-      <a:schemeClr val="accent1"/>
-    </dgm:linClrLst>
-    <dgm:effectClrLst/>
-    <dgm:txLinClrLst/>
-    <dgm:txFillClrLst meth="repeat">
-      <a:schemeClr val="dk1"/>
-    </dgm:txFillClrLst>
-    <dgm:txEffectClrLst/>
-  </dgm:styleLbl>
-  <dgm:styleLbl name="dkBgShp">
-    <dgm:fillClrLst meth="repeat">
-      <a:schemeClr val="accent1">
-        <a:shade val="80000"/>
-      </a:schemeClr>
-    </dgm:fillClrLst>
-    <dgm:linClrLst meth="repeat">
-      <a:schemeClr val="accent1"/>
-    </dgm:linClrLst>
-    <dgm:effectClrLst/>
-    <dgm:txLinClrLst/>
-    <dgm:txFillClrLst meth="repeat">
-      <a:schemeClr val="lt1"/>
-    </dgm:txFillClrLst>
-    <dgm:txEffectClrLst/>
-  </dgm:styleLbl>
-  <dgm:styleLbl name="trBgShp">
-    <dgm:fillClrLst meth="repeat">
-      <a:schemeClr val="accent1">
-        <a:tint val="50000"/>
-        <a:alpha val="40000"/>
-      </a:schemeClr>
-    </dgm:fillClrLst>
-    <dgm:linClrLst meth="repeat">
-      <a:schemeClr val="accent1"/>
-    </dgm:linClrLst>
-    <dgm:effectClrLst/>
-    <dgm:txLinClrLst/>
-    <dgm:txFillClrLst meth="repeat">
-      <a:schemeClr val="lt1"/>
-    </dgm:txFillClrLst>
-    <dgm:txEffectClrLst/>
-  </dgm:styleLbl>
-  <dgm:styleLbl name="fgShp">
-    <dgm:fillClrLst meth="repeat">
-      <a:schemeClr val="accent1">
-        <a:tint val="60000"/>
-      </a:schemeClr>
-    </dgm:fillClrLst>
-    <dgm:linClrLst meth="repeat">
-      <a:schemeClr val="lt1"/>
-    </dgm:linClrLst>
-    <dgm:effectClrLst/>
-    <dgm:txLinClrLst/>
-    <dgm:txFillClrLst meth="repeat">
-      <a:schemeClr val="dk1"/>
-    </dgm:txFillClrLst>
-    <dgm:txEffectClrLst/>
-  </dgm:styleLbl>
-  <dgm:styleLbl name="revTx">
-    <dgm:fillClrLst meth="repeat">
-      <a:schemeClr val="lt1">
-        <a:alpha val="0"/>
-      </a:schemeClr>
-    </dgm:fillClrLst>
-    <dgm:linClrLst meth="repeat">
-      <a:schemeClr val="dk1">
-        <a:alpha val="0"/>
-      </a:schemeClr>
-    </dgm:linClrLst>
-    <dgm:effectClrLst/>
-    <dgm:txLinClrLst/>
-    <dgm:txFillClrLst meth="repeat">
-      <a:schemeClr val="tx1"/>
-    </dgm:txFillClrLst>
-    <dgm:txEffectClrLst/>
-  </dgm:styleLbl>
-</dgm:colorsDef>
-</file>
-
-<file path=ppt/diagrams/data1.xml><?xml version="1.0" encoding="utf-8"?>
-<dgm:dataModel xmlns:dgm="http://schemas.openxmlformats.org/drawingml/2006/diagram" xmlns:a="http://schemas.openxmlformats.org/drawingml/2006/main">
-  <dgm:ptLst>
-    <dgm:pt modelId="{369D64BE-7FE3-434F-B4CB-CCDCE7042AF5}" type="doc">
-      <dgm:prSet loTypeId="urn:microsoft.com/office/officeart/2016/7/layout/BasicLinearProcessNumbered" loCatId="process" qsTypeId="urn:microsoft.com/office/officeart/2005/8/quickstyle/simple1" qsCatId="simple" csTypeId="urn:microsoft.com/office/officeart/2005/8/colors/ColorSchemeForSuggestions" csCatId="other" phldr="1"/>
-      <dgm:spPr/>
-      <dgm:t>
-        <a:bodyPr/>
-        <a:lstStyle/>
-        <a:p>
-          <a:endParaRPr lang="en-US"/>
-        </a:p>
-      </dgm:t>
-    </dgm:pt>
-    <dgm:pt modelId="{5131A2B7-AB06-4FBC-8463-6DDCE3C15FFB}">
-      <dgm:prSet/>
-      <dgm:spPr/>
-      <dgm:t>
-        <a:bodyPr/>
-        <a:lstStyle/>
-        <a:p>
-          <a:r>
-            <a:rPr lang="de-AT" dirty="0"/>
-            <a:t>Allgemein</a:t>
-          </a:r>
-          <a:endParaRPr lang="en-US" dirty="0"/>
-        </a:p>
-      </dgm:t>
-    </dgm:pt>
-    <dgm:pt modelId="{4B081836-6ADD-431E-A39C-E499720C12DF}" type="sibTrans" cxnId="{B535CB5B-66E2-4311-AFD8-B966CCFC4F93}">
-      <dgm:prSet phldrT="1" phldr="0"/>
-      <dgm:spPr/>
-      <dgm:t>
-        <a:bodyPr/>
-        <a:lstStyle/>
-        <a:p>
-          <a:r>
-            <a:rPr lang="en-US" dirty="0"/>
-            <a:t>1</a:t>
-          </a:r>
-        </a:p>
-      </dgm:t>
-    </dgm:pt>
-    <dgm:pt modelId="{5928BFDD-7D08-465F-BDBB-0FB3DA3BC924}" type="parTrans" cxnId="{B535CB5B-66E2-4311-AFD8-B966CCFC4F93}">
-      <dgm:prSet/>
-      <dgm:spPr/>
-      <dgm:t>
-        <a:bodyPr/>
-        <a:lstStyle/>
-        <a:p>
-          <a:endParaRPr lang="en-US"/>
-        </a:p>
-      </dgm:t>
-    </dgm:pt>
-    <dgm:pt modelId="{2907B055-42FD-4E87-A353-2E1E37FFC2F5}">
-      <dgm:prSet/>
-      <dgm:spPr/>
-      <dgm:t>
-        <a:bodyPr/>
-        <a:lstStyle/>
-        <a:p>
-          <a:r>
-            <a:rPr lang="de-AT" dirty="0"/>
-            <a:t>Vorführung</a:t>
-          </a:r>
-          <a:endParaRPr lang="en-US" dirty="0"/>
-        </a:p>
-      </dgm:t>
-    </dgm:pt>
-    <dgm:pt modelId="{EEA0B559-1AE3-43FF-915B-C9761F6B03D3}" type="sibTrans" cxnId="{29648264-B36E-4683-98A7-4A77FA385A5E}">
-      <dgm:prSet phldrT="4" phldr="0"/>
-      <dgm:spPr/>
-      <dgm:t>
-        <a:bodyPr/>
-        <a:lstStyle/>
-        <a:p>
-          <a:r>
-            <a:rPr lang="en-US" dirty="0"/>
-            <a:t>5</a:t>
-          </a:r>
-        </a:p>
-      </dgm:t>
-    </dgm:pt>
-    <dgm:pt modelId="{59ABF9FC-5F21-4159-A427-94500860EEE2}" type="parTrans" cxnId="{29648264-B36E-4683-98A7-4A77FA385A5E}">
-      <dgm:prSet/>
-      <dgm:spPr/>
-      <dgm:t>
-        <a:bodyPr/>
-        <a:lstStyle/>
-        <a:p>
-          <a:endParaRPr lang="en-US"/>
-        </a:p>
-      </dgm:t>
-    </dgm:pt>
-    <dgm:pt modelId="{B1BA2627-BE6B-48B0-AE09-C61C7DBE2D91}">
-      <dgm:prSet/>
-      <dgm:spPr/>
-      <dgm:t>
-        <a:bodyPr/>
-        <a:lstStyle/>
-        <a:p>
-          <a:r>
-            <a:rPr lang="de-AT" dirty="0"/>
-            <a:t>Funktionalität</a:t>
-          </a:r>
-          <a:endParaRPr lang="en-US" dirty="0"/>
-        </a:p>
-      </dgm:t>
-    </dgm:pt>
-    <dgm:pt modelId="{32710FF1-838F-4729-B394-51A935555D7A}" type="sibTrans" cxnId="{1AAAB769-DD72-4CF8-95A6-6A1E6C2C6D7F}">
-      <dgm:prSet phldrT="3" phldr="0"/>
-      <dgm:spPr/>
-      <dgm:t>
-        <a:bodyPr/>
-        <a:lstStyle/>
-        <a:p>
-          <a:r>
-            <a:rPr lang="en-US" dirty="0"/>
-            <a:t>2</a:t>
-          </a:r>
-        </a:p>
-      </dgm:t>
-    </dgm:pt>
-    <dgm:pt modelId="{A1F8A57B-94EB-48A6-8B33-B7FF582B94C9}" type="parTrans" cxnId="{1AAAB769-DD72-4CF8-95A6-6A1E6C2C6D7F}">
-      <dgm:prSet/>
-      <dgm:spPr/>
-      <dgm:t>
-        <a:bodyPr/>
-        <a:lstStyle/>
-        <a:p>
-          <a:endParaRPr lang="en-US"/>
-        </a:p>
-      </dgm:t>
-    </dgm:pt>
-    <dgm:pt modelId="{75FAC126-85BF-4BDF-A0E8-DA8CC72D29BC}">
-      <dgm:prSet/>
-      <dgm:spPr/>
-      <dgm:t>
-        <a:bodyPr/>
-        <a:lstStyle/>
-        <a:p>
-          <a:r>
-            <a:rPr lang="en-US" dirty="0"/>
-            <a:t>Use Case </a:t>
-          </a:r>
-          <a:r>
-            <a:rPr lang="en-US" dirty="0" err="1"/>
-            <a:t>Diagramm</a:t>
-          </a:r>
-          <a:endParaRPr lang="en-US" dirty="0"/>
-        </a:p>
-      </dgm:t>
-    </dgm:pt>
-    <dgm:pt modelId="{D9DCC64A-8315-461B-A2F9-77416D065D1A}" type="parTrans" cxnId="{FA09B847-695A-415D-ABAC-95D72702CB90}">
-      <dgm:prSet/>
-      <dgm:spPr/>
-      <dgm:t>
-        <a:bodyPr/>
-        <a:lstStyle/>
-        <a:p>
-          <a:endParaRPr lang="de-DE"/>
-        </a:p>
-      </dgm:t>
-    </dgm:pt>
-    <dgm:pt modelId="{8E6CB012-0EC5-451D-AB8D-80FB649AC0C0}" type="sibTrans" cxnId="{FA09B847-695A-415D-ABAC-95D72702CB90}">
-      <dgm:prSet/>
-      <dgm:spPr/>
-      <dgm:t>
-        <a:bodyPr/>
-        <a:lstStyle/>
-        <a:p>
-          <a:r>
-            <a:rPr lang="de-DE" dirty="0"/>
-            <a:t>3</a:t>
-          </a:r>
-        </a:p>
-      </dgm:t>
-    </dgm:pt>
-    <dgm:pt modelId="{F5FE2B8B-BC1D-4784-A6DC-84519A0D3547}">
-      <dgm:prSet/>
-      <dgm:spPr/>
-      <dgm:t>
-        <a:bodyPr/>
-        <a:lstStyle/>
-        <a:p>
-          <a:r>
-            <a:rPr lang="en-US" dirty="0"/>
-            <a:t>Class </a:t>
-          </a:r>
-          <a:r>
-            <a:rPr lang="en-US" dirty="0" err="1"/>
-            <a:t>Diagramm</a:t>
-          </a:r>
-          <a:endParaRPr lang="en-US" dirty="0"/>
-        </a:p>
-      </dgm:t>
-    </dgm:pt>
-    <dgm:pt modelId="{33FD5407-554B-46C3-882A-1E13555733D0}" type="parTrans" cxnId="{4376B272-64E7-4E37-9F46-EF3526258E37}">
-      <dgm:prSet/>
-      <dgm:spPr/>
-      <dgm:t>
-        <a:bodyPr/>
-        <a:lstStyle/>
-        <a:p>
-          <a:endParaRPr lang="de-DE"/>
-        </a:p>
-      </dgm:t>
-    </dgm:pt>
-    <dgm:pt modelId="{5822C021-4D7C-4915-8FAB-9F60D78A6E68}" type="sibTrans" cxnId="{4376B272-64E7-4E37-9F46-EF3526258E37}">
-      <dgm:prSet/>
-      <dgm:spPr/>
-      <dgm:t>
-        <a:bodyPr/>
-        <a:lstStyle/>
-        <a:p>
-          <a:r>
-            <a:rPr lang="de-DE" dirty="0"/>
-            <a:t>4</a:t>
-          </a:r>
-        </a:p>
-      </dgm:t>
-    </dgm:pt>
-    <dgm:pt modelId="{A63FA25C-BE03-4176-9199-7E2F2E642294}" type="pres">
-      <dgm:prSet presAssocID="{369D64BE-7FE3-434F-B4CB-CCDCE7042AF5}" presName="Name0" presStyleCnt="0">
-        <dgm:presLayoutVars>
-          <dgm:animLvl val="lvl"/>
-          <dgm:resizeHandles val="exact"/>
-        </dgm:presLayoutVars>
-      </dgm:prSet>
-      <dgm:spPr/>
-    </dgm:pt>
-    <dgm:pt modelId="{3CF1EEFA-2CFF-44E7-8EDA-B814F6FB845C}" type="pres">
-      <dgm:prSet presAssocID="{5131A2B7-AB06-4FBC-8463-6DDCE3C15FFB}" presName="compositeNode" presStyleCnt="0">
-        <dgm:presLayoutVars>
-          <dgm:bulletEnabled val="1"/>
-        </dgm:presLayoutVars>
-      </dgm:prSet>
-      <dgm:spPr/>
-    </dgm:pt>
-    <dgm:pt modelId="{8244D2BC-C3CD-49AA-A622-5539EBEC7156}" type="pres">
-      <dgm:prSet presAssocID="{5131A2B7-AB06-4FBC-8463-6DDCE3C15FFB}" presName="bgRect" presStyleLbl="bgAccFollowNode1" presStyleIdx="0" presStyleCnt="5"/>
-      <dgm:spPr/>
-    </dgm:pt>
-    <dgm:pt modelId="{8BC2C4F4-DB9B-4D3A-B1D2-94D6E7055BFC}" type="pres">
-      <dgm:prSet presAssocID="{4B081836-6ADD-431E-A39C-E499720C12DF}" presName="sibTransNodeCircle" presStyleLbl="alignNode1" presStyleIdx="0" presStyleCnt="10">
-        <dgm:presLayoutVars>
-          <dgm:chMax val="0"/>
-          <dgm:bulletEnabled/>
-        </dgm:presLayoutVars>
-      </dgm:prSet>
-      <dgm:spPr/>
-    </dgm:pt>
-    <dgm:pt modelId="{AE03D52E-B1ED-41FE-AF25-782E7A5C2788}" type="pres">
-      <dgm:prSet presAssocID="{5131A2B7-AB06-4FBC-8463-6DDCE3C15FFB}" presName="bottomLine" presStyleLbl="alignNode1" presStyleIdx="1" presStyleCnt="10">
-        <dgm:presLayoutVars/>
-      </dgm:prSet>
-      <dgm:spPr/>
-    </dgm:pt>
-    <dgm:pt modelId="{B5ABD25E-89FE-4D3F-97CC-7D065DD85032}" type="pres">
-      <dgm:prSet presAssocID="{5131A2B7-AB06-4FBC-8463-6DDCE3C15FFB}" presName="nodeText" presStyleLbl="bgAccFollowNode1" presStyleIdx="0" presStyleCnt="5">
-        <dgm:presLayoutVars>
-          <dgm:bulletEnabled val="1"/>
-        </dgm:presLayoutVars>
-      </dgm:prSet>
-      <dgm:spPr/>
-    </dgm:pt>
-    <dgm:pt modelId="{1EB1F77A-3DF5-4868-9EE6-8E099E7EA1C2}" type="pres">
-      <dgm:prSet presAssocID="{4B081836-6ADD-431E-A39C-E499720C12DF}" presName="sibTrans" presStyleCnt="0"/>
-      <dgm:spPr/>
-    </dgm:pt>
-    <dgm:pt modelId="{193A8B6A-8395-4D92-B017-08DC79223F06}" type="pres">
-      <dgm:prSet presAssocID="{B1BA2627-BE6B-48B0-AE09-C61C7DBE2D91}" presName="compositeNode" presStyleCnt="0">
-        <dgm:presLayoutVars>
-          <dgm:bulletEnabled val="1"/>
-        </dgm:presLayoutVars>
-      </dgm:prSet>
-      <dgm:spPr/>
-    </dgm:pt>
-    <dgm:pt modelId="{7CE42986-174F-402D-AAA4-F72A0AE13FC9}" type="pres">
-      <dgm:prSet presAssocID="{B1BA2627-BE6B-48B0-AE09-C61C7DBE2D91}" presName="bgRect" presStyleLbl="bgAccFollowNode1" presStyleIdx="1" presStyleCnt="5"/>
-      <dgm:spPr/>
-    </dgm:pt>
-    <dgm:pt modelId="{B4F77F2C-29D8-4D56-93C1-3BD951C5B5EA}" type="pres">
-      <dgm:prSet presAssocID="{32710FF1-838F-4729-B394-51A935555D7A}" presName="sibTransNodeCircle" presStyleLbl="alignNode1" presStyleIdx="2" presStyleCnt="10">
-        <dgm:presLayoutVars>
-          <dgm:chMax val="0"/>
-          <dgm:bulletEnabled/>
-        </dgm:presLayoutVars>
-      </dgm:prSet>
-      <dgm:spPr/>
-    </dgm:pt>
-    <dgm:pt modelId="{576A62A5-B2CE-44A0-866C-B31BEFC74421}" type="pres">
-      <dgm:prSet presAssocID="{B1BA2627-BE6B-48B0-AE09-C61C7DBE2D91}" presName="bottomLine" presStyleLbl="alignNode1" presStyleIdx="3" presStyleCnt="10">
-        <dgm:presLayoutVars/>
-      </dgm:prSet>
-      <dgm:spPr/>
-    </dgm:pt>
-    <dgm:pt modelId="{17730E59-93AF-496A-A80B-983601114364}" type="pres">
-      <dgm:prSet presAssocID="{B1BA2627-BE6B-48B0-AE09-C61C7DBE2D91}" presName="nodeText" presStyleLbl="bgAccFollowNode1" presStyleIdx="1" presStyleCnt="5">
-        <dgm:presLayoutVars>
-          <dgm:bulletEnabled val="1"/>
-        </dgm:presLayoutVars>
-      </dgm:prSet>
-      <dgm:spPr/>
-    </dgm:pt>
-    <dgm:pt modelId="{5C1C4201-BE13-4888-9B32-DB4EAD66E728}" type="pres">
-      <dgm:prSet presAssocID="{32710FF1-838F-4729-B394-51A935555D7A}" presName="sibTrans" presStyleCnt="0"/>
-      <dgm:spPr/>
-    </dgm:pt>
-    <dgm:pt modelId="{25EE506F-F299-46AB-8EF3-EEC849C61639}" type="pres">
-      <dgm:prSet presAssocID="{75FAC126-85BF-4BDF-A0E8-DA8CC72D29BC}" presName="compositeNode" presStyleCnt="0">
-        <dgm:presLayoutVars>
-          <dgm:bulletEnabled val="1"/>
-        </dgm:presLayoutVars>
-      </dgm:prSet>
-      <dgm:spPr/>
-    </dgm:pt>
-    <dgm:pt modelId="{CDA03C00-2199-4F4F-A7B0-2E0570AC5EFE}" type="pres">
-      <dgm:prSet presAssocID="{75FAC126-85BF-4BDF-A0E8-DA8CC72D29BC}" presName="bgRect" presStyleLbl="bgAccFollowNode1" presStyleIdx="2" presStyleCnt="5"/>
-      <dgm:spPr/>
-    </dgm:pt>
-    <dgm:pt modelId="{CF7651E0-6B5B-4F50-80B1-6DFB8195D351}" type="pres">
-      <dgm:prSet presAssocID="{8E6CB012-0EC5-451D-AB8D-80FB649AC0C0}" presName="sibTransNodeCircle" presStyleLbl="alignNode1" presStyleIdx="4" presStyleCnt="10">
-        <dgm:presLayoutVars>
-          <dgm:chMax val="0"/>
-          <dgm:bulletEnabled/>
-        </dgm:presLayoutVars>
-      </dgm:prSet>
-      <dgm:spPr/>
-    </dgm:pt>
-    <dgm:pt modelId="{175CA3AA-DFC4-4ECB-A05A-3AB7B7D112DE}" type="pres">
-      <dgm:prSet presAssocID="{75FAC126-85BF-4BDF-A0E8-DA8CC72D29BC}" presName="bottomLine" presStyleLbl="alignNode1" presStyleIdx="5" presStyleCnt="10">
-        <dgm:presLayoutVars/>
-      </dgm:prSet>
-      <dgm:spPr/>
-    </dgm:pt>
-    <dgm:pt modelId="{64C5ACA6-46B2-40FF-8C03-5F99A9EAFCDF}" type="pres">
-      <dgm:prSet presAssocID="{75FAC126-85BF-4BDF-A0E8-DA8CC72D29BC}" presName="nodeText" presStyleLbl="bgAccFollowNode1" presStyleIdx="2" presStyleCnt="5">
-        <dgm:presLayoutVars>
-          <dgm:bulletEnabled val="1"/>
-        </dgm:presLayoutVars>
-      </dgm:prSet>
-      <dgm:spPr/>
-    </dgm:pt>
-    <dgm:pt modelId="{EEFE1FA3-7F51-49AF-ABC9-C1D6B40D1DD6}" type="pres">
-      <dgm:prSet presAssocID="{8E6CB012-0EC5-451D-AB8D-80FB649AC0C0}" presName="sibTrans" presStyleCnt="0"/>
-      <dgm:spPr/>
-    </dgm:pt>
-    <dgm:pt modelId="{6C7A9550-664C-483B-894E-A2585C713E9F}" type="pres">
-      <dgm:prSet presAssocID="{F5FE2B8B-BC1D-4784-A6DC-84519A0D3547}" presName="compositeNode" presStyleCnt="0">
-        <dgm:presLayoutVars>
-          <dgm:bulletEnabled val="1"/>
-        </dgm:presLayoutVars>
-      </dgm:prSet>
-      <dgm:spPr/>
-    </dgm:pt>
-    <dgm:pt modelId="{1BB5DF9E-7FDA-4784-B576-142FB1F9A39F}" type="pres">
-      <dgm:prSet presAssocID="{F5FE2B8B-BC1D-4784-A6DC-84519A0D3547}" presName="bgRect" presStyleLbl="bgAccFollowNode1" presStyleIdx="3" presStyleCnt="5"/>
-      <dgm:spPr/>
-    </dgm:pt>
-    <dgm:pt modelId="{B1B4639B-3B0E-4058-90A6-78A27D00BB73}" type="pres">
-      <dgm:prSet presAssocID="{5822C021-4D7C-4915-8FAB-9F60D78A6E68}" presName="sibTransNodeCircle" presStyleLbl="alignNode1" presStyleIdx="6" presStyleCnt="10">
-        <dgm:presLayoutVars>
-          <dgm:chMax val="0"/>
-          <dgm:bulletEnabled/>
-        </dgm:presLayoutVars>
-      </dgm:prSet>
-      <dgm:spPr/>
-    </dgm:pt>
-    <dgm:pt modelId="{CC97B2EB-D460-41AF-A126-D47281766A12}" type="pres">
-      <dgm:prSet presAssocID="{F5FE2B8B-BC1D-4784-A6DC-84519A0D3547}" presName="bottomLine" presStyleLbl="alignNode1" presStyleIdx="7" presStyleCnt="10">
-        <dgm:presLayoutVars/>
-      </dgm:prSet>
-      <dgm:spPr/>
-    </dgm:pt>
-    <dgm:pt modelId="{56246A5E-6331-4263-AC5E-1E2287F6317B}" type="pres">
-      <dgm:prSet presAssocID="{F5FE2B8B-BC1D-4784-A6DC-84519A0D3547}" presName="nodeText" presStyleLbl="bgAccFollowNode1" presStyleIdx="3" presStyleCnt="5">
-        <dgm:presLayoutVars>
-          <dgm:bulletEnabled val="1"/>
-        </dgm:presLayoutVars>
-      </dgm:prSet>
-      <dgm:spPr/>
-    </dgm:pt>
-    <dgm:pt modelId="{5934575A-87F7-4ADE-9E91-F42F7E189DF5}" type="pres">
-      <dgm:prSet presAssocID="{5822C021-4D7C-4915-8FAB-9F60D78A6E68}" presName="sibTrans" presStyleCnt="0"/>
-      <dgm:spPr/>
-    </dgm:pt>
-    <dgm:pt modelId="{1FBFA5B5-EF69-4AC7-940E-D99EA932D94E}" type="pres">
-      <dgm:prSet presAssocID="{2907B055-42FD-4E87-A353-2E1E37FFC2F5}" presName="compositeNode" presStyleCnt="0">
-        <dgm:presLayoutVars>
-          <dgm:bulletEnabled val="1"/>
-        </dgm:presLayoutVars>
-      </dgm:prSet>
-      <dgm:spPr/>
-    </dgm:pt>
-    <dgm:pt modelId="{5B13AE6E-1ED1-4EA9-91C3-5279AA3C7F81}" type="pres">
-      <dgm:prSet presAssocID="{2907B055-42FD-4E87-A353-2E1E37FFC2F5}" presName="bgRect" presStyleLbl="bgAccFollowNode1" presStyleIdx="4" presStyleCnt="5"/>
-      <dgm:spPr/>
-    </dgm:pt>
-    <dgm:pt modelId="{416EBCA6-B48F-46C6-8184-1799180CB4D2}" type="pres">
-      <dgm:prSet presAssocID="{EEA0B559-1AE3-43FF-915B-C9761F6B03D3}" presName="sibTransNodeCircle" presStyleLbl="alignNode1" presStyleIdx="8" presStyleCnt="10">
-        <dgm:presLayoutVars>
-          <dgm:chMax val="0"/>
-          <dgm:bulletEnabled/>
-        </dgm:presLayoutVars>
-      </dgm:prSet>
-      <dgm:spPr/>
-    </dgm:pt>
-    <dgm:pt modelId="{78017120-E431-4EE9-8185-DA975EF59233}" type="pres">
-      <dgm:prSet presAssocID="{2907B055-42FD-4E87-A353-2E1E37FFC2F5}" presName="bottomLine" presStyleLbl="alignNode1" presStyleIdx="9" presStyleCnt="10">
-        <dgm:presLayoutVars/>
-      </dgm:prSet>
-      <dgm:spPr/>
-    </dgm:pt>
-    <dgm:pt modelId="{090B7135-6CBA-44ED-B053-89584AB7CCBF}" type="pres">
-      <dgm:prSet presAssocID="{2907B055-42FD-4E87-A353-2E1E37FFC2F5}" presName="nodeText" presStyleLbl="bgAccFollowNode1" presStyleIdx="4" presStyleCnt="5">
-        <dgm:presLayoutVars>
-          <dgm:bulletEnabled val="1"/>
-        </dgm:presLayoutVars>
-      </dgm:prSet>
-      <dgm:spPr/>
-    </dgm:pt>
-  </dgm:ptLst>
-  <dgm:cxnLst>
-    <dgm:cxn modelId="{335AEEF2-BD50-430E-84CA-37F58057D87B}" type="presOf" srcId="{EEA0B559-1AE3-43FF-915B-C9761F6B03D3}" destId="{416EBCA6-B48F-46C6-8184-1799180CB4D2}" srcOrd="0" destOrd="0" presId="urn:microsoft.com/office/officeart/2016/7/layout/BasicLinearProcessNumbered"/>
-    <dgm:cxn modelId="{FA09B847-695A-415D-ABAC-95D72702CB90}" srcId="{369D64BE-7FE3-434F-B4CB-CCDCE7042AF5}" destId="{75FAC126-85BF-4BDF-A0E8-DA8CC72D29BC}" srcOrd="2" destOrd="0" parTransId="{D9DCC64A-8315-461B-A2F9-77416D065D1A}" sibTransId="{8E6CB012-0EC5-451D-AB8D-80FB649AC0C0}"/>
-    <dgm:cxn modelId="{3C83D4DE-1840-4A63-AF7A-B505851B5662}" type="presOf" srcId="{2907B055-42FD-4E87-A353-2E1E37FFC2F5}" destId="{090B7135-6CBA-44ED-B053-89584AB7CCBF}" srcOrd="1" destOrd="0" presId="urn:microsoft.com/office/officeart/2016/7/layout/BasicLinearProcessNumbered"/>
-    <dgm:cxn modelId="{6378CA3A-454F-44DC-AB72-A90530EE0D9B}" type="presOf" srcId="{4B081836-6ADD-431E-A39C-E499720C12DF}" destId="{8BC2C4F4-DB9B-4D3A-B1D2-94D6E7055BFC}" srcOrd="0" destOrd="0" presId="urn:microsoft.com/office/officeart/2016/7/layout/BasicLinearProcessNumbered"/>
-    <dgm:cxn modelId="{4376B272-64E7-4E37-9F46-EF3526258E37}" srcId="{369D64BE-7FE3-434F-B4CB-CCDCE7042AF5}" destId="{F5FE2B8B-BC1D-4784-A6DC-84519A0D3547}" srcOrd="3" destOrd="0" parTransId="{33FD5407-554B-46C3-882A-1E13555733D0}" sibTransId="{5822C021-4D7C-4915-8FAB-9F60D78A6E68}"/>
-    <dgm:cxn modelId="{A5CC59CE-DFB9-4603-8BEF-EC951028E5BF}" type="presOf" srcId="{8E6CB012-0EC5-451D-AB8D-80FB649AC0C0}" destId="{CF7651E0-6B5B-4F50-80B1-6DFB8195D351}" srcOrd="0" destOrd="0" presId="urn:microsoft.com/office/officeart/2016/7/layout/BasicLinearProcessNumbered"/>
-    <dgm:cxn modelId="{E92447A8-5CFC-4F07-A5E9-FC4B5B092B90}" type="presOf" srcId="{75FAC126-85BF-4BDF-A0E8-DA8CC72D29BC}" destId="{CDA03C00-2199-4F4F-A7B0-2E0570AC5EFE}" srcOrd="0" destOrd="0" presId="urn:microsoft.com/office/officeart/2016/7/layout/BasicLinearProcessNumbered"/>
-    <dgm:cxn modelId="{B8947582-A7C6-466F-9834-1701BD3D7719}" type="presOf" srcId="{32710FF1-838F-4729-B394-51A935555D7A}" destId="{B4F77F2C-29D8-4D56-93C1-3BD951C5B5EA}" srcOrd="0" destOrd="0" presId="urn:microsoft.com/office/officeart/2016/7/layout/BasicLinearProcessNumbered"/>
-    <dgm:cxn modelId="{FFF721B5-8630-4529-8477-B709D11E1CED}" type="presOf" srcId="{F5FE2B8B-BC1D-4784-A6DC-84519A0D3547}" destId="{1BB5DF9E-7FDA-4784-B576-142FB1F9A39F}" srcOrd="0" destOrd="0" presId="urn:microsoft.com/office/officeart/2016/7/layout/BasicLinearProcessNumbered"/>
-    <dgm:cxn modelId="{82B87A1E-E481-458D-A45B-BB895B6C8B4D}" type="presOf" srcId="{5131A2B7-AB06-4FBC-8463-6DDCE3C15FFB}" destId="{B5ABD25E-89FE-4D3F-97CC-7D065DD85032}" srcOrd="1" destOrd="0" presId="urn:microsoft.com/office/officeart/2016/7/layout/BasicLinearProcessNumbered"/>
-    <dgm:cxn modelId="{F07D594D-9A39-4842-855C-CBF9646679D4}" type="presOf" srcId="{369D64BE-7FE3-434F-B4CB-CCDCE7042AF5}" destId="{A63FA25C-BE03-4176-9199-7E2F2E642294}" srcOrd="0" destOrd="0" presId="urn:microsoft.com/office/officeart/2016/7/layout/BasicLinearProcessNumbered"/>
-    <dgm:cxn modelId="{B535CB5B-66E2-4311-AFD8-B966CCFC4F93}" srcId="{369D64BE-7FE3-434F-B4CB-CCDCE7042AF5}" destId="{5131A2B7-AB06-4FBC-8463-6DDCE3C15FFB}" srcOrd="0" destOrd="0" parTransId="{5928BFDD-7D08-465F-BDBB-0FB3DA3BC924}" sibTransId="{4B081836-6ADD-431E-A39C-E499720C12DF}"/>
-    <dgm:cxn modelId="{6D6A06A3-9F7C-4EDB-8C75-D9700232B0D2}" type="presOf" srcId="{B1BA2627-BE6B-48B0-AE09-C61C7DBE2D91}" destId="{7CE42986-174F-402D-AAA4-F72A0AE13FC9}" srcOrd="0" destOrd="0" presId="urn:microsoft.com/office/officeart/2016/7/layout/BasicLinearProcessNumbered"/>
-    <dgm:cxn modelId="{1EA5F411-B490-4180-AFA4-0E77EA97417E}" type="presOf" srcId="{5131A2B7-AB06-4FBC-8463-6DDCE3C15FFB}" destId="{8244D2BC-C3CD-49AA-A622-5539EBEC7156}" srcOrd="0" destOrd="0" presId="urn:microsoft.com/office/officeart/2016/7/layout/BasicLinearProcessNumbered"/>
-    <dgm:cxn modelId="{AF98B68A-2EFF-40E8-BE00-2F67DE316721}" type="presOf" srcId="{5822C021-4D7C-4915-8FAB-9F60D78A6E68}" destId="{B1B4639B-3B0E-4058-90A6-78A27D00BB73}" srcOrd="0" destOrd="0" presId="urn:microsoft.com/office/officeart/2016/7/layout/BasicLinearProcessNumbered"/>
-    <dgm:cxn modelId="{D5A49F24-AC20-4364-8EB4-195E38E9812A}" type="presOf" srcId="{B1BA2627-BE6B-48B0-AE09-C61C7DBE2D91}" destId="{17730E59-93AF-496A-A80B-983601114364}" srcOrd="1" destOrd="0" presId="urn:microsoft.com/office/officeart/2016/7/layout/BasicLinearProcessNumbered"/>
-    <dgm:cxn modelId="{1AAAB769-DD72-4CF8-95A6-6A1E6C2C6D7F}" srcId="{369D64BE-7FE3-434F-B4CB-CCDCE7042AF5}" destId="{B1BA2627-BE6B-48B0-AE09-C61C7DBE2D91}" srcOrd="1" destOrd="0" parTransId="{A1F8A57B-94EB-48A6-8B33-B7FF582B94C9}" sibTransId="{32710FF1-838F-4729-B394-51A935555D7A}"/>
-    <dgm:cxn modelId="{97C49804-1BB9-4C80-90F6-B36E8EEC27C3}" type="presOf" srcId="{75FAC126-85BF-4BDF-A0E8-DA8CC72D29BC}" destId="{64C5ACA6-46B2-40FF-8C03-5F99A9EAFCDF}" srcOrd="1" destOrd="0" presId="urn:microsoft.com/office/officeart/2016/7/layout/BasicLinearProcessNumbered"/>
-    <dgm:cxn modelId="{04EB453B-06D3-490E-863D-66864BB85E6A}" type="presOf" srcId="{F5FE2B8B-BC1D-4784-A6DC-84519A0D3547}" destId="{56246A5E-6331-4263-AC5E-1E2287F6317B}" srcOrd="1" destOrd="0" presId="urn:microsoft.com/office/officeart/2016/7/layout/BasicLinearProcessNumbered"/>
-    <dgm:cxn modelId="{29648264-B36E-4683-98A7-4A77FA385A5E}" srcId="{369D64BE-7FE3-434F-B4CB-CCDCE7042AF5}" destId="{2907B055-42FD-4E87-A353-2E1E37FFC2F5}" srcOrd="4" destOrd="0" parTransId="{59ABF9FC-5F21-4159-A427-94500860EEE2}" sibTransId="{EEA0B559-1AE3-43FF-915B-C9761F6B03D3}"/>
-    <dgm:cxn modelId="{D49BD09B-E9CE-4339-8FAB-D45853533301}" type="presOf" srcId="{2907B055-42FD-4E87-A353-2E1E37FFC2F5}" destId="{5B13AE6E-1ED1-4EA9-91C3-5279AA3C7F81}" srcOrd="0" destOrd="0" presId="urn:microsoft.com/office/officeart/2016/7/layout/BasicLinearProcessNumbered"/>
-    <dgm:cxn modelId="{31F582F8-B587-4107-9675-3E65C17B6DAE}" type="presParOf" srcId="{A63FA25C-BE03-4176-9199-7E2F2E642294}" destId="{3CF1EEFA-2CFF-44E7-8EDA-B814F6FB845C}" srcOrd="0" destOrd="0" presId="urn:microsoft.com/office/officeart/2016/7/layout/BasicLinearProcessNumbered"/>
-    <dgm:cxn modelId="{3C2F0F22-1D11-4313-A143-BF69DDBA7957}" type="presParOf" srcId="{3CF1EEFA-2CFF-44E7-8EDA-B814F6FB845C}" destId="{8244D2BC-C3CD-49AA-A622-5539EBEC7156}" srcOrd="0" destOrd="0" presId="urn:microsoft.com/office/officeart/2016/7/layout/BasicLinearProcessNumbered"/>
-    <dgm:cxn modelId="{711A63D9-4851-48CF-92A2-D434FE509353}" type="presParOf" srcId="{3CF1EEFA-2CFF-44E7-8EDA-B814F6FB845C}" destId="{8BC2C4F4-DB9B-4D3A-B1D2-94D6E7055BFC}" srcOrd="1" destOrd="0" presId="urn:microsoft.com/office/officeart/2016/7/layout/BasicLinearProcessNumbered"/>
-    <dgm:cxn modelId="{604FC262-DC13-4944-A812-75257B966D11}" type="presParOf" srcId="{3CF1EEFA-2CFF-44E7-8EDA-B814F6FB845C}" destId="{AE03D52E-B1ED-41FE-AF25-782E7A5C2788}" srcOrd="2" destOrd="0" presId="urn:microsoft.com/office/officeart/2016/7/layout/BasicLinearProcessNumbered"/>
-    <dgm:cxn modelId="{43ECB740-94FF-4599-AE8F-4E330F56B2C8}" type="presParOf" srcId="{3CF1EEFA-2CFF-44E7-8EDA-B814F6FB845C}" destId="{B5ABD25E-89FE-4D3F-97CC-7D065DD85032}" srcOrd="3" destOrd="0" presId="urn:microsoft.com/office/officeart/2016/7/layout/BasicLinearProcessNumbered"/>
-    <dgm:cxn modelId="{7C76AF36-C5A9-4EBF-BF55-BF73282E88CA}" type="presParOf" srcId="{A63FA25C-BE03-4176-9199-7E2F2E642294}" destId="{1EB1F77A-3DF5-4868-9EE6-8E099E7EA1C2}" srcOrd="1" destOrd="0" presId="urn:microsoft.com/office/officeart/2016/7/layout/BasicLinearProcessNumbered"/>
-    <dgm:cxn modelId="{E7F4BAB7-9C0F-4C9C-AE0D-BE20377F939D}" type="presParOf" srcId="{A63FA25C-BE03-4176-9199-7E2F2E642294}" destId="{193A8B6A-8395-4D92-B017-08DC79223F06}" srcOrd="2" destOrd="0" presId="urn:microsoft.com/office/officeart/2016/7/layout/BasicLinearProcessNumbered"/>
-    <dgm:cxn modelId="{C4239253-4B5D-4C87-AFC8-5474E4774D63}" type="presParOf" srcId="{193A8B6A-8395-4D92-B017-08DC79223F06}" destId="{7CE42986-174F-402D-AAA4-F72A0AE13FC9}" srcOrd="0" destOrd="0" presId="urn:microsoft.com/office/officeart/2016/7/layout/BasicLinearProcessNumbered"/>
-    <dgm:cxn modelId="{E558E112-BFDC-4B8D-A1DB-96FFD88744B9}" type="presParOf" srcId="{193A8B6A-8395-4D92-B017-08DC79223F06}" destId="{B4F77F2C-29D8-4D56-93C1-3BD951C5B5EA}" srcOrd="1" destOrd="0" presId="urn:microsoft.com/office/officeart/2016/7/layout/BasicLinearProcessNumbered"/>
-    <dgm:cxn modelId="{231ADC89-6600-4B12-B93E-8285C8B04EC5}" type="presParOf" srcId="{193A8B6A-8395-4D92-B017-08DC79223F06}" destId="{576A62A5-B2CE-44A0-866C-B31BEFC74421}" srcOrd="2" destOrd="0" presId="urn:microsoft.com/office/officeart/2016/7/layout/BasicLinearProcessNumbered"/>
-    <dgm:cxn modelId="{643D5FB4-EE11-4E5E-8CD4-F64F2C7AB338}" type="presParOf" srcId="{193A8B6A-8395-4D92-B017-08DC79223F06}" destId="{17730E59-93AF-496A-A80B-983601114364}" srcOrd="3" destOrd="0" presId="urn:microsoft.com/office/officeart/2016/7/layout/BasicLinearProcessNumbered"/>
-    <dgm:cxn modelId="{AE09EAFC-FA90-415C-BEAE-B74AC998475D}" type="presParOf" srcId="{A63FA25C-BE03-4176-9199-7E2F2E642294}" destId="{5C1C4201-BE13-4888-9B32-DB4EAD66E728}" srcOrd="3" destOrd="0" presId="urn:microsoft.com/office/officeart/2016/7/layout/BasicLinearProcessNumbered"/>
-    <dgm:cxn modelId="{8C44B8CF-5BAD-4B8A-BF04-3E5D94C7D054}" type="presParOf" srcId="{A63FA25C-BE03-4176-9199-7E2F2E642294}" destId="{25EE506F-F299-46AB-8EF3-EEC849C61639}" srcOrd="4" destOrd="0" presId="urn:microsoft.com/office/officeart/2016/7/layout/BasicLinearProcessNumbered"/>
-    <dgm:cxn modelId="{F689843B-CF61-4058-A9C8-E7093CD08B38}" type="presParOf" srcId="{25EE506F-F299-46AB-8EF3-EEC849C61639}" destId="{CDA03C00-2199-4F4F-A7B0-2E0570AC5EFE}" srcOrd="0" destOrd="0" presId="urn:microsoft.com/office/officeart/2016/7/layout/BasicLinearProcessNumbered"/>
-    <dgm:cxn modelId="{5B56E9F4-726A-4717-8E56-7EFB3CFE1142}" type="presParOf" srcId="{25EE506F-F299-46AB-8EF3-EEC849C61639}" destId="{CF7651E0-6B5B-4F50-80B1-6DFB8195D351}" srcOrd="1" destOrd="0" presId="urn:microsoft.com/office/officeart/2016/7/layout/BasicLinearProcessNumbered"/>
-    <dgm:cxn modelId="{5BBDD300-4EE0-4C9F-96D1-FC84190DAFBA}" type="presParOf" srcId="{25EE506F-F299-46AB-8EF3-EEC849C61639}" destId="{175CA3AA-DFC4-4ECB-A05A-3AB7B7D112DE}" srcOrd="2" destOrd="0" presId="urn:microsoft.com/office/officeart/2016/7/layout/BasicLinearProcessNumbered"/>
-    <dgm:cxn modelId="{8AA80FA4-7C53-4571-B20B-2B0AF06E801F}" type="presParOf" srcId="{25EE506F-F299-46AB-8EF3-EEC849C61639}" destId="{64C5ACA6-46B2-40FF-8C03-5F99A9EAFCDF}" srcOrd="3" destOrd="0" presId="urn:microsoft.com/office/officeart/2016/7/layout/BasicLinearProcessNumbered"/>
-    <dgm:cxn modelId="{1E0447E9-91E5-4F78-B872-3623BCD59B9E}" type="presParOf" srcId="{A63FA25C-BE03-4176-9199-7E2F2E642294}" destId="{EEFE1FA3-7F51-49AF-ABC9-C1D6B40D1DD6}" srcOrd="5" destOrd="0" presId="urn:microsoft.com/office/officeart/2016/7/layout/BasicLinearProcessNumbered"/>
-    <dgm:cxn modelId="{E9843E72-192E-4426-A7E8-CFC643501732}" type="presParOf" srcId="{A63FA25C-BE03-4176-9199-7E2F2E642294}" destId="{6C7A9550-664C-483B-894E-A2585C713E9F}" srcOrd="6" destOrd="0" presId="urn:microsoft.com/office/officeart/2016/7/layout/BasicLinearProcessNumbered"/>
-    <dgm:cxn modelId="{58B70E8D-B7B8-4327-A97D-D5A7F609BA44}" type="presParOf" srcId="{6C7A9550-664C-483B-894E-A2585C713E9F}" destId="{1BB5DF9E-7FDA-4784-B576-142FB1F9A39F}" srcOrd="0" destOrd="0" presId="urn:microsoft.com/office/officeart/2016/7/layout/BasicLinearProcessNumbered"/>
-    <dgm:cxn modelId="{25AEFB3F-0DDF-42D4-A384-CBEFEB2C51FA}" type="presParOf" srcId="{6C7A9550-664C-483B-894E-A2585C713E9F}" destId="{B1B4639B-3B0E-4058-90A6-78A27D00BB73}" srcOrd="1" destOrd="0" presId="urn:microsoft.com/office/officeart/2016/7/layout/BasicLinearProcessNumbered"/>
-    <dgm:cxn modelId="{BDE3EB99-8D2E-493A-B1D1-0A36769160A8}" type="presParOf" srcId="{6C7A9550-664C-483B-894E-A2585C713E9F}" destId="{CC97B2EB-D460-41AF-A126-D47281766A12}" srcOrd="2" destOrd="0" presId="urn:microsoft.com/office/officeart/2016/7/layout/BasicLinearProcessNumbered"/>
-    <dgm:cxn modelId="{E5105F7E-A89D-492A-A750-0750E30C6B2F}" type="presParOf" srcId="{6C7A9550-664C-483B-894E-A2585C713E9F}" destId="{56246A5E-6331-4263-AC5E-1E2287F6317B}" srcOrd="3" destOrd="0" presId="urn:microsoft.com/office/officeart/2016/7/layout/BasicLinearProcessNumbered"/>
-    <dgm:cxn modelId="{B2ADA469-8612-45C7-A8AD-5D00402B8D10}" type="presParOf" srcId="{A63FA25C-BE03-4176-9199-7E2F2E642294}" destId="{5934575A-87F7-4ADE-9E91-F42F7E189DF5}" srcOrd="7" destOrd="0" presId="urn:microsoft.com/office/officeart/2016/7/layout/BasicLinearProcessNumbered"/>
-    <dgm:cxn modelId="{37031D09-05FE-4408-BCF0-7B6B69429E9B}" type="presParOf" srcId="{A63FA25C-BE03-4176-9199-7E2F2E642294}" destId="{1FBFA5B5-EF69-4AC7-940E-D99EA932D94E}" srcOrd="8" destOrd="0" presId="urn:microsoft.com/office/officeart/2016/7/layout/BasicLinearProcessNumbered"/>
-    <dgm:cxn modelId="{44D58136-A815-4AD4-95A2-AC62D79D7B80}" type="presParOf" srcId="{1FBFA5B5-EF69-4AC7-940E-D99EA932D94E}" destId="{5B13AE6E-1ED1-4EA9-91C3-5279AA3C7F81}" srcOrd="0" destOrd="0" presId="urn:microsoft.com/office/officeart/2016/7/layout/BasicLinearProcessNumbered"/>
-    <dgm:cxn modelId="{D174E1A9-7729-48ED-A7CE-A396BF355109}" type="presParOf" srcId="{1FBFA5B5-EF69-4AC7-940E-D99EA932D94E}" destId="{416EBCA6-B48F-46C6-8184-1799180CB4D2}" srcOrd="1" destOrd="0" presId="urn:microsoft.com/office/officeart/2016/7/layout/BasicLinearProcessNumbered"/>
-    <dgm:cxn modelId="{AA9B54C0-2BAB-4B68-972E-64F659085E96}" type="presParOf" srcId="{1FBFA5B5-EF69-4AC7-940E-D99EA932D94E}" destId="{78017120-E431-4EE9-8185-DA975EF59233}" srcOrd="2" destOrd="0" presId="urn:microsoft.com/office/officeart/2016/7/layout/BasicLinearProcessNumbered"/>
-    <dgm:cxn modelId="{5B87AD25-C899-4E65-BA67-2EE98EF6A6DD}" type="presParOf" srcId="{1FBFA5B5-EF69-4AC7-940E-D99EA932D94E}" destId="{090B7135-6CBA-44ED-B053-89584AB7CCBF}" srcOrd="3" destOrd="0" presId="urn:microsoft.com/office/officeart/2016/7/layout/BasicLinearProcessNumbered"/>
-  </dgm:cxnLst>
-  <dgm:bg/>
-  <dgm:whole/>
-  <dgm:extLst>
-    <a:ext uri="http://schemas.microsoft.com/office/drawing/2008/diagram">
-      <dsp:dataModelExt xmlns:dsp="http://schemas.microsoft.com/office/drawing/2008/diagram" relId="rId6" minVer="http://schemas.openxmlformats.org/drawingml/2006/diagram"/>
-    </a:ext>
-  </dgm:extLst>
-</dgm:dataModel>
-</file>
-
-<file path=ppt/diagrams/drawing1.xml><?xml version="1.0" encoding="utf-8"?>
-<dsp:drawing xmlns:dgm="http://schemas.openxmlformats.org/drawingml/2006/diagram" xmlns:dsp="http://schemas.microsoft.com/office/drawing/2008/diagram" xmlns:a="http://schemas.openxmlformats.org/drawingml/2006/main">
-  <dsp:spTree>
-    <dsp:nvGrpSpPr>
-      <dsp:cNvPr id="0" name=""/>
-      <dsp:cNvGrpSpPr/>
-    </dsp:nvGrpSpPr>
-    <dsp:grpSpPr/>
-    <dsp:sp modelId="{8244D2BC-C3CD-49AA-A622-5539EBEC7156}">
-      <dsp:nvSpPr>
-        <dsp:cNvPr id="0" name=""/>
-        <dsp:cNvSpPr/>
-      </dsp:nvSpPr>
-      <dsp:spPr>
-        <a:xfrm>
-          <a:off x="3594" y="813467"/>
-          <a:ext cx="1946002" cy="2724403"/>
-        </a:xfrm>
-        <a:prstGeom prst="rect">
-          <a:avLst/>
-        </a:prstGeom>
-        <a:solidFill>
-          <a:schemeClr val="bg1">
-            <a:lumMod val="95000"/>
-            <a:hueOff val="0"/>
-            <a:satOff val="0"/>
-            <a:lumOff val="0"/>
-            <a:alphaOff val="0"/>
-          </a:schemeClr>
-        </a:solidFill>
-        <a:ln w="12700" cap="flat" cmpd="sng" algn="ctr">
-          <a:solidFill>
-            <a:schemeClr val="bg1">
-              <a:lumMod val="95000"/>
-              <a:hueOff val="0"/>
-              <a:satOff val="0"/>
-              <a:lumOff val="0"/>
-              <a:alphaOff val="0"/>
-            </a:schemeClr>
-          </a:solidFill>
-          <a:prstDash val="solid"/>
-          <a:miter lim="800000"/>
-        </a:ln>
-        <a:effectLst/>
-      </dsp:spPr>
-      <dsp:style>
-        <a:lnRef idx="2">
-          <a:scrgbClr r="0" g="0" b="0"/>
-        </a:lnRef>
-        <a:fillRef idx="1">
-          <a:scrgbClr r="0" g="0" b="0"/>
-        </a:fillRef>
-        <a:effectRef idx="0">
-          <a:scrgbClr r="0" g="0" b="0"/>
-        </a:effectRef>
-        <a:fontRef idx="minor"/>
-      </dsp:style>
-      <dsp:txBody>
-        <a:bodyPr spcFirstLastPara="0" vert="horz" wrap="square" lIns="151718" tIns="330200" rIns="151718" bIns="330200" numCol="1" spcCol="1270" anchor="t" anchorCtr="0">
-          <a:noAutofit/>
-        </a:bodyPr>
-        <a:lstStyle/>
-        <a:p>
-          <a:pPr marL="0" lvl="0" indent="0" algn="l" defTabSz="977900">
-            <a:lnSpc>
-              <a:spcPct val="90000"/>
-            </a:lnSpc>
-            <a:spcBef>
-              <a:spcPct val="0"/>
-            </a:spcBef>
-            <a:spcAft>
-              <a:spcPct val="35000"/>
-            </a:spcAft>
-            <a:buNone/>
-          </a:pPr>
-          <a:r>
-            <a:rPr lang="de-AT" sz="2200" kern="1200" dirty="0"/>
-            <a:t>Allgemein</a:t>
-          </a:r>
-          <a:endParaRPr lang="en-US" sz="2200" kern="1200" dirty="0"/>
-        </a:p>
-      </dsp:txBody>
-      <dsp:txXfrm>
-        <a:off x="3594" y="1848740"/>
-        <a:ext cx="1946002" cy="1634641"/>
-      </dsp:txXfrm>
-    </dsp:sp>
-    <dsp:sp modelId="{8BC2C4F4-DB9B-4D3A-B1D2-94D6E7055BFC}">
-      <dsp:nvSpPr>
-        <dsp:cNvPr id="0" name=""/>
-        <dsp:cNvSpPr/>
-      </dsp:nvSpPr>
-      <dsp:spPr>
-        <a:xfrm>
-          <a:off x="567934" y="1085907"/>
-          <a:ext cx="817320" cy="817320"/>
-        </a:xfrm>
-        <a:prstGeom prst="ellipse">
-          <a:avLst/>
-        </a:prstGeom>
-        <a:solidFill>
-          <a:schemeClr val="accent1">
-            <a:hueOff val="0"/>
-            <a:satOff val="0"/>
-            <a:lumOff val="0"/>
-            <a:alphaOff val="0"/>
-          </a:schemeClr>
-        </a:solidFill>
-        <a:ln w="12700" cap="flat" cmpd="sng" algn="ctr">
-          <a:solidFill>
-            <a:schemeClr val="accent1">
-              <a:hueOff val="0"/>
-              <a:satOff val="0"/>
-              <a:lumOff val="0"/>
-              <a:alphaOff val="0"/>
-            </a:schemeClr>
-          </a:solidFill>
-          <a:prstDash val="solid"/>
-          <a:miter lim="800000"/>
-        </a:ln>
-        <a:effectLst/>
-      </dsp:spPr>
-      <dsp:style>
-        <a:lnRef idx="2">
-          <a:scrgbClr r="0" g="0" b="0"/>
-        </a:lnRef>
-        <a:fillRef idx="1">
-          <a:scrgbClr r="0" g="0" b="0"/>
-        </a:fillRef>
-        <a:effectRef idx="0">
-          <a:scrgbClr r="0" g="0" b="0"/>
-        </a:effectRef>
-        <a:fontRef idx="minor">
-          <a:schemeClr val="lt1"/>
-        </a:fontRef>
-      </dsp:style>
-      <dsp:txBody>
-        <a:bodyPr spcFirstLastPara="0" vert="horz" wrap="square" lIns="63722" tIns="12700" rIns="63722" bIns="12700" numCol="1" spcCol="1270" anchor="ctr" anchorCtr="0">
-          <a:noAutofit/>
-        </a:bodyPr>
-        <a:lstStyle/>
-        <a:p>
-          <a:pPr marL="0" lvl="0" indent="0" algn="ctr" defTabSz="1733550">
-            <a:lnSpc>
-              <a:spcPct val="90000"/>
-            </a:lnSpc>
-            <a:spcBef>
-              <a:spcPct val="0"/>
-            </a:spcBef>
-            <a:spcAft>
-              <a:spcPct val="35000"/>
-            </a:spcAft>
-            <a:buNone/>
-          </a:pPr>
-          <a:r>
-            <a:rPr lang="en-US" sz="3900" kern="1200" dirty="0"/>
-            <a:t>1</a:t>
-          </a:r>
-        </a:p>
-      </dsp:txBody>
-      <dsp:txXfrm>
-        <a:off x="687628" y="1205601"/>
-        <a:ext cx="577932" cy="577932"/>
-      </dsp:txXfrm>
-    </dsp:sp>
-    <dsp:sp modelId="{AE03D52E-B1ED-41FE-AF25-782E7A5C2788}">
-      <dsp:nvSpPr>
-        <dsp:cNvPr id="0" name=""/>
-        <dsp:cNvSpPr/>
-      </dsp:nvSpPr>
-      <dsp:spPr>
-        <a:xfrm>
-          <a:off x="3594" y="3537798"/>
-          <a:ext cx="1946002" cy="72"/>
-        </a:xfrm>
-        <a:prstGeom prst="rect">
-          <a:avLst/>
-        </a:prstGeom>
-        <a:solidFill>
-          <a:schemeClr val="accent1">
-            <a:hueOff val="0"/>
-            <a:satOff val="0"/>
-            <a:lumOff val="0"/>
-            <a:alphaOff val="0"/>
-          </a:schemeClr>
-        </a:solidFill>
-        <a:ln w="12700" cap="flat" cmpd="sng" algn="ctr">
-          <a:solidFill>
-            <a:schemeClr val="accent1">
-              <a:hueOff val="0"/>
-              <a:satOff val="0"/>
-              <a:lumOff val="0"/>
-              <a:alphaOff val="0"/>
-            </a:schemeClr>
-          </a:solidFill>
-          <a:prstDash val="solid"/>
-          <a:miter lim="800000"/>
-        </a:ln>
-        <a:effectLst/>
-      </dsp:spPr>
-      <dsp:style>
-        <a:lnRef idx="2">
-          <a:scrgbClr r="0" g="0" b="0"/>
-        </a:lnRef>
-        <a:fillRef idx="1">
-          <a:scrgbClr r="0" g="0" b="0"/>
-        </a:fillRef>
-        <a:effectRef idx="0">
-          <a:scrgbClr r="0" g="0" b="0"/>
-        </a:effectRef>
-        <a:fontRef idx="minor">
-          <a:schemeClr val="lt1"/>
-        </a:fontRef>
-      </dsp:style>
-    </dsp:sp>
-    <dsp:sp modelId="{7CE42986-174F-402D-AAA4-F72A0AE13FC9}">
-      <dsp:nvSpPr>
-        <dsp:cNvPr id="0" name=""/>
-        <dsp:cNvSpPr/>
-      </dsp:nvSpPr>
-      <dsp:spPr>
-        <a:xfrm>
-          <a:off x="2144196" y="813467"/>
-          <a:ext cx="1946002" cy="2724403"/>
-        </a:xfrm>
-        <a:prstGeom prst="rect">
-          <a:avLst/>
-        </a:prstGeom>
-        <a:solidFill>
-          <a:schemeClr val="bg1">
-            <a:lumMod val="95000"/>
-            <a:hueOff val="0"/>
-            <a:satOff val="0"/>
-            <a:lumOff val="0"/>
-            <a:alphaOff val="0"/>
-          </a:schemeClr>
-        </a:solidFill>
-        <a:ln w="12700" cap="flat" cmpd="sng" algn="ctr">
-          <a:solidFill>
-            <a:schemeClr val="bg1">
-              <a:lumMod val="95000"/>
-              <a:hueOff val="0"/>
-              <a:satOff val="0"/>
-              <a:lumOff val="0"/>
-              <a:alphaOff val="0"/>
-            </a:schemeClr>
-          </a:solidFill>
-          <a:prstDash val="solid"/>
-          <a:miter lim="800000"/>
-        </a:ln>
-        <a:effectLst/>
-      </dsp:spPr>
-      <dsp:style>
-        <a:lnRef idx="2">
-          <a:scrgbClr r="0" g="0" b="0"/>
-        </a:lnRef>
-        <a:fillRef idx="1">
-          <a:scrgbClr r="0" g="0" b="0"/>
-        </a:fillRef>
-        <a:effectRef idx="0">
-          <a:scrgbClr r="0" g="0" b="0"/>
-        </a:effectRef>
-        <a:fontRef idx="minor"/>
-      </dsp:style>
-      <dsp:txBody>
-        <a:bodyPr spcFirstLastPara="0" vert="horz" wrap="square" lIns="151718" tIns="330200" rIns="151718" bIns="330200" numCol="1" spcCol="1270" anchor="t" anchorCtr="0">
-          <a:noAutofit/>
-        </a:bodyPr>
-        <a:lstStyle/>
-        <a:p>
-          <a:pPr marL="0" lvl="0" indent="0" algn="l" defTabSz="977900">
-            <a:lnSpc>
-              <a:spcPct val="90000"/>
-            </a:lnSpc>
-            <a:spcBef>
-              <a:spcPct val="0"/>
-            </a:spcBef>
-            <a:spcAft>
-              <a:spcPct val="35000"/>
-            </a:spcAft>
-            <a:buNone/>
-          </a:pPr>
-          <a:r>
-            <a:rPr lang="de-AT" sz="2200" kern="1200" dirty="0"/>
-            <a:t>Funktionalität</a:t>
-          </a:r>
-          <a:endParaRPr lang="en-US" sz="2200" kern="1200" dirty="0"/>
-        </a:p>
-      </dsp:txBody>
-      <dsp:txXfrm>
-        <a:off x="2144196" y="1848740"/>
-        <a:ext cx="1946002" cy="1634641"/>
-      </dsp:txXfrm>
-    </dsp:sp>
-    <dsp:sp modelId="{B4F77F2C-29D8-4D56-93C1-3BD951C5B5EA}">
-      <dsp:nvSpPr>
-        <dsp:cNvPr id="0" name=""/>
-        <dsp:cNvSpPr/>
-      </dsp:nvSpPr>
-      <dsp:spPr>
-        <a:xfrm>
-          <a:off x="2708537" y="1085907"/>
-          <a:ext cx="817320" cy="817320"/>
-        </a:xfrm>
-        <a:prstGeom prst="ellipse">
-          <a:avLst/>
-        </a:prstGeom>
-        <a:solidFill>
-          <a:schemeClr val="accent1">
-            <a:hueOff val="0"/>
-            <a:satOff val="0"/>
-            <a:lumOff val="0"/>
-            <a:alphaOff val="0"/>
-          </a:schemeClr>
-        </a:solidFill>
-        <a:ln w="12700" cap="flat" cmpd="sng" algn="ctr">
-          <a:solidFill>
-            <a:schemeClr val="accent1">
-              <a:hueOff val="0"/>
-              <a:satOff val="0"/>
-              <a:lumOff val="0"/>
-              <a:alphaOff val="0"/>
-            </a:schemeClr>
-          </a:solidFill>
-          <a:prstDash val="solid"/>
-          <a:miter lim="800000"/>
-        </a:ln>
-        <a:effectLst/>
-      </dsp:spPr>
-      <dsp:style>
-        <a:lnRef idx="2">
-          <a:scrgbClr r="0" g="0" b="0"/>
-        </a:lnRef>
-        <a:fillRef idx="1">
-          <a:scrgbClr r="0" g="0" b="0"/>
-        </a:fillRef>
-        <a:effectRef idx="0">
-          <a:scrgbClr r="0" g="0" b="0"/>
-        </a:effectRef>
-        <a:fontRef idx="minor">
-          <a:schemeClr val="lt1"/>
-        </a:fontRef>
-      </dsp:style>
-      <dsp:txBody>
-        <a:bodyPr spcFirstLastPara="0" vert="horz" wrap="square" lIns="63722" tIns="12700" rIns="63722" bIns="12700" numCol="1" spcCol="1270" anchor="ctr" anchorCtr="0">
-          <a:noAutofit/>
-        </a:bodyPr>
-        <a:lstStyle/>
-        <a:p>
-          <a:pPr marL="0" lvl="0" indent="0" algn="ctr" defTabSz="1733550">
-            <a:lnSpc>
-              <a:spcPct val="90000"/>
-            </a:lnSpc>
-            <a:spcBef>
-              <a:spcPct val="0"/>
-            </a:spcBef>
-            <a:spcAft>
-              <a:spcPct val="35000"/>
-            </a:spcAft>
-            <a:buNone/>
-          </a:pPr>
-          <a:r>
-            <a:rPr lang="en-US" sz="3900" kern="1200" dirty="0"/>
-            <a:t>2</a:t>
-          </a:r>
-        </a:p>
-      </dsp:txBody>
-      <dsp:txXfrm>
-        <a:off x="2828231" y="1205601"/>
-        <a:ext cx="577932" cy="577932"/>
-      </dsp:txXfrm>
-    </dsp:sp>
-    <dsp:sp modelId="{576A62A5-B2CE-44A0-866C-B31BEFC74421}">
-      <dsp:nvSpPr>
-        <dsp:cNvPr id="0" name=""/>
-        <dsp:cNvSpPr/>
-      </dsp:nvSpPr>
-      <dsp:spPr>
-        <a:xfrm>
-          <a:off x="2144196" y="3537798"/>
-          <a:ext cx="1946002" cy="72"/>
-        </a:xfrm>
-        <a:prstGeom prst="rect">
-          <a:avLst/>
-        </a:prstGeom>
-        <a:solidFill>
-          <a:schemeClr val="accent1">
-            <a:hueOff val="0"/>
-            <a:satOff val="0"/>
-            <a:lumOff val="0"/>
-            <a:alphaOff val="0"/>
-          </a:schemeClr>
-        </a:solidFill>
-        <a:ln w="12700" cap="flat" cmpd="sng" algn="ctr">
-          <a:solidFill>
-            <a:schemeClr val="accent1">
-              <a:hueOff val="0"/>
-              <a:satOff val="0"/>
-              <a:lumOff val="0"/>
-              <a:alphaOff val="0"/>
-            </a:schemeClr>
-          </a:solidFill>
-          <a:prstDash val="solid"/>
-          <a:miter lim="800000"/>
-        </a:ln>
-        <a:effectLst/>
-      </dsp:spPr>
-      <dsp:style>
-        <a:lnRef idx="2">
-          <a:scrgbClr r="0" g="0" b="0"/>
-        </a:lnRef>
-        <a:fillRef idx="1">
-          <a:scrgbClr r="0" g="0" b="0"/>
-        </a:fillRef>
-        <a:effectRef idx="0">
-          <a:scrgbClr r="0" g="0" b="0"/>
-        </a:effectRef>
-        <a:fontRef idx="minor">
-          <a:schemeClr val="lt1"/>
-        </a:fontRef>
-      </dsp:style>
-    </dsp:sp>
-    <dsp:sp modelId="{CDA03C00-2199-4F4F-A7B0-2E0570AC5EFE}">
-      <dsp:nvSpPr>
-        <dsp:cNvPr id="0" name=""/>
-        <dsp:cNvSpPr/>
-      </dsp:nvSpPr>
-      <dsp:spPr>
-        <a:xfrm>
-          <a:off x="4284798" y="813467"/>
-          <a:ext cx="1946002" cy="2724403"/>
-        </a:xfrm>
-        <a:prstGeom prst="rect">
-          <a:avLst/>
-        </a:prstGeom>
-        <a:solidFill>
-          <a:schemeClr val="bg1">
-            <a:lumMod val="95000"/>
-            <a:hueOff val="0"/>
-            <a:satOff val="0"/>
-            <a:lumOff val="0"/>
-            <a:alphaOff val="0"/>
-          </a:schemeClr>
-        </a:solidFill>
-        <a:ln w="12700" cap="flat" cmpd="sng" algn="ctr">
-          <a:solidFill>
-            <a:schemeClr val="bg1">
-              <a:lumMod val="95000"/>
-              <a:hueOff val="0"/>
-              <a:satOff val="0"/>
-              <a:lumOff val="0"/>
-              <a:alphaOff val="0"/>
-            </a:schemeClr>
-          </a:solidFill>
-          <a:prstDash val="solid"/>
-          <a:miter lim="800000"/>
-        </a:ln>
-        <a:effectLst/>
-      </dsp:spPr>
-      <dsp:style>
-        <a:lnRef idx="2">
-          <a:scrgbClr r="0" g="0" b="0"/>
-        </a:lnRef>
-        <a:fillRef idx="1">
-          <a:scrgbClr r="0" g="0" b="0"/>
-        </a:fillRef>
-        <a:effectRef idx="0">
-          <a:scrgbClr r="0" g="0" b="0"/>
-        </a:effectRef>
-        <a:fontRef idx="minor"/>
-      </dsp:style>
-      <dsp:txBody>
-        <a:bodyPr spcFirstLastPara="0" vert="horz" wrap="square" lIns="151718" tIns="330200" rIns="151718" bIns="330200" numCol="1" spcCol="1270" anchor="t" anchorCtr="0">
-          <a:noAutofit/>
-        </a:bodyPr>
-        <a:lstStyle/>
-        <a:p>
-          <a:pPr marL="0" lvl="0" indent="0" algn="l" defTabSz="977900">
-            <a:lnSpc>
-              <a:spcPct val="90000"/>
-            </a:lnSpc>
-            <a:spcBef>
-              <a:spcPct val="0"/>
-            </a:spcBef>
-            <a:spcAft>
-              <a:spcPct val="35000"/>
-            </a:spcAft>
-            <a:buNone/>
-          </a:pPr>
-          <a:r>
-            <a:rPr lang="en-US" sz="2200" kern="1200" dirty="0"/>
-            <a:t>Use Case </a:t>
-          </a:r>
-          <a:r>
-            <a:rPr lang="en-US" sz="2200" kern="1200" dirty="0" err="1"/>
-            <a:t>Diagramm</a:t>
-          </a:r>
-          <a:endParaRPr lang="en-US" sz="2200" kern="1200" dirty="0"/>
-        </a:p>
-      </dsp:txBody>
-      <dsp:txXfrm>
-        <a:off x="4284798" y="1848740"/>
-        <a:ext cx="1946002" cy="1634641"/>
-      </dsp:txXfrm>
-    </dsp:sp>
-    <dsp:sp modelId="{CF7651E0-6B5B-4F50-80B1-6DFB8195D351}">
-      <dsp:nvSpPr>
-        <dsp:cNvPr id="0" name=""/>
-        <dsp:cNvSpPr/>
-      </dsp:nvSpPr>
-      <dsp:spPr>
-        <a:xfrm>
-          <a:off x="4849139" y="1085907"/>
-          <a:ext cx="817320" cy="817320"/>
-        </a:xfrm>
-        <a:prstGeom prst="ellipse">
-          <a:avLst/>
-        </a:prstGeom>
-        <a:solidFill>
-          <a:schemeClr val="accent1">
-            <a:hueOff val="0"/>
-            <a:satOff val="0"/>
-            <a:lumOff val="0"/>
-            <a:alphaOff val="0"/>
-          </a:schemeClr>
-        </a:solidFill>
-        <a:ln w="12700" cap="flat" cmpd="sng" algn="ctr">
-          <a:solidFill>
-            <a:schemeClr val="accent1">
-              <a:hueOff val="0"/>
-              <a:satOff val="0"/>
-              <a:lumOff val="0"/>
-              <a:alphaOff val="0"/>
-            </a:schemeClr>
-          </a:solidFill>
-          <a:prstDash val="solid"/>
-          <a:miter lim="800000"/>
-        </a:ln>
-        <a:effectLst/>
-      </dsp:spPr>
-      <dsp:style>
-        <a:lnRef idx="2">
-          <a:scrgbClr r="0" g="0" b="0"/>
-        </a:lnRef>
-        <a:fillRef idx="1">
-          <a:scrgbClr r="0" g="0" b="0"/>
-        </a:fillRef>
-        <a:effectRef idx="0">
-          <a:scrgbClr r="0" g="0" b="0"/>
-        </a:effectRef>
-        <a:fontRef idx="minor">
-          <a:schemeClr val="lt1"/>
-        </a:fontRef>
-      </dsp:style>
-      <dsp:txBody>
-        <a:bodyPr spcFirstLastPara="0" vert="horz" wrap="square" lIns="63722" tIns="12700" rIns="63722" bIns="12700" numCol="1" spcCol="1270" anchor="ctr" anchorCtr="0">
-          <a:noAutofit/>
-        </a:bodyPr>
-        <a:lstStyle/>
-        <a:p>
-          <a:pPr marL="0" lvl="0" indent="0" algn="ctr" defTabSz="1733550">
-            <a:lnSpc>
-              <a:spcPct val="90000"/>
-            </a:lnSpc>
-            <a:spcBef>
-              <a:spcPct val="0"/>
-            </a:spcBef>
-            <a:spcAft>
-              <a:spcPct val="35000"/>
-            </a:spcAft>
-            <a:buNone/>
-          </a:pPr>
-          <a:r>
-            <a:rPr lang="de-DE" sz="3900" kern="1200" dirty="0"/>
-            <a:t>3</a:t>
-          </a:r>
-        </a:p>
-      </dsp:txBody>
-      <dsp:txXfrm>
-        <a:off x="4968833" y="1205601"/>
-        <a:ext cx="577932" cy="577932"/>
-      </dsp:txXfrm>
-    </dsp:sp>
-    <dsp:sp modelId="{175CA3AA-DFC4-4ECB-A05A-3AB7B7D112DE}">
-      <dsp:nvSpPr>
-        <dsp:cNvPr id="0" name=""/>
-        <dsp:cNvSpPr/>
-      </dsp:nvSpPr>
-      <dsp:spPr>
-        <a:xfrm>
-          <a:off x="4284798" y="3537798"/>
-          <a:ext cx="1946002" cy="72"/>
-        </a:xfrm>
-        <a:prstGeom prst="rect">
-          <a:avLst/>
-        </a:prstGeom>
-        <a:solidFill>
-          <a:schemeClr val="accent1">
-            <a:hueOff val="0"/>
-            <a:satOff val="0"/>
-            <a:lumOff val="0"/>
-            <a:alphaOff val="0"/>
-          </a:schemeClr>
-        </a:solidFill>
-        <a:ln w="12700" cap="flat" cmpd="sng" algn="ctr">
-          <a:solidFill>
-            <a:schemeClr val="accent1">
-              <a:hueOff val="0"/>
-              <a:satOff val="0"/>
-              <a:lumOff val="0"/>
-              <a:alphaOff val="0"/>
-            </a:schemeClr>
-          </a:solidFill>
-          <a:prstDash val="solid"/>
-          <a:miter lim="800000"/>
-        </a:ln>
-        <a:effectLst/>
-      </dsp:spPr>
-      <dsp:style>
-        <a:lnRef idx="2">
-          <a:scrgbClr r="0" g="0" b="0"/>
-        </a:lnRef>
-        <a:fillRef idx="1">
-          <a:scrgbClr r="0" g="0" b="0"/>
-        </a:fillRef>
-        <a:effectRef idx="0">
-          <a:scrgbClr r="0" g="0" b="0"/>
-        </a:effectRef>
-        <a:fontRef idx="minor">
-          <a:schemeClr val="lt1"/>
-        </a:fontRef>
-      </dsp:style>
-    </dsp:sp>
-    <dsp:sp modelId="{1BB5DF9E-7FDA-4784-B576-142FB1F9A39F}">
-      <dsp:nvSpPr>
-        <dsp:cNvPr id="0" name=""/>
-        <dsp:cNvSpPr/>
-      </dsp:nvSpPr>
-      <dsp:spPr>
-        <a:xfrm>
-          <a:off x="6425401" y="813467"/>
-          <a:ext cx="1946002" cy="2724403"/>
-        </a:xfrm>
-        <a:prstGeom prst="rect">
-          <a:avLst/>
-        </a:prstGeom>
-        <a:solidFill>
-          <a:schemeClr val="bg1">
-            <a:lumMod val="95000"/>
-            <a:hueOff val="0"/>
-            <a:satOff val="0"/>
-            <a:lumOff val="0"/>
-            <a:alphaOff val="0"/>
-          </a:schemeClr>
-        </a:solidFill>
-        <a:ln w="12700" cap="flat" cmpd="sng" algn="ctr">
-          <a:solidFill>
-            <a:schemeClr val="bg1">
-              <a:lumMod val="95000"/>
-              <a:hueOff val="0"/>
-              <a:satOff val="0"/>
-              <a:lumOff val="0"/>
-              <a:alphaOff val="0"/>
-            </a:schemeClr>
-          </a:solidFill>
-          <a:prstDash val="solid"/>
-          <a:miter lim="800000"/>
-        </a:ln>
-        <a:effectLst/>
-      </dsp:spPr>
-      <dsp:style>
-        <a:lnRef idx="2">
-          <a:scrgbClr r="0" g="0" b="0"/>
-        </a:lnRef>
-        <a:fillRef idx="1">
-          <a:scrgbClr r="0" g="0" b="0"/>
-        </a:fillRef>
-        <a:effectRef idx="0">
-          <a:scrgbClr r="0" g="0" b="0"/>
-        </a:effectRef>
-        <a:fontRef idx="minor"/>
-      </dsp:style>
-      <dsp:txBody>
-        <a:bodyPr spcFirstLastPara="0" vert="horz" wrap="square" lIns="151718" tIns="330200" rIns="151718" bIns="330200" numCol="1" spcCol="1270" anchor="t" anchorCtr="0">
-          <a:noAutofit/>
-        </a:bodyPr>
-        <a:lstStyle/>
-        <a:p>
-          <a:pPr marL="0" lvl="0" indent="0" algn="l" defTabSz="977900">
-            <a:lnSpc>
-              <a:spcPct val="90000"/>
-            </a:lnSpc>
-            <a:spcBef>
-              <a:spcPct val="0"/>
-            </a:spcBef>
-            <a:spcAft>
-              <a:spcPct val="35000"/>
-            </a:spcAft>
-            <a:buNone/>
-          </a:pPr>
-          <a:r>
-            <a:rPr lang="en-US" sz="2200" kern="1200" dirty="0"/>
-            <a:t>Class </a:t>
-          </a:r>
-          <a:r>
-            <a:rPr lang="en-US" sz="2200" kern="1200" dirty="0" err="1"/>
-            <a:t>Diagramm</a:t>
-          </a:r>
-          <a:endParaRPr lang="en-US" sz="2200" kern="1200" dirty="0"/>
-        </a:p>
-      </dsp:txBody>
-      <dsp:txXfrm>
-        <a:off x="6425401" y="1848740"/>
-        <a:ext cx="1946002" cy="1634641"/>
-      </dsp:txXfrm>
-    </dsp:sp>
-    <dsp:sp modelId="{B1B4639B-3B0E-4058-90A6-78A27D00BB73}">
-      <dsp:nvSpPr>
-        <dsp:cNvPr id="0" name=""/>
-        <dsp:cNvSpPr/>
-      </dsp:nvSpPr>
-      <dsp:spPr>
-        <a:xfrm>
-          <a:off x="6989741" y="1085907"/>
-          <a:ext cx="817320" cy="817320"/>
-        </a:xfrm>
-        <a:prstGeom prst="ellipse">
-          <a:avLst/>
-        </a:prstGeom>
-        <a:solidFill>
-          <a:schemeClr val="accent1">
-            <a:hueOff val="0"/>
-            <a:satOff val="0"/>
-            <a:lumOff val="0"/>
-            <a:alphaOff val="0"/>
-          </a:schemeClr>
-        </a:solidFill>
-        <a:ln w="12700" cap="flat" cmpd="sng" algn="ctr">
-          <a:solidFill>
-            <a:schemeClr val="accent1">
-              <a:hueOff val="0"/>
-              <a:satOff val="0"/>
-              <a:lumOff val="0"/>
-              <a:alphaOff val="0"/>
-            </a:schemeClr>
-          </a:solidFill>
-          <a:prstDash val="solid"/>
-          <a:miter lim="800000"/>
-        </a:ln>
-        <a:effectLst/>
-      </dsp:spPr>
-      <dsp:style>
-        <a:lnRef idx="2">
-          <a:scrgbClr r="0" g="0" b="0"/>
-        </a:lnRef>
-        <a:fillRef idx="1">
-          <a:scrgbClr r="0" g="0" b="0"/>
-        </a:fillRef>
-        <a:effectRef idx="0">
-          <a:scrgbClr r="0" g="0" b="0"/>
-        </a:effectRef>
-        <a:fontRef idx="minor">
-          <a:schemeClr val="lt1"/>
-        </a:fontRef>
-      </dsp:style>
-      <dsp:txBody>
-        <a:bodyPr spcFirstLastPara="0" vert="horz" wrap="square" lIns="63722" tIns="12700" rIns="63722" bIns="12700" numCol="1" spcCol="1270" anchor="ctr" anchorCtr="0">
-          <a:noAutofit/>
-        </a:bodyPr>
-        <a:lstStyle/>
-        <a:p>
-          <a:pPr marL="0" lvl="0" indent="0" algn="ctr" defTabSz="1733550">
-            <a:lnSpc>
-              <a:spcPct val="90000"/>
-            </a:lnSpc>
-            <a:spcBef>
-              <a:spcPct val="0"/>
-            </a:spcBef>
-            <a:spcAft>
-              <a:spcPct val="35000"/>
-            </a:spcAft>
-            <a:buNone/>
-          </a:pPr>
-          <a:r>
-            <a:rPr lang="de-DE" sz="3900" kern="1200" dirty="0"/>
-            <a:t>4</a:t>
-          </a:r>
-        </a:p>
-      </dsp:txBody>
-      <dsp:txXfrm>
-        <a:off x="7109435" y="1205601"/>
-        <a:ext cx="577932" cy="577932"/>
-      </dsp:txXfrm>
-    </dsp:sp>
-    <dsp:sp modelId="{CC97B2EB-D460-41AF-A126-D47281766A12}">
-      <dsp:nvSpPr>
-        <dsp:cNvPr id="0" name=""/>
-        <dsp:cNvSpPr/>
-      </dsp:nvSpPr>
-      <dsp:spPr>
-        <a:xfrm>
-          <a:off x="6425401" y="3537798"/>
-          <a:ext cx="1946002" cy="72"/>
-        </a:xfrm>
-        <a:prstGeom prst="rect">
-          <a:avLst/>
-        </a:prstGeom>
-        <a:solidFill>
-          <a:schemeClr val="accent1">
-            <a:hueOff val="0"/>
-            <a:satOff val="0"/>
-            <a:lumOff val="0"/>
-            <a:alphaOff val="0"/>
-          </a:schemeClr>
-        </a:solidFill>
-        <a:ln w="12700" cap="flat" cmpd="sng" algn="ctr">
-          <a:solidFill>
-            <a:schemeClr val="accent1">
-              <a:hueOff val="0"/>
-              <a:satOff val="0"/>
-              <a:lumOff val="0"/>
-              <a:alphaOff val="0"/>
-            </a:schemeClr>
-          </a:solidFill>
-          <a:prstDash val="solid"/>
-          <a:miter lim="800000"/>
-        </a:ln>
-        <a:effectLst/>
-      </dsp:spPr>
-      <dsp:style>
-        <a:lnRef idx="2">
-          <a:scrgbClr r="0" g="0" b="0"/>
-        </a:lnRef>
-        <a:fillRef idx="1">
-          <a:scrgbClr r="0" g="0" b="0"/>
-        </a:fillRef>
-        <a:effectRef idx="0">
-          <a:scrgbClr r="0" g="0" b="0"/>
-        </a:effectRef>
-        <a:fontRef idx="minor">
-          <a:schemeClr val="lt1"/>
-        </a:fontRef>
-      </dsp:style>
-    </dsp:sp>
-    <dsp:sp modelId="{5B13AE6E-1ED1-4EA9-91C3-5279AA3C7F81}">
-      <dsp:nvSpPr>
-        <dsp:cNvPr id="0" name=""/>
-        <dsp:cNvSpPr/>
-      </dsp:nvSpPr>
-      <dsp:spPr>
-        <a:xfrm>
-          <a:off x="8566003" y="813467"/>
-          <a:ext cx="1946002" cy="2724403"/>
-        </a:xfrm>
-        <a:prstGeom prst="rect">
-          <a:avLst/>
-        </a:prstGeom>
-        <a:solidFill>
-          <a:schemeClr val="bg1">
-            <a:lumMod val="95000"/>
-            <a:hueOff val="0"/>
-            <a:satOff val="0"/>
-            <a:lumOff val="0"/>
-            <a:alphaOff val="0"/>
-          </a:schemeClr>
-        </a:solidFill>
-        <a:ln w="12700" cap="flat" cmpd="sng" algn="ctr">
-          <a:solidFill>
-            <a:schemeClr val="bg1">
-              <a:lumMod val="95000"/>
-              <a:hueOff val="0"/>
-              <a:satOff val="0"/>
-              <a:lumOff val="0"/>
-              <a:alphaOff val="0"/>
-            </a:schemeClr>
-          </a:solidFill>
-          <a:prstDash val="solid"/>
-          <a:miter lim="800000"/>
-        </a:ln>
-        <a:effectLst/>
-      </dsp:spPr>
-      <dsp:style>
-        <a:lnRef idx="2">
-          <a:scrgbClr r="0" g="0" b="0"/>
-        </a:lnRef>
-        <a:fillRef idx="1">
-          <a:scrgbClr r="0" g="0" b="0"/>
-        </a:fillRef>
-        <a:effectRef idx="0">
-          <a:scrgbClr r="0" g="0" b="0"/>
-        </a:effectRef>
-        <a:fontRef idx="minor"/>
-      </dsp:style>
-      <dsp:txBody>
-        <a:bodyPr spcFirstLastPara="0" vert="horz" wrap="square" lIns="151718" tIns="330200" rIns="151718" bIns="330200" numCol="1" spcCol="1270" anchor="t" anchorCtr="0">
-          <a:noAutofit/>
-        </a:bodyPr>
-        <a:lstStyle/>
-        <a:p>
-          <a:pPr marL="0" lvl="0" indent="0" algn="l" defTabSz="977900">
-            <a:lnSpc>
-              <a:spcPct val="90000"/>
-            </a:lnSpc>
-            <a:spcBef>
-              <a:spcPct val="0"/>
-            </a:spcBef>
-            <a:spcAft>
-              <a:spcPct val="35000"/>
-            </a:spcAft>
-            <a:buNone/>
-          </a:pPr>
-          <a:r>
-            <a:rPr lang="de-AT" sz="2200" kern="1200" dirty="0"/>
-            <a:t>Vorführung</a:t>
-          </a:r>
-          <a:endParaRPr lang="en-US" sz="2200" kern="1200" dirty="0"/>
-        </a:p>
-      </dsp:txBody>
-      <dsp:txXfrm>
-        <a:off x="8566003" y="1848740"/>
-        <a:ext cx="1946002" cy="1634641"/>
-      </dsp:txXfrm>
-    </dsp:sp>
-    <dsp:sp modelId="{416EBCA6-B48F-46C6-8184-1799180CB4D2}">
-      <dsp:nvSpPr>
-        <dsp:cNvPr id="0" name=""/>
-        <dsp:cNvSpPr/>
-      </dsp:nvSpPr>
-      <dsp:spPr>
-        <a:xfrm>
-          <a:off x="9130344" y="1085907"/>
-          <a:ext cx="817320" cy="817320"/>
-        </a:xfrm>
-        <a:prstGeom prst="ellipse">
-          <a:avLst/>
-        </a:prstGeom>
-        <a:solidFill>
-          <a:schemeClr val="accent1">
-            <a:hueOff val="0"/>
-            <a:satOff val="0"/>
-            <a:lumOff val="0"/>
-            <a:alphaOff val="0"/>
-          </a:schemeClr>
-        </a:solidFill>
-        <a:ln w="12700" cap="flat" cmpd="sng" algn="ctr">
-          <a:solidFill>
-            <a:schemeClr val="accent1">
-              <a:hueOff val="0"/>
-              <a:satOff val="0"/>
-              <a:lumOff val="0"/>
-              <a:alphaOff val="0"/>
-            </a:schemeClr>
-          </a:solidFill>
-          <a:prstDash val="solid"/>
-          <a:miter lim="800000"/>
-        </a:ln>
-        <a:effectLst/>
-      </dsp:spPr>
-      <dsp:style>
-        <a:lnRef idx="2">
-          <a:scrgbClr r="0" g="0" b="0"/>
-        </a:lnRef>
-        <a:fillRef idx="1">
-          <a:scrgbClr r="0" g="0" b="0"/>
-        </a:fillRef>
-        <a:effectRef idx="0">
-          <a:scrgbClr r="0" g="0" b="0"/>
-        </a:effectRef>
-        <a:fontRef idx="minor">
-          <a:schemeClr val="lt1"/>
-        </a:fontRef>
-      </dsp:style>
-      <dsp:txBody>
-        <a:bodyPr spcFirstLastPara="0" vert="horz" wrap="square" lIns="63722" tIns="12700" rIns="63722" bIns="12700" numCol="1" spcCol="1270" anchor="ctr" anchorCtr="0">
-          <a:noAutofit/>
-        </a:bodyPr>
-        <a:lstStyle/>
-        <a:p>
-          <a:pPr marL="0" lvl="0" indent="0" algn="ctr" defTabSz="1733550">
-            <a:lnSpc>
-              <a:spcPct val="90000"/>
-            </a:lnSpc>
-            <a:spcBef>
-              <a:spcPct val="0"/>
-            </a:spcBef>
-            <a:spcAft>
-              <a:spcPct val="35000"/>
-            </a:spcAft>
-            <a:buNone/>
-          </a:pPr>
-          <a:r>
-            <a:rPr lang="en-US" sz="3900" kern="1200" dirty="0"/>
-            <a:t>5</a:t>
-          </a:r>
-        </a:p>
-      </dsp:txBody>
-      <dsp:txXfrm>
-        <a:off x="9250038" y="1205601"/>
-        <a:ext cx="577932" cy="577932"/>
-      </dsp:txXfrm>
-    </dsp:sp>
-    <dsp:sp modelId="{78017120-E431-4EE9-8185-DA975EF59233}">
-      <dsp:nvSpPr>
-        <dsp:cNvPr id="0" name=""/>
-        <dsp:cNvSpPr/>
-      </dsp:nvSpPr>
-      <dsp:spPr>
-        <a:xfrm>
-          <a:off x="8566003" y="3537798"/>
-          <a:ext cx="1946002" cy="72"/>
-        </a:xfrm>
-        <a:prstGeom prst="rect">
-          <a:avLst/>
-        </a:prstGeom>
-        <a:solidFill>
-          <a:schemeClr val="accent1">
-            <a:hueOff val="0"/>
-            <a:satOff val="0"/>
-            <a:lumOff val="0"/>
-            <a:alphaOff val="0"/>
-          </a:schemeClr>
-        </a:solidFill>
-        <a:ln w="12700" cap="flat" cmpd="sng" algn="ctr">
-          <a:solidFill>
-            <a:schemeClr val="accent1">
-              <a:hueOff val="0"/>
-              <a:satOff val="0"/>
-              <a:lumOff val="0"/>
-              <a:alphaOff val="0"/>
-            </a:schemeClr>
-          </a:solidFill>
-          <a:prstDash val="solid"/>
-          <a:miter lim="800000"/>
-        </a:ln>
-        <a:effectLst/>
-      </dsp:spPr>
-      <dsp:style>
-        <a:lnRef idx="2">
-          <a:scrgbClr r="0" g="0" b="0"/>
-        </a:lnRef>
-        <a:fillRef idx="1">
-          <a:scrgbClr r="0" g="0" b="0"/>
-        </a:fillRef>
-        <a:effectRef idx="0">
-          <a:scrgbClr r="0" g="0" b="0"/>
-        </a:effectRef>
-        <a:fontRef idx="minor">
-          <a:schemeClr val="lt1"/>
-        </a:fontRef>
-      </dsp:style>
-    </dsp:sp>
-  </dsp:spTree>
-</dsp:drawing>
-</file>
-
-<file path=ppt/diagrams/layout1.xml><?xml version="1.0" encoding="utf-8"?>
-<dgm:layoutDef xmlns:dgm="http://schemas.openxmlformats.org/drawingml/2006/diagram" xmlns:a="http://schemas.openxmlformats.org/drawingml/2006/main" uniqueId="urn:microsoft.com/office/officeart/2016/7/layout/BasicLinearProcessNumbered">
-  <dgm:title val="Basic Linear Process Numbered"/>
-  <dgm:desc val="Used to show a progression; a timeline; sequential steps in a task, process, or workflow; or to emphasize movement or direction. Automatic numbers have been introduced to show the steps of the process which appears in a circle. Level 1 and Level 2 text appear in a rectangle."/>
-  <dgm:catLst>
-    <dgm:cat type="process" pri="500"/>
-  </dgm:catLst>
-  <dgm:sampData>
-    <dgm:dataModel>
-      <dgm:ptLst>
-        <dgm:pt modelId="0" type="doc"/>
-        <dgm:pt modelId="1">
-          <dgm:prSet phldr="1"/>
-        </dgm:pt>
-        <dgm:pt modelId="11">
-          <dgm:prSet phldr="1"/>
-        </dgm:pt>
-        <dgm:pt modelId="2">
-          <dgm:prSet phldr="1"/>
-        </dgm:pt>
-        <dgm:pt modelId="21">
-          <dgm:prSet phldr="1"/>
-        </dgm:pt>
-        <dgm:pt modelId="3">
-          <dgm:prSet phldr="1"/>
-        </dgm:pt>
-        <dgm:pt modelId="31">
-          <dgm:prSet phldr="1"/>
-        </dgm:pt>
-        <dgm:pt modelId="101" type="sibTrans" cxnId="4">
-          <dgm:prSet phldrT="1"/>
-          <dgm:t>
-            <a:bodyPr/>
-            <a:lstStyle/>
-            <a:p>
-              <a:r>
-                <a:t>1</a:t>
-              </a:r>
-            </a:p>
-          </dgm:t>
-        </dgm:pt>
-        <dgm:pt modelId="201" type="sibTrans" cxnId="5">
-          <dgm:prSet phldrT="2"/>
-          <dgm:t>
-            <a:bodyPr/>
-            <a:lstStyle/>
-            <a:p>
-              <a:r>
-                <a:t>2</a:t>
-              </a:r>
-            </a:p>
-          </dgm:t>
-        </dgm:pt>
-        <dgm:pt modelId="301" type="sibTrans" cxnId="6">
-          <dgm:prSet phldrT="3"/>
-          <dgm:t>
-            <a:bodyPr/>
-            <a:lstStyle/>
-            <a:p>
-              <a:r>
-                <a:t>3</a:t>
-              </a:r>
-            </a:p>
-          </dgm:t>
-        </dgm:pt>
-      </dgm:ptLst>
-      <dgm:cxnLst>
-        <dgm:cxn modelId="4" srcId="0" destId="1" srcOrd="0" destOrd="0" sibTransId="101"/>
-        <dgm:cxn modelId="5" srcId="0" destId="2" srcOrd="1" destOrd="0" sibTransId="201"/>
-        <dgm:cxn modelId="6" srcId="0" destId="3" srcOrd="2" destOrd="0" sibTransId="301"/>
-        <dgm:cxn modelId="13" srcId="1" destId="11" srcOrd="0" destOrd="0"/>
-        <dgm:cxn modelId="23" srcId="2" destId="21" srcOrd="0" destOrd="0"/>
-        <dgm:cxn modelId="33" srcId="3" destId="31" srcOrd="0" destOrd="0"/>
-      </dgm:cxnLst>
-      <dgm:bg/>
-      <dgm:whole/>
-    </dgm:dataModel>
-  </dgm:sampData>
-  <dgm:styleData>
-    <dgm:dataModel>
-      <dgm:ptLst>
-        <dgm:pt modelId="0" type="doc"/>
-        <dgm:pt modelId="1"/>
-        <dgm:pt modelId="11"/>
-        <dgm:pt modelId="2"/>
-        <dgm:pt modelId="21"/>
-      </dgm:ptLst>
-      <dgm:cxnLst>
-        <dgm:cxn modelId="4" srcId="0" destId="1" srcOrd="0" destOrd="0"/>
-        <dgm:cxn modelId="5" srcId="0" destId="2" srcOrd="1" destOrd="0"/>
-        <dgm:cxn modelId="13" srcId="1" destId="11" srcOrd="0" destOrd="0"/>
-        <dgm:cxn modelId="23" srcId="2" destId="21" srcOrd="0" destOrd="0"/>
-      </dgm:cxnLst>
-      <dgm:bg/>
-      <dgm:whole/>
-    </dgm:dataModel>
-  </dgm:styleData>
-  <dgm:clrData>
-    <dgm:dataModel>
-      <dgm:ptLst>
-        <dgm:pt modelId="0" type="doc"/>
-        <dgm:pt modelId="1"/>
-        <dgm:pt modelId="11"/>
-        <dgm:pt modelId="2"/>
-        <dgm:pt modelId="21"/>
-        <dgm:pt modelId="3"/>
-        <dgm:pt modelId="31"/>
-        <dgm:pt modelId="4"/>
-        <dgm:pt modelId="41"/>
-      </dgm:ptLst>
-      <dgm:cxnLst>
-        <dgm:cxn modelId="5" srcId="0" destId="1" srcOrd="0" destOrd="0"/>
-        <dgm:cxn modelId="6" srcId="0" destId="2" srcOrd="1" destOrd="0"/>
-        <dgm:cxn modelId="7" srcId="0" destId="3" srcOrd="2" destOrd="0"/>
-        <dgm:cxn modelId="8" srcId="0" destId="4" srcOrd="3" destOrd="0"/>
-        <dgm:cxn modelId="13" srcId="1" destId="11" srcOrd="0" destOrd="0"/>
-        <dgm:cxn modelId="23" srcId="2" destId="21" srcOrd="0" destOrd="0"/>
-        <dgm:cxn modelId="33" srcId="3" destId="31" srcOrd="0" destOrd="0"/>
-        <dgm:cxn modelId="43" srcId="4" destId="41" srcOrd="0" destOrd="0"/>
-      </dgm:cxnLst>
-      <dgm:bg/>
-      <dgm:whole/>
-    </dgm:dataModel>
-  </dgm:clrData>
-  <dgm:layoutNode name="Name0">
-    <dgm:varLst>
-      <dgm:animLvl val="lvl"/>
-      <dgm:resizeHandles val="exact"/>
-    </dgm:varLst>
-    <dgm:alg type="lin">
-      <dgm:param type="linDir" val="fromL"/>
-      <dgm:param type="nodeVertAlign" val="t"/>
-    </dgm:alg>
-    <dgm:shape xmlns:r="http://schemas.openxmlformats.org/officeDocument/2006/relationships" r:blip="">
-      <dgm:adjLst/>
-    </dgm:shape>
-    <dgm:presOf/>
-    <dgm:constrLst>
-      <dgm:constr type="h" for="ch" forName="compositeNode" refType="h"/>
-      <dgm:constr type="w" for="ch" forName="compositeNode" refType="w"/>
-      <dgm:constr type="w" for="des" forName="simulatedConn" refType="w" refFor="ch" refForName="compositeNode" fact="0.15"/>
-      <dgm:constr type="h" for="des" forName="simulatedConn" refType="w" refFor="des" refForName="simulatedConn"/>
-      <dgm:constr type="h" for="des" forName="vSp1" refType="w" refFor="ch" refForName="compositeNode" fact="0.8"/>
-      <dgm:constr type="h" for="des" forName="vSp2" refType="w" refFor="ch" refForName="compositeNode" fact="0.07"/>
-      <dgm:constr type="w" for="ch" forName="vProcSp" refType="w" refFor="des" refForName="simulatedConn" op="equ"/>
-      <dgm:constr type="h" for="ch" forName="vProcSp" refType="h" refFor="ch" refForName="compositeNode" op="equ"/>
-      <dgm:constr type="w" for="ch" forName="sibTrans" refType="w" refFor="ch" refForName="compositeNode" fact="0.1"/>
-      <dgm:constr type="primFontSz" for="des" forName="sibTransNodeCircle" op="equ"/>
-      <dgm:constr type="primFontSz" for="des" forName="nodeText" op="equ"/>
-      <dgm:constr type="h" for="des" forName="sibTransNodeCircle" op="equ"/>
-      <dgm:constr type="w" for="des" forName="sibTransNodeCircle" op="equ"/>
-    </dgm:constrLst>
-    <dgm:ruleLst>
-      <dgm:rule type="h" val="NaN" fact="1.2" max="NaN"/>
-    </dgm:ruleLst>
-    <dgm:forEach name="Name4" axis="ch" ptType="node">
-      <dgm:layoutNode name="compositeNode">
-        <dgm:varLst>
-          <dgm:bulletEnabled val="1"/>
-        </dgm:varLst>
-        <dgm:alg type="composite"/>
-        <dgm:constrLst>
-          <dgm:constr type="h" refType="w" op="lte" fact="1.4"/>
-          <dgm:constr type="w" for="ch" forName="bgRect" refType="w"/>
-          <dgm:constr type="h" for="ch" forName="bgRect" refType="h"/>
-          <dgm:constr type="t" for="ch" forName="bgRect"/>
-          <dgm:constr type="l" for="ch" forName="bgRect"/>
-          <dgm:constr type="h" for="ch" forName="sibTransNodeCircle" refType="h" refFor="ch" refForName="bgRect" fact="0.3"/>
-          <dgm:constr type="w" for="ch" forName="sibTransNodeCircle" refType="h" refFor="ch" refForName="sibTransNodeCircle"/>
-          <dgm:constr type="ctrX" for="ch" forName="sibTransNodeCircle" refType="w" fact="0.5"/>
-          <dgm:constr type="ctrY" for="ch" forName="sibTransNodeCircle" refType="h" fact="0.25"/>
-          <dgm:constr type="r" for="ch" forName="nodeText" refType="r" refFor="ch" refForName="bgRect"/>
-          <dgm:constr type="h" for="ch" forName="nodeText" refType="h" refFor="ch" refForName="bgRect" fact="0.6"/>
-          <dgm:constr type="t" for="ch" forName="nodeText" refType="h" refFor="ch" refForName="bgRect" fact="0.38"/>
-          <dgm:constr type="b" for="ch" forName="bottomLine" refType="b" refFor="ch" refForName="bgRect"/>
-          <dgm:constr type="w" for="ch" forName="bottomLine" refType="w" refFor="ch" refForName="bgRect"/>
-          <dgm:constr type="h" for="ch" forName="bottomLine" val="0.002"/>
-        </dgm:constrLst>
-        <dgm:ruleLst/>
-        <dgm:layoutNode name="bgRect" styleLbl="bgAccFollowNode1">
-          <dgm:alg type="sp"/>
-          <dgm:shape xmlns:r="http://schemas.openxmlformats.org/officeDocument/2006/relationships" type="rect" r:blip="">
-            <dgm:adjLst/>
-          </dgm:shape>
-          <dgm:presOf axis="self"/>
-          <dgm:constrLst/>
-          <dgm:ruleLst/>
-        </dgm:layoutNode>
-        <dgm:forEach name="Name19" axis="followSib" ptType="sibTrans" hideLastTrans="0" cnt="1">
-          <dgm:layoutNode name="sibTransNodeCircle" styleLbl="alignNode1">
-            <dgm:varLst>
-              <dgm:chMax val="0"/>
-              <dgm:bulletEnabled/>
-            </dgm:varLst>
-            <dgm:presOf axis="self" ptType="sibTrans"/>
-            <dgm:alg type="tx">
-              <dgm:param type="txAnchorVert" val="mid"/>
-              <dgm:param type="txAnchorHorzCh" val="ctr"/>
-            </dgm:alg>
-            <dgm:shape xmlns:r="http://schemas.openxmlformats.org/officeDocument/2006/relationships" type="ellipse" r:blip="">
-              <dgm:adjLst/>
-            </dgm:shape>
-            <dgm:constrLst>
-              <dgm:constr type="w" refType="h" op="lte"/>
-              <dgm:constr type="primFontSz" val="48"/>
-              <dgm:constr type="tMarg" val="1"/>
-              <dgm:constr type="lMarg" refType="w" fact="0.221"/>
-              <dgm:constr type="rMarg" refType="w" fact="0.221"/>
-              <dgm:constr type="bMarg" val="1"/>
-            </dgm:constrLst>
-            <dgm:ruleLst>
-              <dgm:rule type="primFontSz" val="14" fact="NaN" max="NaN"/>
-            </dgm:ruleLst>
-          </dgm:layoutNode>
-        </dgm:forEach>
-        <dgm:layoutNode name="bottomLine" styleLbl="alignNode1">
-          <dgm:varLst/>
-          <dgm:presOf/>
-          <dgm:alg type="sp"/>
-          <dgm:shape xmlns:r="http://schemas.openxmlformats.org/officeDocument/2006/relationships" type="rect" r:blip="">
-            <dgm:adjLst/>
-          </dgm:shape>
-          <dgm:constrLst/>
-          <dgm:ruleLst/>
-        </dgm:layoutNode>
-        <dgm:layoutNode name="nodeText" styleLbl="bgAccFollowNode1" moveWith="bgRect">
-          <dgm:varLst>
-            <dgm:bulletEnabled val="1"/>
-          </dgm:varLst>
-          <dgm:alg type="tx">
-            <dgm:param type="parTxLTRAlign" val="l"/>
-            <dgm:param type="parTxRTLAlign" val="r"/>
-            <dgm:param type="txAnchorVert" val="t"/>
-          </dgm:alg>
-          <dgm:shape xmlns:r="http://schemas.openxmlformats.org/officeDocument/2006/relationships" type="rect" r:blip="" zOrderOff="-1" hideGeom="1">
-            <dgm:adjLst/>
-          </dgm:shape>
-          <dgm:presOf axis="desOrSelf" ptType="node"/>
-          <dgm:constrLst>
-            <dgm:constr type="primFontSz" val="26"/>
-            <dgm:constr type="tMarg" val="26"/>
-            <dgm:constr type="lMarg" refType="w" fact="0.221"/>
-            <dgm:constr type="rMarg" refType="w" fact="0.221"/>
-            <dgm:constr type="bMarg" val="26"/>
-          </dgm:constrLst>
-          <dgm:ruleLst>
-            <dgm:rule type="primFontSz" val="11" fact="NaN" max="NaN"/>
-          </dgm:ruleLst>
-        </dgm:layoutNode>
-      </dgm:layoutNode>
-      <dgm:forEach name="Name14" axis="followSib" ptType="sibTrans" cnt="1">
-        <dgm:layoutNode name="sibTrans">
-          <dgm:alg type="sp"/>
-          <dgm:shape xmlns:r="http://schemas.openxmlformats.org/officeDocument/2006/relationships" r:blip="">
-            <dgm:adjLst/>
-          </dgm:shape>
-          <dgm:presOf/>
-          <dgm:constrLst/>
-          <dgm:ruleLst/>
-        </dgm:layoutNode>
-      </dgm:forEach>
-    </dgm:forEach>
-  </dgm:layoutNode>
-  <dgm:extLst>
-    <a:ext uri="{4F341089-5ED1-44EC-B178-C955D00A3D55}">
-      <dgm1611:autoBuNodeInfoLst xmlns:dgm1611="http://schemas.microsoft.com/office/drawing/2016/11/diagram" xmlns="">
-        <dgm1611:autoBuNodeInfo lvl="1" ptType="sibTrans">
-          <dgm1611:buPr prefix="" leadZeros="0">
-            <a:buAutoNum type="arabicParenBoth"/>
-          </dgm1611:buPr>
-        </dgm1611:autoBuNodeInfo>
-      </dgm1611:autoBuNodeInfoLst>
-    </a:ext>
-  </dgm:extLst>
-</dgm:layoutDef>
-</file>
-
-<file path=ppt/diagrams/quickStyle1.xml><?xml version="1.0" encoding="utf-8"?>
-<dgm:styleDef xmlns:dgm="http://schemas.openxmlformats.org/drawingml/2006/diagram" xmlns:a="http://schemas.openxmlformats.org/drawingml/2006/main" uniqueId="urn:microsoft.com/office/officeart/2005/8/quickstyle/simple1">
-  <dgm:title val=""/>
-  <dgm:desc val=""/>
-  <dgm:catLst>
-    <dgm:cat type="simple" pri="10100"/>
-  </dgm:catLst>
-  <dgm:scene3d>
-    <a:camera prst="orthographicFront"/>
-    <a:lightRig rig="threePt" dir="t"/>
-  </dgm:scene3d>
-  <dgm:styleLbl name="node0">
-    <dgm:scene3d>
-      <a:camera prst="orthographicFront"/>
-      <a:lightRig rig="threePt" dir="t"/>
-    </dgm:scene3d>
-    <dgm:sp3d/>
-    <dgm:txPr/>
-    <dgm:style>
-      <a:lnRef idx="2">
-        <a:scrgbClr r="0" g="0" b="0"/>
-      </a:lnRef>
-      <a:fillRef idx="1">
-        <a:scrgbClr r="0" g="0" b="0"/>
-      </a:fillRef>
-      <a:effectRef idx="0">
-        <a:scrgbClr r="0" g="0" b="0"/>
-      </a:effectRef>
-      <a:fontRef idx="minor">
-        <a:schemeClr val="lt1"/>
-      </a:fontRef>
-    </dgm:style>
-  </dgm:styleLbl>
-  <dgm:styleLbl name="lnNode1">
-    <dgm:scene3d>
-      <a:camera prst="orthographicFront"/>
-      <a:lightRig rig="threePt" dir="t"/>
-    </dgm:scene3d>
-    <dgm:sp3d/>
-    <dgm:txPr/>
-    <dgm:style>
-      <a:lnRef idx="2">
-        <a:scrgbClr r="0" g="0" b="0"/>
-      </a:lnRef>
-      <a:fillRef idx="1">
-        <a:scrgbClr r="0" g="0" b="0"/>
-      </a:fillRef>
-      <a:effectRef idx="0">
-        <a:scrgbClr r="0" g="0" b="0"/>
-      </a:effectRef>
-      <a:fontRef idx="minor">
-        <a:schemeClr val="lt1"/>
-      </a:fontRef>
-    </dgm:style>
-  </dgm:styleLbl>
-  <dgm:styleLbl name="vennNode1">
-    <dgm:scene3d>
-      <a:camera prst="orthographicFront"/>
-      <a:lightRig rig="threePt" dir="t"/>
-    </dgm:scene3d>
-    <dgm:sp3d/>
-    <dgm:txPr/>
-    <dgm:style>
-      <a:lnRef idx="2">
-        <a:scrgbClr r="0" g="0" b="0"/>
-      </a:lnRef>
-      <a:fillRef idx="1">
-        <a:scrgbClr r="0" g="0" b="0"/>
-      </a:fillRef>
-      <a:effectRef idx="0">
-        <a:scrgbClr r="0" g="0" b="0"/>
-      </a:effectRef>
-      <a:fontRef idx="minor">
-        <a:schemeClr val="tx1"/>
-      </a:fontRef>
-    </dgm:style>
-  </dgm:styleLbl>
-  <dgm:styleLbl name="alignNode1">
-    <dgm:scene3d>
-      <a:camera prst="orthographicFront"/>
-      <a:lightRig rig="threePt" dir="t"/>
-    </dgm:scene3d>
-    <dgm:sp3d/>
-    <dgm:txPr/>
-    <dgm:style>
-      <a:lnRef idx="2">
-        <a:scrgbClr r="0" g="0" b="0"/>
-      </a:lnRef>
-      <a:fillRef idx="1">
-        <a:scrgbClr r="0" g="0" b="0"/>
-      </a:fillRef>
-      <a:effectRef idx="0">
-        <a:scrgbClr r="0" g="0" b="0"/>
-      </a:effectRef>
-      <a:fontRef idx="minor">
-        <a:schemeClr val="lt1"/>
-      </a:fontRef>
-    </dgm:style>
-  </dgm:styleLbl>
-  <dgm:styleLbl name="node1">
-    <dgm:scene3d>
-      <a:camera prst="orthographicFront"/>
-      <a:lightRig rig="threePt" dir="t"/>
-    </dgm:scene3d>
-    <dgm:sp3d/>
-    <dgm:txPr/>
-    <dgm:style>
-      <a:lnRef idx="2">
-        <a:scrgbClr r="0" g="0" b="0"/>
-      </a:lnRef>
-      <a:fillRef idx="1">
-        <a:scrgbClr r="0" g="0" b="0"/>
-      </a:fillRef>
-      <a:effectRef idx="0">
-        <a:scrgbClr r="0" g="0" b="0"/>
-      </a:effectRef>
-      <a:fontRef idx="minor">
-        <a:schemeClr val="lt1"/>
-      </a:fontRef>
-    </dgm:style>
-  </dgm:styleLbl>
-  <dgm:styleLbl name="node2">
-    <dgm:scene3d>
-      <a:camera prst="orthographicFront"/>
-      <a:lightRig rig="threePt" dir="t"/>
-    </dgm:scene3d>
-    <dgm:sp3d/>
-    <dgm:txPr/>
-    <dgm:style>
-      <a:lnRef idx="2">
-        <a:scrgbClr r="0" g="0" b="0"/>
-      </a:lnRef>
-      <a:fillRef idx="1">
-        <a:scrgbClr r="0" g="0" b="0"/>
-      </a:fillRef>
-      <a:effectRef idx="0">
-        <a:scrgbClr r="0" g="0" b="0"/>
-      </a:effectRef>
-      <a:fontRef idx="minor">
-        <a:schemeClr val="lt1"/>
-      </a:fontRef>
-    </dgm:style>
-  </dgm:styleLbl>
-  <dgm:styleLbl name="node3">
-    <dgm:scene3d>
-      <a:camera prst="orthographicFront"/>
-      <a:lightRig rig="threePt" dir="t"/>
-    </dgm:scene3d>
-    <dgm:sp3d/>
-    <dgm:txPr/>
-    <dgm:style>
-      <a:lnRef idx="2">
-        <a:scrgbClr r="0" g="0" b="0"/>
-      </a:lnRef>
-      <a:fillRef idx="1">
-        <a:scrgbClr r="0" g="0" b="0"/>
-      </a:fillRef>
-      <a:effectRef idx="0">
-        <a:scrgbClr r="0" g="0" b="0"/>
-      </a:effectRef>
-      <a:fontRef idx="minor">
-        <a:schemeClr val="lt1"/>
-      </a:fontRef>
-    </dgm:style>
-  </dgm:styleLbl>
-  <dgm:styleLbl name="node4">
-    <dgm:scene3d>
-      <a:camera prst="orthographicFront"/>
-      <a:lightRig rig="threePt" dir="t"/>
-    </dgm:scene3d>
-    <dgm:sp3d/>
-    <dgm:txPr/>
-    <dgm:style>
-      <a:lnRef idx="2">
-        <a:scrgbClr r="0" g="0" b="0"/>
-      </a:lnRef>
-      <a:fillRef idx="1">
-        <a:scrgbClr r="0" g="0" b="0"/>
-      </a:fillRef>
-      <a:effectRef idx="0">
-        <a:scrgbClr r="0" g="0" b="0"/>
-      </a:effectRef>
-      <a:fontRef idx="minor">
-        <a:schemeClr val="lt1"/>
-      </a:fontRef>
-    </dgm:style>
-  </dgm:styleLbl>
-  <dgm:styleLbl name="fgImgPlace1">
-    <dgm:scene3d>
-      <a:camera prst="orthographicFront"/>
-      <a:lightRig rig="threePt" dir="t"/>
-    </dgm:scene3d>
-    <dgm:sp3d/>
-    <dgm:txPr/>
-    <dgm:style>
-      <a:lnRef idx="2">
-        <a:scrgbClr r="0" g="0" b="0"/>
-      </a:lnRef>
-      <a:fillRef idx="1">
-        <a:scrgbClr r="0" g="0" b="0"/>
-      </a:fillRef>
-      <a:effectRef idx="0">
-        <a:scrgbClr r="0" g="0" b="0"/>
-      </a:effectRef>
-      <a:fontRef idx="minor"/>
-    </dgm:style>
-  </dgm:styleLbl>
-  <dgm:styleLbl name="alignImgPlace1">
-    <dgm:scene3d>
-      <a:camera prst="orthographicFront"/>
-      <a:lightRig rig="threePt" dir="t"/>
-    </dgm:scene3d>
-    <dgm:sp3d/>
-    <dgm:txPr/>
-    <dgm:style>
-      <a:lnRef idx="2">
-        <a:scrgbClr r="0" g="0" b="0"/>
-      </a:lnRef>
-      <a:fillRef idx="1">
-        <a:scrgbClr r="0" g="0" b="0"/>
-      </a:fillRef>
-      <a:effectRef idx="0">
-        <a:scrgbClr r="0" g="0" b="0"/>
-      </a:effectRef>
-      <a:fontRef idx="minor"/>
-    </dgm:style>
-  </dgm:styleLbl>
-  <dgm:styleLbl name="bgImgPlace1">
-    <dgm:scene3d>
-      <a:camera prst="orthographicFront"/>
-      <a:lightRig rig="threePt" dir="t"/>
-    </dgm:scene3d>
-    <dgm:sp3d/>
-    <dgm:txPr/>
-    <dgm:style>
-      <a:lnRef idx="2">
-        <a:scrgbClr r="0" g="0" b="0"/>
-      </a:lnRef>
-      <a:fillRef idx="1">
-        <a:scrgbClr r="0" g="0" b="0"/>
-      </a:fillRef>
-      <a:effectRef idx="0">
-        <a:scrgbClr r="0" g="0" b="0"/>
-      </a:effectRef>
-      <a:fontRef idx="minor"/>
-    </dgm:style>
-  </dgm:styleLbl>
-  <dgm:styleLbl name="sibTrans2D1">
-    <dgm:scene3d>
-      <a:camera prst="orthographicFront"/>
-      <a:lightRig rig="threePt" dir="t"/>
-    </dgm:scene3d>
-    <dgm:sp3d/>
-    <dgm:txPr/>
-    <dgm:style>
-      <a:lnRef idx="0">
-        <a:scrgbClr r="0" g="0" b="0"/>
-      </a:lnRef>
-      <a:fillRef idx="1">
-        <a:scrgbClr r="0" g="0" b="0"/>
-      </a:fillRef>
-      <a:effectRef idx="0">
-        <a:scrgbClr r="0" g="0" b="0"/>
-      </a:effectRef>
-      <a:fontRef idx="minor">
-        <a:schemeClr val="lt1"/>
-      </a:fontRef>
-    </dgm:style>
-  </dgm:styleLbl>
-  <dgm:styleLbl name="fgSibTrans2D1">
-    <dgm:scene3d>
-      <a:camera prst="orthographicFront"/>
-      <a:lightRig rig="threePt" dir="t"/>
-    </dgm:scene3d>
-    <dgm:sp3d/>
-    <dgm:txPr/>
-    <dgm:style>
-      <a:lnRef idx="0">
-        <a:scrgbClr r="0" g="0" b="0"/>
-      </a:lnRef>
-      <a:fillRef idx="1">
-        <a:scrgbClr r="0" g="0" b="0"/>
-      </a:fillRef>
-      <a:effectRef idx="0">
-        <a:scrgbClr r="0" g="0" b="0"/>
-      </a:effectRef>
-      <a:fontRef idx="minor">
-        <a:schemeClr val="lt1"/>
-      </a:fontRef>
-    </dgm:style>
-  </dgm:styleLbl>
-  <dgm:styleLbl name="bgSibTrans2D1">
-    <dgm:scene3d>
-      <a:camera prst="orthographicFront"/>
-      <a:lightRig rig="threePt" dir="t"/>
-    </dgm:scene3d>
-    <dgm:sp3d/>
-    <dgm:txPr/>
-    <dgm:style>
-      <a:lnRef idx="0">
-        <a:scrgbClr r="0" g="0" b="0"/>
-      </a:lnRef>
-      <a:fillRef idx="1">
-        <a:scrgbClr r="0" g="0" b="0"/>
-      </a:fillRef>
-      <a:effectRef idx="0">
-        <a:scrgbClr r="0" g="0" b="0"/>
-      </a:effectRef>
-      <a:fontRef idx="minor">
-        <a:schemeClr val="lt1"/>
-      </a:fontRef>
-    </dgm:style>
-  </dgm:styleLbl>
-  <dgm:styleLbl name="sibTrans1D1">
-    <dgm:scene3d>
-      <a:camera prst="orthographicFront"/>
-      <a:lightRig rig="threePt" dir="t"/>
-    </dgm:scene3d>
-    <dgm:sp3d/>
-    <dgm:txPr/>
-    <dgm:style>
-      <a:lnRef idx="1">
-        <a:scrgbClr r="0" g="0" b="0"/>
-      </a:lnRef>
-      <a:fillRef idx="0">
-        <a:scrgbClr r="0" g="0" b="0"/>
-      </a:fillRef>
-      <a:effectRef idx="0">
-        <a:scrgbClr r="0" g="0" b="0"/>
-      </a:effectRef>
-      <a:fontRef idx="minor"/>
-    </dgm:style>
-  </dgm:styleLbl>
-  <dgm:styleLbl name="callout">
-    <dgm:scene3d>
-      <a:camera prst="orthographicFront"/>
-      <a:lightRig rig="threePt" dir="t"/>
-    </dgm:scene3d>
-    <dgm:sp3d/>
-    <dgm:txPr/>
-    <dgm:style>
-      <a:lnRef idx="2">
-        <a:scrgbClr r="0" g="0" b="0"/>
-      </a:lnRef>
-      <a:fillRef idx="1">
-        <a:scrgbClr r="0" g="0" b="0"/>
-      </a:fillRef>
-      <a:effectRef idx="0">
-        <a:scrgbClr r="0" g="0" b="0"/>
-      </a:effectRef>
-      <a:fontRef idx="minor"/>
-    </dgm:style>
-  </dgm:styleLbl>
-  <dgm:styleLbl name="asst0">
-    <dgm:scene3d>
-      <a:camera prst="orthographicFront"/>
-      <a:lightRig rig="threePt" dir="t"/>
-    </dgm:scene3d>
-    <dgm:sp3d/>
-    <dgm:txPr/>
-    <dgm:style>
-      <a:lnRef idx="2">
-        <a:scrgbClr r="0" g="0" b="0"/>
-      </a:lnRef>
-      <a:fillRef idx="1">
-        <a:scrgbClr r="0" g="0" b="0"/>
-      </a:fillRef>
-      <a:effectRef idx="0">
-        <a:scrgbClr r="0" g="0" b="0"/>
-      </a:effectRef>
-      <a:fontRef idx="minor">
-        <a:schemeClr val="lt1"/>
-      </a:fontRef>
-    </dgm:style>
-  </dgm:styleLbl>
-  <dgm:styleLbl name="asst1">
-    <dgm:scene3d>
-      <a:camera prst="orthographicFront"/>
-      <a:lightRig rig="threePt" dir="t"/>
-    </dgm:scene3d>
-    <dgm:sp3d/>
-    <dgm:txPr/>
-    <dgm:style>
-      <a:lnRef idx="2">
-        <a:scrgbClr r="0" g="0" b="0"/>
-      </a:lnRef>
-      <a:fillRef idx="1">
-        <a:scrgbClr r="0" g="0" b="0"/>
-      </a:fillRef>
-      <a:effectRef idx="0">
-        <a:scrgbClr r="0" g="0" b="0"/>
-      </a:effectRef>
-      <a:fontRef idx="minor">
-        <a:schemeClr val="lt1"/>
-      </a:fontRef>
-    </dgm:style>
-  </dgm:styleLbl>
-  <dgm:styleLbl name="asst2">
-    <dgm:scene3d>
-      <a:camera prst="orthographicFront"/>
-      <a:lightRig rig="threePt" dir="t"/>
-    </dgm:scene3d>
-    <dgm:sp3d/>
-    <dgm:txPr/>
-    <dgm:style>
-      <a:lnRef idx="2">
-        <a:scrgbClr r="0" g="0" b="0"/>
-      </a:lnRef>
-      <a:fillRef idx="1">
-        <a:scrgbClr r="0" g="0" b="0"/>
-      </a:fillRef>
-      <a:effectRef idx="0">
-        <a:scrgbClr r="0" g="0" b="0"/>
-      </a:effectRef>
-      <a:fontRef idx="minor">
-        <a:schemeClr val="lt1"/>
-      </a:fontRef>
-    </dgm:style>
-  </dgm:styleLbl>
-  <dgm:styleLbl name="asst3">
-    <dgm:scene3d>
-      <a:camera prst="orthographicFront"/>
-      <a:lightRig rig="threePt" dir="t"/>
-    </dgm:scene3d>
-    <dgm:sp3d/>
-    <dgm:txPr/>
-    <dgm:style>
-      <a:lnRef idx="2">
-        <a:scrgbClr r="0" g="0" b="0"/>
-      </a:lnRef>
-      <a:fillRef idx="1">
-        <a:scrgbClr r="0" g="0" b="0"/>
-      </a:fillRef>
-      <a:effectRef idx="0">
-        <a:scrgbClr r="0" g="0" b="0"/>
-      </a:effectRef>
-      <a:fontRef idx="minor">
-        <a:schemeClr val="lt1"/>
-      </a:fontRef>
-    </dgm:style>
-  </dgm:styleLbl>
-  <dgm:styleLbl name="asst4">
-    <dgm:scene3d>
-      <a:camera prst="orthographicFront"/>
-      <a:lightRig rig="threePt" dir="t"/>
-    </dgm:scene3d>
-    <dgm:sp3d/>
-    <dgm:txPr/>
-    <dgm:style>
-      <a:lnRef idx="2">
-        <a:scrgbClr r="0" g="0" b="0"/>
-      </a:lnRef>
-      <a:fillRef idx="1">
-        <a:scrgbClr r="0" g="0" b="0"/>
-      </a:fillRef>
-      <a:effectRef idx="0">
-        <a:scrgbClr r="0" g="0" b="0"/>
-      </a:effectRef>
-      <a:fontRef idx="minor">
-        <a:schemeClr val="lt1"/>
-      </a:fontRef>
-    </dgm:style>
-  </dgm:styleLbl>
-  <dgm:styleLbl name="parChTrans2D1">
-    <dgm:scene3d>
-      <a:camera prst="orthographicFront"/>
-      <a:lightRig rig="threePt" dir="t"/>
-    </dgm:scene3d>
-    <dgm:sp3d/>
-    <dgm:txPr/>
-    <dgm:style>
-      <a:lnRef idx="2">
-        <a:scrgbClr r="0" g="0" b="0"/>
-      </a:lnRef>
-      <a:fillRef idx="1">
-        <a:scrgbClr r="0" g="0" b="0"/>
-      </a:fillRef>
-      <a:effectRef idx="0">
-        <a:scrgbClr r="0" g="0" b="0"/>
-      </a:effectRef>
-      <a:fontRef idx="minor">
-        <a:schemeClr val="lt1"/>
-      </a:fontRef>
-    </dgm:style>
-  </dgm:styleLbl>
-  <dgm:styleLbl name="parChTrans2D2">
-    <dgm:scene3d>
-      <a:camera prst="orthographicFront"/>
-      <a:lightRig rig="threePt" dir="t"/>
-    </dgm:scene3d>
-    <dgm:sp3d/>
-    <dgm:txPr/>
-    <dgm:style>
-      <a:lnRef idx="2">
-        <a:scrgbClr r="0" g="0" b="0"/>
-      </a:lnRef>
-      <a:fillRef idx="1">
-        <a:scrgbClr r="0" g="0" b="0"/>
-      </a:fillRef>
-      <a:effectRef idx="0">
-        <a:scrgbClr r="0" g="0" b="0"/>
-      </a:effectRef>
-      <a:fontRef idx="minor">
-        <a:schemeClr val="lt1"/>
-      </a:fontRef>
-    </dgm:style>
-  </dgm:styleLbl>
-  <dgm:styleLbl name="parChTrans2D3">
-    <dgm:scene3d>
-      <a:camera prst="orthographicFront"/>
-      <a:lightRig rig="threePt" dir="t"/>
-    </dgm:scene3d>
-    <dgm:sp3d/>
-    <dgm:txPr/>
-    <dgm:style>
-      <a:lnRef idx="2">
-        <a:scrgbClr r="0" g="0" b="0"/>
-      </a:lnRef>
-      <a:fillRef idx="1">
-        <a:scrgbClr r="0" g="0" b="0"/>
-      </a:fillRef>
-      <a:effectRef idx="0">
-        <a:scrgbClr r="0" g="0" b="0"/>
-      </a:effectRef>
-      <a:fontRef idx="minor">
-        <a:schemeClr val="lt1"/>
-      </a:fontRef>
-    </dgm:style>
-  </dgm:styleLbl>
-  <dgm:styleLbl name="parChTrans2D4">
-    <dgm:scene3d>
-      <a:camera prst="orthographicFront"/>
-      <a:lightRig rig="threePt" dir="t"/>
-    </dgm:scene3d>
-    <dgm:sp3d/>
-    <dgm:txPr/>
-    <dgm:style>
-      <a:lnRef idx="2">
-        <a:scrgbClr r="0" g="0" b="0"/>
-      </a:lnRef>
-      <a:fillRef idx="1">
-        <a:scrgbClr r="0" g="0" b="0"/>
-      </a:fillRef>
-      <a:effectRef idx="0">
-        <a:scrgbClr r="0" g="0" b="0"/>
-      </a:effectRef>
-      <a:fontRef idx="minor">
-        <a:schemeClr val="lt1"/>
-      </a:fontRef>
-    </dgm:style>
-  </dgm:styleLbl>
-  <dgm:styleLbl name="parChTrans1D1">
-    <dgm:scene3d>
-      <a:camera prst="orthographicFront"/>
-      <a:lightRig rig="threePt" dir="t"/>
-    </dgm:scene3d>
-    <dgm:sp3d/>
-    <dgm:txPr/>
-    <dgm:style>
-      <a:lnRef idx="2">
-        <a:scrgbClr r="0" g="0" b="0"/>
-      </a:lnRef>
-      <a:fillRef idx="0">
-        <a:scrgbClr r="0" g="0" b="0"/>
-      </a:fillRef>
-      <a:effectRef idx="0">
-        <a:scrgbClr r="0" g="0" b="0"/>
-      </a:effectRef>
-      <a:fontRef idx="minor"/>
-    </dgm:style>
-  </dgm:styleLbl>
-  <dgm:styleLbl name="parChTrans1D2">
-    <dgm:scene3d>
-      <a:camera prst="orthographicFront"/>
-      <a:lightRig rig="threePt" dir="t"/>
-    </dgm:scene3d>
-    <dgm:sp3d/>
-    <dgm:txPr/>
-    <dgm:style>
-      <a:lnRef idx="2">
-        <a:scrgbClr r="0" g="0" b="0"/>
-      </a:lnRef>
-      <a:fillRef idx="0">
-        <a:scrgbClr r="0" g="0" b="0"/>
-      </a:fillRef>
-      <a:effectRef idx="0">
-        <a:scrgbClr r="0" g="0" b="0"/>
-      </a:effectRef>
-      <a:fontRef idx="minor"/>
-    </dgm:style>
-  </dgm:styleLbl>
-  <dgm:styleLbl name="parChTrans1D3">
-    <dgm:scene3d>
-      <a:camera prst="orthographicFront"/>
-      <a:lightRig rig="threePt" dir="t"/>
-    </dgm:scene3d>
-    <dgm:sp3d/>
-    <dgm:txPr/>
-    <dgm:style>
-      <a:lnRef idx="2">
-        <a:scrgbClr r="0" g="0" b="0"/>
-      </a:lnRef>
-      <a:fillRef idx="0">
-        <a:scrgbClr r="0" g="0" b="0"/>
-      </a:fillRef>
-      <a:effectRef idx="0">
-        <a:scrgbClr r="0" g="0" b="0"/>
-      </a:effectRef>
-      <a:fontRef idx="minor"/>
-    </dgm:style>
-  </dgm:styleLbl>
-  <dgm:styleLbl name="parChTrans1D4">
-    <dgm:scene3d>
-      <a:camera prst="orthographicFront"/>
-      <a:lightRig rig="threePt" dir="t"/>
-    </dgm:scene3d>
-    <dgm:sp3d/>
-    <dgm:txPr/>
-    <dgm:style>
-      <a:lnRef idx="2">
-        <a:scrgbClr r="0" g="0" b="0"/>
-      </a:lnRef>
-      <a:fillRef idx="0">
-        <a:scrgbClr r="0" g="0" b="0"/>
-      </a:fillRef>
-      <a:effectRef idx="0">
-        <a:scrgbClr r="0" g="0" b="0"/>
-      </a:effectRef>
-      <a:fontRef idx="minor"/>
-    </dgm:style>
-  </dgm:styleLbl>
-  <dgm:styleLbl name="fgAcc1">
-    <dgm:scene3d>
-      <a:camera prst="orthographicFront"/>
-      <a:lightRig rig="threePt" dir="t"/>
-    </dgm:scene3d>
-    <dgm:sp3d/>
-    <dgm:txPr/>
-    <dgm:style>
-      <a:lnRef idx="2">
-        <a:scrgbClr r="0" g="0" b="0"/>
-      </a:lnRef>
-      <a:fillRef idx="1">
-        <a:scrgbClr r="0" g="0" b="0"/>
-      </a:fillRef>
-      <a:effectRef idx="0">
-        <a:scrgbClr r="0" g="0" b="0"/>
-      </a:effectRef>
-      <a:fontRef idx="minor"/>
-    </dgm:style>
-  </dgm:styleLbl>
-  <dgm:styleLbl name="conFgAcc1">
-    <dgm:scene3d>
-      <a:camera prst="orthographicFront"/>
-      <a:lightRig rig="threePt" dir="t"/>
-    </dgm:scene3d>
-    <dgm:sp3d/>
-    <dgm:txPr/>
-    <dgm:style>
-      <a:lnRef idx="2">
-        <a:scrgbClr r="0" g="0" b="0"/>
-      </a:lnRef>
-      <a:fillRef idx="1">
-        <a:scrgbClr r="0" g="0" b="0"/>
-      </a:fillRef>
-      <a:effectRef idx="0">
-        <a:scrgbClr r="0" g="0" b="0"/>
-      </a:effectRef>
-      <a:fontRef idx="minor"/>
-    </dgm:style>
-  </dgm:styleLbl>
-  <dgm:styleLbl name="alignAcc1">
-    <dgm:scene3d>
-      <a:camera prst="orthographicFront"/>
-      <a:lightRig rig="threePt" dir="t"/>
-    </dgm:scene3d>
-    <dgm:sp3d/>
-    <dgm:txPr/>
-    <dgm:style>
-      <a:lnRef idx="2">
-        <a:scrgbClr r="0" g="0" b="0"/>
-      </a:lnRef>
-      <a:fillRef idx="1">
-        <a:scrgbClr r="0" g="0" b="0"/>
-      </a:fillRef>
-      <a:effectRef idx="0">
-        <a:scrgbClr r="0" g="0" b="0"/>
-      </a:effectRef>
-      <a:fontRef idx="minor"/>
-    </dgm:style>
-  </dgm:styleLbl>
-  <dgm:styleLbl name="trAlignAcc1">
-    <dgm:scene3d>
-      <a:camera prst="orthographicFront"/>
-      <a:lightRig rig="threePt" dir="t"/>
-    </dgm:scene3d>
-    <dgm:sp3d/>
-    <dgm:txPr/>
-    <dgm:style>
-      <a:lnRef idx="1">
-        <a:scrgbClr r="0" g="0" b="0"/>
-      </a:lnRef>
-      <a:fillRef idx="1">
-        <a:scrgbClr r="0" g="0" b="0"/>
-      </a:fillRef>
-      <a:effectRef idx="0">
-        <a:scrgbClr r="0" g="0" b="0"/>
-      </a:effectRef>
-      <a:fontRef idx="minor"/>
-    </dgm:style>
-  </dgm:styleLbl>
-  <dgm:styleLbl name="bgAcc1">
-    <dgm:scene3d>
-      <a:camera prst="orthographicFront"/>
-      <a:lightRig rig="threePt" dir="t"/>
-    </dgm:scene3d>
-    <dgm:sp3d/>
-    <dgm:txPr/>
-    <dgm:style>
-      <a:lnRef idx="2">
-        <a:scrgbClr r="0" g="0" b="0"/>
-      </a:lnRef>
-      <a:fillRef idx="1">
-        <a:scrgbClr r="0" g="0" b="0"/>
-      </a:fillRef>
-      <a:effectRef idx="0">
-        <a:scrgbClr r="0" g="0" b="0"/>
-      </a:effectRef>
-      <a:fontRef idx="minor"/>
-    </dgm:style>
-  </dgm:styleLbl>
-  <dgm:styleLbl name="solidFgAcc1">
-    <dgm:scene3d>
-      <a:camera prst="orthographicFront"/>
-      <a:lightRig rig="threePt" dir="t"/>
-    </dgm:scene3d>
-    <dgm:sp3d/>
-    <dgm:txPr/>
-    <dgm:style>
-      <a:lnRef idx="2">
-        <a:scrgbClr r="0" g="0" b="0"/>
-      </a:lnRef>
-      <a:fillRef idx="1">
-        <a:scrgbClr r="0" g="0" b="0"/>
-      </a:fillRef>
-      <a:effectRef idx="0">
-        <a:scrgbClr r="0" g="0" b="0"/>
-      </a:effectRef>
-      <a:fontRef idx="minor"/>
-    </dgm:style>
-  </dgm:styleLbl>
-  <dgm:styleLbl name="solidAlignAcc1">
-    <dgm:scene3d>
-      <a:camera prst="orthographicFront"/>
-      <a:lightRig rig="threePt" dir="t"/>
-    </dgm:scene3d>
-    <dgm:sp3d/>
-    <dgm:txPr/>
-    <dgm:style>
-      <a:lnRef idx="2">
-        <a:scrgbClr r="0" g="0" b="0"/>
-      </a:lnRef>
-      <a:fillRef idx="1">
-        <a:scrgbClr r="0" g="0" b="0"/>
-      </a:fillRef>
-      <a:effectRef idx="0">
-        <a:scrgbClr r="0" g="0" b="0"/>
-      </a:effectRef>
-      <a:fontRef idx="minor"/>
-    </dgm:style>
-  </dgm:styleLbl>
-  <dgm:styleLbl name="solidBgAcc1">
-    <dgm:scene3d>
-      <a:camera prst="orthographicFront"/>
-      <a:lightRig rig="threePt" dir="t"/>
-    </dgm:scene3d>
-    <dgm:sp3d/>
-    <dgm:txPr/>
-    <dgm:style>
-      <a:lnRef idx="2">
-        <a:scrgbClr r="0" g="0" b="0"/>
-      </a:lnRef>
-      <a:fillRef idx="1">
-        <a:scrgbClr r="0" g="0" b="0"/>
-      </a:fillRef>
-      <a:effectRef idx="0">
-        <a:scrgbClr r="0" g="0" b="0"/>
-      </a:effectRef>
-      <a:fontRef idx="minor"/>
-    </dgm:style>
-  </dgm:styleLbl>
-  <dgm:styleLbl name="fgAccFollowNode1">
-    <dgm:scene3d>
-      <a:camera prst="orthographicFront"/>
-      <a:lightRig rig="threePt" dir="t"/>
-    </dgm:scene3d>
-    <dgm:sp3d/>
-    <dgm:txPr/>
-    <dgm:style>
-      <a:lnRef idx="2">
-        <a:scrgbClr r="0" g="0" b="0"/>
-      </a:lnRef>
-      <a:fillRef idx="1">
-        <a:scrgbClr r="0" g="0" b="0"/>
-      </a:fillRef>
-      <a:effectRef idx="0">
-        <a:scrgbClr r="0" g="0" b="0"/>
-      </a:effectRef>
-      <a:fontRef idx="minor"/>
-    </dgm:style>
-  </dgm:styleLbl>
-  <dgm:styleLbl name="alignAccFollowNode1">
-    <dgm:scene3d>
-      <a:camera prst="orthographicFront"/>
-      <a:lightRig rig="threePt" dir="t"/>
-    </dgm:scene3d>
-    <dgm:sp3d/>
-    <dgm:txPr/>
-    <dgm:style>
-      <a:lnRef idx="2">
-        <a:scrgbClr r="0" g="0" b="0"/>
-      </a:lnRef>
-      <a:fillRef idx="1">
-        <a:scrgbClr r="0" g="0" b="0"/>
-      </a:fillRef>
-      <a:effectRef idx="0">
-        <a:scrgbClr r="0" g="0" b="0"/>
-      </a:effectRef>
-      <a:fontRef idx="minor"/>
-    </dgm:style>
-  </dgm:styleLbl>
-  <dgm:styleLbl name="bgAccFollowNode1">
-    <dgm:scene3d>
-      <a:camera prst="orthographicFront"/>
-      <a:lightRig rig="threePt" dir="t"/>
-    </dgm:scene3d>
-    <dgm:sp3d/>
-    <dgm:txPr/>
-    <dgm:style>
-      <a:lnRef idx="2">
-        <a:scrgbClr r="0" g="0" b="0"/>
-      </a:lnRef>
-      <a:fillRef idx="1">
-        <a:scrgbClr r="0" g="0" b="0"/>
-      </a:fillRef>
-      <a:effectRef idx="0">
-        <a:scrgbClr r="0" g="0" b="0"/>
-      </a:effectRef>
-      <a:fontRef idx="minor"/>
-    </dgm:style>
-  </dgm:styleLbl>
-  <dgm:styleLbl name="fgAcc0">
-    <dgm:scene3d>
-      <a:camera prst="orthographicFront"/>
-      <a:lightRig rig="threePt" dir="t"/>
-    </dgm:scene3d>
-    <dgm:sp3d/>
-    <dgm:txPr/>
-    <dgm:style>
-      <a:lnRef idx="2">
-        <a:scrgbClr r="0" g="0" b="0"/>
-      </a:lnRef>
-      <a:fillRef idx="1">
-        <a:scrgbClr r="0" g="0" b="0"/>
-      </a:fillRef>
-      <a:effectRef idx="0">
-        <a:scrgbClr r="0" g="0" b="0"/>
-      </a:effectRef>
-      <a:fontRef idx="minor"/>
-    </dgm:style>
-  </dgm:styleLbl>
-  <dgm:styleLbl name="fgAcc2">
-    <dgm:scene3d>
-      <a:camera prst="orthographicFront"/>
-      <a:lightRig rig="threePt" dir="t"/>
-    </dgm:scene3d>
-    <dgm:sp3d/>
-    <dgm:txPr/>
-    <dgm:style>
-      <a:lnRef idx="2">
-        <a:scrgbClr r="0" g="0" b="0"/>
-      </a:lnRef>
-      <a:fillRef idx="1">
-        <a:scrgbClr r="0" g="0" b="0"/>
-      </a:fillRef>
-      <a:effectRef idx="0">
-        <a:scrgbClr r="0" g="0" b="0"/>
-      </a:effectRef>
-      <a:fontRef idx="minor"/>
-    </dgm:style>
-  </dgm:styleLbl>
-  <dgm:styleLbl name="fgAcc3">
-    <dgm:scene3d>
-      <a:camera prst="orthographicFront"/>
-      <a:lightRig rig="threePt" dir="t"/>
-    </dgm:scene3d>
-    <dgm:sp3d/>
-    <dgm:txPr/>
-    <dgm:style>
-      <a:lnRef idx="2">
-        <a:scrgbClr r="0" g="0" b="0"/>
-      </a:lnRef>
-      <a:fillRef idx="1">
-        <a:scrgbClr r="0" g="0" b="0"/>
-      </a:fillRef>
-      <a:effectRef idx="0">
-        <a:scrgbClr r="0" g="0" b="0"/>
-      </a:effectRef>
-      <a:fontRef idx="minor"/>
-    </dgm:style>
-  </dgm:styleLbl>
-  <dgm:styleLbl name="fgAcc4">
-    <dgm:scene3d>
-      <a:camera prst="orthographicFront"/>
-      <a:lightRig rig="threePt" dir="t"/>
-    </dgm:scene3d>
-    <dgm:sp3d/>
-    <dgm:txPr/>
-    <dgm:style>
-      <a:lnRef idx="2">
-        <a:scrgbClr r="0" g="0" b="0"/>
-      </a:lnRef>
-      <a:fillRef idx="1">
-        <a:scrgbClr r="0" g="0" b="0"/>
-      </a:fillRef>
-      <a:effectRef idx="0">
-        <a:scrgbClr r="0" g="0" b="0"/>
-      </a:effectRef>
-      <a:fontRef idx="minor"/>
-    </dgm:style>
-  </dgm:styleLbl>
-  <dgm:styleLbl name="bgShp">
-    <dgm:scene3d>
-      <a:camera prst="orthographicFront"/>
-      <a:lightRig rig="threePt" dir="t"/>
-    </dgm:scene3d>
-    <dgm:sp3d/>
-    <dgm:txPr/>
-    <dgm:style>
-      <a:lnRef idx="0">
-        <a:scrgbClr r="0" g="0" b="0"/>
-      </a:lnRef>
-      <a:fillRef idx="1">
-        <a:scrgbClr r="0" g="0" b="0"/>
-      </a:fillRef>
-      <a:effectRef idx="0">
-        <a:scrgbClr r="0" g="0" b="0"/>
-      </a:effectRef>
-      <a:fontRef idx="minor"/>
-    </dgm:style>
-  </dgm:styleLbl>
-  <dgm:styleLbl name="dkBgShp">
-    <dgm:scene3d>
-      <a:camera prst="orthographicFront"/>
-      <a:lightRig rig="threePt" dir="t"/>
-    </dgm:scene3d>
-    <dgm:sp3d/>
-    <dgm:txPr/>
-    <dgm:style>
-      <a:lnRef idx="0">
-        <a:scrgbClr r="0" g="0" b="0"/>
-      </a:lnRef>
-      <a:fillRef idx="1">
-        <a:scrgbClr r="0" g="0" b="0"/>
-      </a:fillRef>
-      <a:effectRef idx="0">
-        <a:scrgbClr r="0" g="0" b="0"/>
-      </a:effectRef>
-      <a:fontRef idx="minor"/>
-    </dgm:style>
-  </dgm:styleLbl>
-  <dgm:styleLbl name="trBgShp">
-    <dgm:scene3d>
-      <a:camera prst="orthographicFront"/>
-      <a:lightRig rig="threePt" dir="t"/>
-    </dgm:scene3d>
-    <dgm:sp3d/>
-    <dgm:txPr/>
-    <dgm:style>
-      <a:lnRef idx="0">
-        <a:scrgbClr r="0" g="0" b="0"/>
-      </a:lnRef>
-      <a:fillRef idx="1">
-        <a:scrgbClr r="0" g="0" b="0"/>
-      </a:fillRef>
-      <a:effectRef idx="0">
-        <a:scrgbClr r="0" g="0" b="0"/>
-      </a:effectRef>
-      <a:fontRef idx="minor"/>
-    </dgm:style>
-  </dgm:styleLbl>
-  <dgm:styleLbl name="fgShp">
-    <dgm:scene3d>
-      <a:camera prst="orthographicFront"/>
-      <a:lightRig rig="threePt" dir="t"/>
-    </dgm:scene3d>
-    <dgm:sp3d/>
-    <dgm:txPr/>
-    <dgm:style>
-      <a:lnRef idx="2">
-        <a:scrgbClr r="0" g="0" b="0"/>
-      </a:lnRef>
-      <a:fillRef idx="1">
-        <a:scrgbClr r="0" g="0" b="0"/>
-      </a:fillRef>
-      <a:effectRef idx="0">
-        <a:scrgbClr r="0" g="0" b="0"/>
-      </a:effectRef>
-      <a:fontRef idx="minor"/>
-    </dgm:style>
-  </dgm:styleLbl>
-  <dgm:styleLbl name="revTx">
-    <dgm:scene3d>
-      <a:camera prst="orthographicFront"/>
-      <a:lightRig rig="threePt" dir="t"/>
-    </dgm:scene3d>
-    <dgm:sp3d/>
-    <dgm:txPr/>
-    <dgm:style>
-      <a:lnRef idx="0">
-        <a:scrgbClr r="0" g="0" b="0"/>
-      </a:lnRef>
-      <a:fillRef idx="0">
-        <a:scrgbClr r="0" g="0" b="0"/>
-      </a:fillRef>
-      <a:effectRef idx="0">
-        <a:scrgbClr r="0" g="0" b="0"/>
-      </a:effectRef>
-      <a:fontRef idx="minor"/>
-    </dgm:style>
-  </dgm:styleLbl>
-</dgm:styleDef>
-</file>
-
 <file path=ppt/notesMasters/notesMaster1.xml><?xml version="1.0" encoding="utf-8"?>
 <p:notesMaster xmlns:a="http://schemas.openxmlformats.org/drawingml/2006/main" xmlns:r="http://schemas.openxmlformats.org/officeDocument/2006/relationships" xmlns:p="http://schemas.openxmlformats.org/presentationml/2006/main">
   <p:cSld>
@@ -3805,7 +206,7 @@
           <a:p>
             <a:fld id="{E6D7BA2A-F95C-4663-84C1-0567E84126FD}" type="datetimeFigureOut">
               <a:rPr lang="de-AT" smtClean="0"/>
-              <a:t>18.06.2017</a:t>
+              <a:t>19.06.2017</a:t>
             </a:fld>
             <a:endParaRPr lang="de-AT"/>
           </a:p>
@@ -4211,6 +612,90 @@
 </p:notes>
 </file>
 
+<file path=ppt/notesSlides/notesSlide2.xml><?xml version="1.0" encoding="utf-8"?>
+<p:notes xmlns:a="http://schemas.openxmlformats.org/drawingml/2006/main" xmlns:r="http://schemas.openxmlformats.org/officeDocument/2006/relationships" xmlns:p="http://schemas.openxmlformats.org/presentationml/2006/main">
+  <p:cSld>
+    <p:spTree>
+      <p:nvGrpSpPr>
+        <p:cNvPr id="1" name=""/>
+        <p:cNvGrpSpPr/>
+        <p:nvPr/>
+      </p:nvGrpSpPr>
+      <p:grpSpPr>
+        <a:xfrm>
+          <a:off x="0" y="0"/>
+          <a:ext cx="0" cy="0"/>
+          <a:chOff x="0" y="0"/>
+          <a:chExt cx="0" cy="0"/>
+        </a:xfrm>
+      </p:grpSpPr>
+      <p:sp>
+        <p:nvSpPr>
+          <p:cNvPr id="2" name="Folienbildplatzhalter 1"/>
+          <p:cNvSpPr>
+            <a:spLocks noGrp="1" noRot="1" noChangeAspect="1"/>
+          </p:cNvSpPr>
+          <p:nvPr>
+            <p:ph type="sldImg"/>
+          </p:nvPr>
+        </p:nvSpPr>
+        <p:spPr/>
+      </p:sp>
+      <p:sp>
+        <p:nvSpPr>
+          <p:cNvPr id="3" name="Notizenplatzhalter 2"/>
+          <p:cNvSpPr>
+            <a:spLocks noGrp="1"/>
+          </p:cNvSpPr>
+          <p:nvPr>
+            <p:ph type="body" idx="1"/>
+          </p:nvPr>
+        </p:nvSpPr>
+        <p:spPr/>
+        <p:txBody>
+          <a:bodyPr/>
+          <a:lstStyle/>
+          <a:p>
+            <a:endParaRPr lang="de-AT" dirty="0"/>
+          </a:p>
+        </p:txBody>
+      </p:sp>
+      <p:sp>
+        <p:nvSpPr>
+          <p:cNvPr id="4" name="Foliennummernplatzhalter 3"/>
+          <p:cNvSpPr>
+            <a:spLocks noGrp="1"/>
+          </p:cNvSpPr>
+          <p:nvPr>
+            <p:ph type="sldNum" sz="quarter" idx="10"/>
+          </p:nvPr>
+        </p:nvSpPr>
+        <p:spPr/>
+        <p:txBody>
+          <a:bodyPr/>
+          <a:lstStyle/>
+          <a:p>
+            <a:fld id="{5D5B06F4-1351-4B7E-92BC-A4C13D404FC4}" type="slidenum">
+              <a:rPr lang="de-AT" smtClean="0"/>
+              <a:t>2</a:t>
+            </a:fld>
+            <a:endParaRPr lang="de-AT"/>
+          </a:p>
+        </p:txBody>
+      </p:sp>
+    </p:spTree>
+    <p:extLst>
+      <p:ext uri="{BB962C8B-B14F-4D97-AF65-F5344CB8AC3E}">
+        <p14:creationId xmlns:p14="http://schemas.microsoft.com/office/powerpoint/2010/main" val="1071504225"/>
+      </p:ext>
+    </p:extLst>
+  </p:cSld>
+  <p:clrMapOvr>
+    <a:masterClrMapping/>
+  </p:clrMapOvr>
+</p:notes>
+</file>
+
 <file path=ppt/slideLayouts/slideLayout1.xml><?xml version="1.0" encoding="utf-8"?>
 <p:sldLayout xmlns:a="http://schemas.openxmlformats.org/drawingml/2006/main" xmlns:r="http://schemas.openxmlformats.org/officeDocument/2006/relationships" xmlns:p="http://schemas.openxmlformats.org/presentationml/2006/main" type="title" preserve="1">
   <p:cSld name="Titelfolie">
@@ -4342,7 +827,7 @@
           <a:p>
             <a:fld id="{500322EC-E8A7-45C6-B511-826733D32E9C}" type="datetimeFigureOut">
               <a:rPr lang="de-AT" smtClean="0"/>
-              <a:t>18.06.2017</a:t>
+              <a:t>19.06.2017</a:t>
             </a:fld>
             <a:endParaRPr lang="de-AT"/>
           </a:p>
@@ -4512,7 +997,7 @@
           <a:p>
             <a:fld id="{500322EC-E8A7-45C6-B511-826733D32E9C}" type="datetimeFigureOut">
               <a:rPr lang="de-AT" smtClean="0"/>
-              <a:t>18.06.2017</a:t>
+              <a:t>19.06.2017</a:t>
             </a:fld>
             <a:endParaRPr lang="de-AT"/>
           </a:p>
@@ -4692,7 +1177,7 @@
           <a:p>
             <a:fld id="{500322EC-E8A7-45C6-B511-826733D32E9C}" type="datetimeFigureOut">
               <a:rPr lang="de-AT" smtClean="0"/>
-              <a:t>18.06.2017</a:t>
+              <a:t>19.06.2017</a:t>
             </a:fld>
             <a:endParaRPr lang="de-AT"/>
           </a:p>
@@ -4862,7 +1347,7 @@
           <a:p>
             <a:fld id="{500322EC-E8A7-45C6-B511-826733D32E9C}" type="datetimeFigureOut">
               <a:rPr lang="de-AT" smtClean="0"/>
-              <a:t>18.06.2017</a:t>
+              <a:t>19.06.2017</a:t>
             </a:fld>
             <a:endParaRPr lang="de-AT"/>
           </a:p>
@@ -5108,7 +1593,7 @@
           <a:p>
             <a:fld id="{500322EC-E8A7-45C6-B511-826733D32E9C}" type="datetimeFigureOut">
               <a:rPr lang="de-AT" smtClean="0"/>
-              <a:t>18.06.2017</a:t>
+              <a:t>19.06.2017</a:t>
             </a:fld>
             <a:endParaRPr lang="de-AT"/>
           </a:p>
@@ -5340,7 +1825,7 @@
           <a:p>
             <a:fld id="{500322EC-E8A7-45C6-B511-826733D32E9C}" type="datetimeFigureOut">
               <a:rPr lang="de-AT" smtClean="0"/>
-              <a:t>18.06.2017</a:t>
+              <a:t>19.06.2017</a:t>
             </a:fld>
             <a:endParaRPr lang="de-AT"/>
           </a:p>
@@ -5707,7 +2192,7 @@
           <a:p>
             <a:fld id="{500322EC-E8A7-45C6-B511-826733D32E9C}" type="datetimeFigureOut">
               <a:rPr lang="de-AT" smtClean="0"/>
-              <a:t>18.06.2017</a:t>
+              <a:t>19.06.2017</a:t>
             </a:fld>
             <a:endParaRPr lang="de-AT"/>
           </a:p>
@@ -5825,7 +2310,7 @@
           <a:p>
             <a:fld id="{500322EC-E8A7-45C6-B511-826733D32E9C}" type="datetimeFigureOut">
               <a:rPr lang="de-AT" smtClean="0"/>
-              <a:t>18.06.2017</a:t>
+              <a:t>19.06.2017</a:t>
             </a:fld>
             <a:endParaRPr lang="de-AT"/>
           </a:p>
@@ -5920,7 +2405,7 @@
           <a:p>
             <a:fld id="{500322EC-E8A7-45C6-B511-826733D32E9C}" type="datetimeFigureOut">
               <a:rPr lang="de-AT" smtClean="0"/>
-              <a:t>18.06.2017</a:t>
+              <a:t>19.06.2017</a:t>
             </a:fld>
             <a:endParaRPr lang="de-AT"/>
           </a:p>
@@ -6197,7 +2682,7 @@
           <a:p>
             <a:fld id="{500322EC-E8A7-45C6-B511-826733D32E9C}" type="datetimeFigureOut">
               <a:rPr lang="de-AT" smtClean="0"/>
-              <a:t>18.06.2017</a:t>
+              <a:t>19.06.2017</a:t>
             </a:fld>
             <a:endParaRPr lang="de-AT"/>
           </a:p>
@@ -6454,7 +2939,7 @@
           <a:p>
             <a:fld id="{500322EC-E8A7-45C6-B511-826733D32E9C}" type="datetimeFigureOut">
               <a:rPr lang="de-AT" smtClean="0"/>
-              <a:t>18.06.2017</a:t>
+              <a:t>19.06.2017</a:t>
             </a:fld>
             <a:endParaRPr lang="de-AT"/>
           </a:p>
@@ -6667,7 +3152,7 @@
           <a:p>
             <a:fld id="{500322EC-E8A7-45C6-B511-826733D32E9C}" type="datetimeFigureOut">
               <a:rPr lang="de-AT" smtClean="0"/>
-              <a:t>18.06.2017</a:t>
+              <a:t>19.06.2017</a:t>
             </a:fld>
             <a:endParaRPr lang="de-AT"/>
           </a:p>
@@ -7370,32 +3855,1644 @@
           <a:p>
             <a:r>
               <a:rPr lang="de-AT" dirty="0"/>
-              <a:t>Disposition</a:t>
-            </a:r>
-          </a:p>
-        </p:txBody>
-      </p:sp>
-      <p:graphicFrame>
-        <p:nvGraphicFramePr>
-          <p:cNvPr id="5" name="Inhaltsplatzhalter 2"/>
-          <p:cNvGraphicFramePr>
-            <a:graphicFrameLocks noGrp="1"/>
-          </p:cNvGraphicFramePr>
-          <p:nvPr>
-            <p:ph idx="1"/>
-            <p:extLst/>
-          </p:nvPr>
-        </p:nvGraphicFramePr>
-        <p:xfrm>
-          <a:off x="838200" y="1825625"/>
-          <a:ext cx="10515600" cy="4351338"/>
-        </p:xfrm>
-        <a:graphic>
-          <a:graphicData uri="http://schemas.openxmlformats.org/drawingml/2006/diagram">
-            <dgm:relIds xmlns:dgm="http://schemas.openxmlformats.org/drawingml/2006/diagram" xmlns:r="http://schemas.openxmlformats.org/officeDocument/2006/relationships" r:dm="rId2" r:lo="rId3" r:qs="rId4" r:cs="rId5"/>
-          </a:graphicData>
-        </a:graphic>
-      </p:graphicFrame>
+              <a:t>Agenda</a:t>
+            </a:r>
+          </a:p>
+        </p:txBody>
+      </p:sp>
+      <p:grpSp>
+        <p:nvGrpSpPr>
+          <p:cNvPr id="22" name="Gruppieren 21"/>
+          <p:cNvGrpSpPr/>
+          <p:nvPr/>
+        </p:nvGrpSpPr>
+        <p:grpSpPr>
+          <a:xfrm>
+            <a:off x="841794" y="2639092"/>
+            <a:ext cx="1946002" cy="2724403"/>
+            <a:chOff x="841794" y="2639092"/>
+            <a:chExt cx="1946002" cy="2724403"/>
+          </a:xfrm>
+        </p:grpSpPr>
+        <p:grpSp>
+          <p:nvGrpSpPr>
+            <p:cNvPr id="21" name="Gruppieren 20"/>
+            <p:cNvGrpSpPr/>
+            <p:nvPr/>
+          </p:nvGrpSpPr>
+          <p:grpSpPr>
+            <a:xfrm>
+              <a:off x="841794" y="2639092"/>
+              <a:ext cx="1946002" cy="2724403"/>
+              <a:chOff x="841794" y="2639092"/>
+              <a:chExt cx="1946002" cy="2724403"/>
+            </a:xfrm>
+          </p:grpSpPr>
+          <p:sp>
+            <p:nvSpPr>
+              <p:cNvPr id="4" name="Freihandform: Form 3"/>
+              <p:cNvSpPr/>
+              <p:nvPr/>
+            </p:nvSpPr>
+            <p:spPr>
+              <a:xfrm>
+                <a:off x="841794" y="2639092"/>
+                <a:ext cx="1946002" cy="2724403"/>
+              </a:xfrm>
+              <a:custGeom>
+                <a:avLst/>
+                <a:gdLst>
+                  <a:gd name="connsiteX0" fmla="*/ 0 w 1946002"/>
+                  <a:gd name="connsiteY0" fmla="*/ 0 h 2724403"/>
+                  <a:gd name="connsiteX1" fmla="*/ 1946002 w 1946002"/>
+                  <a:gd name="connsiteY1" fmla="*/ 0 h 2724403"/>
+                  <a:gd name="connsiteX2" fmla="*/ 1946002 w 1946002"/>
+                  <a:gd name="connsiteY2" fmla="*/ 2724403 h 2724403"/>
+                  <a:gd name="connsiteX3" fmla="*/ 0 w 1946002"/>
+                  <a:gd name="connsiteY3" fmla="*/ 2724403 h 2724403"/>
+                  <a:gd name="connsiteX4" fmla="*/ 0 w 1946002"/>
+                  <a:gd name="connsiteY4" fmla="*/ 0 h 2724403"/>
+                </a:gdLst>
+                <a:ahLst/>
+                <a:cxnLst>
+                  <a:cxn ang="0">
+                    <a:pos x="connsiteX0" y="connsiteY0"/>
+                  </a:cxn>
+                  <a:cxn ang="0">
+                    <a:pos x="connsiteX1" y="connsiteY1"/>
+                  </a:cxn>
+                  <a:cxn ang="0">
+                    <a:pos x="connsiteX2" y="connsiteY2"/>
+                  </a:cxn>
+                  <a:cxn ang="0">
+                    <a:pos x="connsiteX3" y="connsiteY3"/>
+                  </a:cxn>
+                  <a:cxn ang="0">
+                    <a:pos x="connsiteX4" y="connsiteY4"/>
+                  </a:cxn>
+                </a:cxnLst>
+                <a:rect l="l" t="t" r="r" b="b"/>
+                <a:pathLst>
+                  <a:path w="1946002" h="2724403">
+                    <a:moveTo>
+                      <a:pt x="0" y="0"/>
+                    </a:moveTo>
+                    <a:lnTo>
+                      <a:pt x="1946002" y="0"/>
+                    </a:lnTo>
+                    <a:lnTo>
+                      <a:pt x="1946002" y="2724403"/>
+                    </a:lnTo>
+                    <a:lnTo>
+                      <a:pt x="0" y="2724403"/>
+                    </a:lnTo>
+                    <a:lnTo>
+                      <a:pt x="0" y="0"/>
+                    </a:lnTo>
+                    <a:close/>
+                  </a:path>
+                </a:pathLst>
+              </a:custGeom>
+            </p:spPr>
+            <p:style>
+              <a:lnRef idx="2">
+                <a:schemeClr val="bg1">
+                  <a:lumMod val="95000"/>
+                  <a:hueOff val="0"/>
+                  <a:satOff val="0"/>
+                  <a:lumOff val="0"/>
+                  <a:alphaOff val="0"/>
+                </a:schemeClr>
+              </a:lnRef>
+              <a:fillRef idx="1">
+                <a:schemeClr val="bg1">
+                  <a:lumMod val="95000"/>
+                  <a:hueOff val="0"/>
+                  <a:satOff val="0"/>
+                  <a:lumOff val="0"/>
+                  <a:alphaOff val="0"/>
+                </a:schemeClr>
+              </a:fillRef>
+              <a:effectRef idx="0">
+                <a:schemeClr val="bg1">
+                  <a:lumMod val="95000"/>
+                  <a:hueOff val="0"/>
+                  <a:satOff val="0"/>
+                  <a:lumOff val="0"/>
+                  <a:alphaOff val="0"/>
+                </a:schemeClr>
+              </a:effectRef>
+              <a:fontRef idx="minor">
+                <a:schemeClr val="tx1">
+                  <a:lumMod val="75000"/>
+                  <a:lumOff val="25000"/>
+                  <a:hueOff val="0"/>
+                  <a:satOff val="0"/>
+                  <a:lumOff val="0"/>
+                  <a:alphaOff val="0"/>
+                </a:schemeClr>
+              </a:fontRef>
+            </p:style>
+            <p:txBody>
+              <a:bodyPr spcFirstLastPara="0" vert="horz" wrap="square" lIns="151718" tIns="1365473" rIns="151718" bIns="384689" numCol="1" spcCol="1270" anchor="t" anchorCtr="0">
+                <a:noAutofit/>
+              </a:bodyPr>
+              <a:lstStyle/>
+              <a:p>
+                <a:pPr marL="0" lvl="0" indent="0" algn="l" defTabSz="977900">
+                  <a:lnSpc>
+                    <a:spcPct val="90000"/>
+                  </a:lnSpc>
+                  <a:spcBef>
+                    <a:spcPct val="0"/>
+                  </a:spcBef>
+                  <a:spcAft>
+                    <a:spcPct val="35000"/>
+                  </a:spcAft>
+                  <a:buNone/>
+                </a:pPr>
+                <a:r>
+                  <a:rPr lang="de-AT" sz="2200" kern="1200" dirty="0"/>
+                  <a:t>Allgemein</a:t>
+                </a:r>
+                <a:endParaRPr lang="en-US" sz="2200" kern="1200" dirty="0"/>
+              </a:p>
+            </p:txBody>
+          </p:sp>
+          <p:sp>
+            <p:nvSpPr>
+              <p:cNvPr id="6" name="Freihandform: Form 5"/>
+              <p:cNvSpPr/>
+              <p:nvPr/>
+            </p:nvSpPr>
+            <p:spPr>
+              <a:xfrm>
+                <a:off x="1406134" y="2911532"/>
+                <a:ext cx="817320" cy="817320"/>
+              </a:xfrm>
+              <a:custGeom>
+                <a:avLst/>
+                <a:gdLst>
+                  <a:gd name="connsiteX0" fmla="*/ 0 w 817320"/>
+                  <a:gd name="connsiteY0" fmla="*/ 408660 h 817320"/>
+                  <a:gd name="connsiteX1" fmla="*/ 408660 w 817320"/>
+                  <a:gd name="connsiteY1" fmla="*/ 0 h 817320"/>
+                  <a:gd name="connsiteX2" fmla="*/ 817320 w 817320"/>
+                  <a:gd name="connsiteY2" fmla="*/ 408660 h 817320"/>
+                  <a:gd name="connsiteX3" fmla="*/ 408660 w 817320"/>
+                  <a:gd name="connsiteY3" fmla="*/ 817320 h 817320"/>
+                  <a:gd name="connsiteX4" fmla="*/ 0 w 817320"/>
+                  <a:gd name="connsiteY4" fmla="*/ 408660 h 817320"/>
+                </a:gdLst>
+                <a:ahLst/>
+                <a:cxnLst>
+                  <a:cxn ang="0">
+                    <a:pos x="connsiteX0" y="connsiteY0"/>
+                  </a:cxn>
+                  <a:cxn ang="0">
+                    <a:pos x="connsiteX1" y="connsiteY1"/>
+                  </a:cxn>
+                  <a:cxn ang="0">
+                    <a:pos x="connsiteX2" y="connsiteY2"/>
+                  </a:cxn>
+                  <a:cxn ang="0">
+                    <a:pos x="connsiteX3" y="connsiteY3"/>
+                  </a:cxn>
+                  <a:cxn ang="0">
+                    <a:pos x="connsiteX4" y="connsiteY4"/>
+                  </a:cxn>
+                </a:cxnLst>
+                <a:rect l="l" t="t" r="r" b="b"/>
+                <a:pathLst>
+                  <a:path w="817320" h="817320">
+                    <a:moveTo>
+                      <a:pt x="0" y="408660"/>
+                    </a:moveTo>
+                    <a:cubicBezTo>
+                      <a:pt x="0" y="182963"/>
+                      <a:pt x="182963" y="0"/>
+                      <a:pt x="408660" y="0"/>
+                    </a:cubicBezTo>
+                    <a:cubicBezTo>
+                      <a:pt x="634357" y="0"/>
+                      <a:pt x="817320" y="182963"/>
+                      <a:pt x="817320" y="408660"/>
+                    </a:cubicBezTo>
+                    <a:cubicBezTo>
+                      <a:pt x="817320" y="634357"/>
+                      <a:pt x="634357" y="817320"/>
+                      <a:pt x="408660" y="817320"/>
+                    </a:cubicBezTo>
+                    <a:cubicBezTo>
+                      <a:pt x="182963" y="817320"/>
+                      <a:pt x="0" y="634357"/>
+                      <a:pt x="0" y="408660"/>
+                    </a:cubicBezTo>
+                    <a:close/>
+                  </a:path>
+                </a:pathLst>
+              </a:custGeom>
+            </p:spPr>
+            <p:style>
+              <a:lnRef idx="2">
+                <a:schemeClr val="accent1">
+                  <a:hueOff val="0"/>
+                  <a:satOff val="0"/>
+                  <a:lumOff val="0"/>
+                  <a:alphaOff val="0"/>
+                </a:schemeClr>
+              </a:lnRef>
+              <a:fillRef idx="1">
+                <a:schemeClr val="accent1">
+                  <a:hueOff val="0"/>
+                  <a:satOff val="0"/>
+                  <a:lumOff val="0"/>
+                  <a:alphaOff val="0"/>
+                </a:schemeClr>
+              </a:fillRef>
+              <a:effectRef idx="0">
+                <a:schemeClr val="accent1">
+                  <a:hueOff val="0"/>
+                  <a:satOff val="0"/>
+                  <a:lumOff val="0"/>
+                  <a:alphaOff val="0"/>
+                </a:schemeClr>
+              </a:effectRef>
+              <a:fontRef idx="minor">
+                <a:schemeClr val="lt1"/>
+              </a:fontRef>
+            </p:style>
+            <p:txBody>
+              <a:bodyPr spcFirstLastPara="0" vert="horz" wrap="square" lIns="183416" tIns="132394" rIns="183416" bIns="132394" numCol="1" spcCol="1270" anchor="ctr" anchorCtr="0">
+                <a:noAutofit/>
+              </a:bodyPr>
+              <a:lstStyle/>
+              <a:p>
+                <a:pPr marL="0" lvl="0" indent="0" algn="ctr" defTabSz="1733550">
+                  <a:lnSpc>
+                    <a:spcPct val="90000"/>
+                  </a:lnSpc>
+                  <a:spcBef>
+                    <a:spcPct val="0"/>
+                  </a:spcBef>
+                  <a:spcAft>
+                    <a:spcPct val="35000"/>
+                  </a:spcAft>
+                  <a:buNone/>
+                </a:pPr>
+                <a:r>
+                  <a:rPr lang="en-US" sz="3900" kern="1200" dirty="0"/>
+                  <a:t>1</a:t>
+                </a:r>
+              </a:p>
+            </p:txBody>
+          </p:sp>
+        </p:grpSp>
+        <p:sp>
+          <p:nvSpPr>
+            <p:cNvPr id="7" name="Rechteck 6"/>
+            <p:cNvSpPr/>
+            <p:nvPr/>
+          </p:nvSpPr>
+          <p:spPr>
+            <a:xfrm>
+              <a:off x="841794" y="5363423"/>
+              <a:ext cx="1946002" cy="72"/>
+            </a:xfrm>
+            <a:prstGeom prst="rect">
+              <a:avLst/>
+            </a:prstGeom>
+          </p:spPr>
+          <p:style>
+            <a:lnRef idx="2">
+              <a:schemeClr val="accent1">
+                <a:hueOff val="0"/>
+                <a:satOff val="0"/>
+                <a:lumOff val="0"/>
+                <a:alphaOff val="0"/>
+              </a:schemeClr>
+            </a:lnRef>
+            <a:fillRef idx="1">
+              <a:schemeClr val="accent1">
+                <a:hueOff val="0"/>
+                <a:satOff val="0"/>
+                <a:lumOff val="0"/>
+                <a:alphaOff val="0"/>
+              </a:schemeClr>
+            </a:fillRef>
+            <a:effectRef idx="0">
+              <a:schemeClr val="accent1">
+                <a:hueOff val="0"/>
+                <a:satOff val="0"/>
+                <a:lumOff val="0"/>
+                <a:alphaOff val="0"/>
+              </a:schemeClr>
+            </a:effectRef>
+            <a:fontRef idx="minor">
+              <a:schemeClr val="lt1"/>
+            </a:fontRef>
+          </p:style>
+        </p:sp>
+      </p:grpSp>
+      <p:grpSp>
+        <p:nvGrpSpPr>
+          <p:cNvPr id="30" name="Gruppieren 29"/>
+          <p:cNvGrpSpPr/>
+          <p:nvPr/>
+        </p:nvGrpSpPr>
+        <p:grpSpPr>
+          <a:xfrm>
+            <a:off x="2982396" y="2639092"/>
+            <a:ext cx="1946002" cy="2724403"/>
+            <a:chOff x="2982396" y="2639092"/>
+            <a:chExt cx="1946002" cy="2724403"/>
+          </a:xfrm>
+        </p:grpSpPr>
+        <p:grpSp>
+          <p:nvGrpSpPr>
+            <p:cNvPr id="24" name="Gruppieren 23"/>
+            <p:cNvGrpSpPr/>
+            <p:nvPr/>
+          </p:nvGrpSpPr>
+          <p:grpSpPr>
+            <a:xfrm>
+              <a:off x="2982396" y="2639092"/>
+              <a:ext cx="1946002" cy="2724403"/>
+              <a:chOff x="2982396" y="2639092"/>
+              <a:chExt cx="1946002" cy="2724403"/>
+            </a:xfrm>
+          </p:grpSpPr>
+          <p:sp>
+            <p:nvSpPr>
+              <p:cNvPr id="8" name="Freihandform: Form 7"/>
+              <p:cNvSpPr/>
+              <p:nvPr/>
+            </p:nvSpPr>
+            <p:spPr>
+              <a:xfrm>
+                <a:off x="2982396" y="2639092"/>
+                <a:ext cx="1946002" cy="2724403"/>
+              </a:xfrm>
+              <a:custGeom>
+                <a:avLst/>
+                <a:gdLst>
+                  <a:gd name="connsiteX0" fmla="*/ 0 w 1946002"/>
+                  <a:gd name="connsiteY0" fmla="*/ 0 h 2724403"/>
+                  <a:gd name="connsiteX1" fmla="*/ 1946002 w 1946002"/>
+                  <a:gd name="connsiteY1" fmla="*/ 0 h 2724403"/>
+                  <a:gd name="connsiteX2" fmla="*/ 1946002 w 1946002"/>
+                  <a:gd name="connsiteY2" fmla="*/ 2724403 h 2724403"/>
+                  <a:gd name="connsiteX3" fmla="*/ 0 w 1946002"/>
+                  <a:gd name="connsiteY3" fmla="*/ 2724403 h 2724403"/>
+                  <a:gd name="connsiteX4" fmla="*/ 0 w 1946002"/>
+                  <a:gd name="connsiteY4" fmla="*/ 0 h 2724403"/>
+                </a:gdLst>
+                <a:ahLst/>
+                <a:cxnLst>
+                  <a:cxn ang="0">
+                    <a:pos x="connsiteX0" y="connsiteY0"/>
+                  </a:cxn>
+                  <a:cxn ang="0">
+                    <a:pos x="connsiteX1" y="connsiteY1"/>
+                  </a:cxn>
+                  <a:cxn ang="0">
+                    <a:pos x="connsiteX2" y="connsiteY2"/>
+                  </a:cxn>
+                  <a:cxn ang="0">
+                    <a:pos x="connsiteX3" y="connsiteY3"/>
+                  </a:cxn>
+                  <a:cxn ang="0">
+                    <a:pos x="connsiteX4" y="connsiteY4"/>
+                  </a:cxn>
+                </a:cxnLst>
+                <a:rect l="l" t="t" r="r" b="b"/>
+                <a:pathLst>
+                  <a:path w="1946002" h="2724403">
+                    <a:moveTo>
+                      <a:pt x="0" y="0"/>
+                    </a:moveTo>
+                    <a:lnTo>
+                      <a:pt x="1946002" y="0"/>
+                    </a:lnTo>
+                    <a:lnTo>
+                      <a:pt x="1946002" y="2724403"/>
+                    </a:lnTo>
+                    <a:lnTo>
+                      <a:pt x="0" y="2724403"/>
+                    </a:lnTo>
+                    <a:lnTo>
+                      <a:pt x="0" y="0"/>
+                    </a:lnTo>
+                    <a:close/>
+                  </a:path>
+                </a:pathLst>
+              </a:custGeom>
+            </p:spPr>
+            <p:style>
+              <a:lnRef idx="2">
+                <a:schemeClr val="bg1">
+                  <a:lumMod val="95000"/>
+                  <a:hueOff val="0"/>
+                  <a:satOff val="0"/>
+                  <a:lumOff val="0"/>
+                  <a:alphaOff val="0"/>
+                </a:schemeClr>
+              </a:lnRef>
+              <a:fillRef idx="1">
+                <a:schemeClr val="bg1">
+                  <a:lumMod val="95000"/>
+                  <a:hueOff val="0"/>
+                  <a:satOff val="0"/>
+                  <a:lumOff val="0"/>
+                  <a:alphaOff val="0"/>
+                </a:schemeClr>
+              </a:fillRef>
+              <a:effectRef idx="0">
+                <a:schemeClr val="bg1">
+                  <a:lumMod val="95000"/>
+                  <a:hueOff val="0"/>
+                  <a:satOff val="0"/>
+                  <a:lumOff val="0"/>
+                  <a:alphaOff val="0"/>
+                </a:schemeClr>
+              </a:effectRef>
+              <a:fontRef idx="minor">
+                <a:schemeClr val="tx1">
+                  <a:lumMod val="75000"/>
+                  <a:lumOff val="25000"/>
+                  <a:hueOff val="0"/>
+                  <a:satOff val="0"/>
+                  <a:lumOff val="0"/>
+                  <a:alphaOff val="0"/>
+                </a:schemeClr>
+              </a:fontRef>
+            </p:style>
+            <p:txBody>
+              <a:bodyPr spcFirstLastPara="0" vert="horz" wrap="square" lIns="151718" tIns="1365473" rIns="151718" bIns="384689" numCol="1" spcCol="1270" anchor="t" anchorCtr="0">
+                <a:noAutofit/>
+              </a:bodyPr>
+              <a:lstStyle/>
+              <a:p>
+                <a:pPr marL="0" lvl="0" indent="0" algn="l" defTabSz="977900">
+                  <a:lnSpc>
+                    <a:spcPct val="90000"/>
+                  </a:lnSpc>
+                  <a:spcBef>
+                    <a:spcPct val="0"/>
+                  </a:spcBef>
+                  <a:spcAft>
+                    <a:spcPct val="35000"/>
+                  </a:spcAft>
+                  <a:buNone/>
+                </a:pPr>
+                <a:r>
+                  <a:rPr lang="de-AT" sz="2200" kern="1200" dirty="0"/>
+                  <a:t>Funktionalität</a:t>
+                </a:r>
+                <a:endParaRPr lang="en-US" sz="2200" kern="1200" dirty="0"/>
+              </a:p>
+            </p:txBody>
+          </p:sp>
+          <p:sp>
+            <p:nvSpPr>
+              <p:cNvPr id="9" name="Freihandform: Form 8"/>
+              <p:cNvSpPr/>
+              <p:nvPr/>
+            </p:nvSpPr>
+            <p:spPr>
+              <a:xfrm>
+                <a:off x="3546737" y="2911532"/>
+                <a:ext cx="817320" cy="817320"/>
+              </a:xfrm>
+              <a:custGeom>
+                <a:avLst/>
+                <a:gdLst>
+                  <a:gd name="connsiteX0" fmla="*/ 0 w 817320"/>
+                  <a:gd name="connsiteY0" fmla="*/ 408660 h 817320"/>
+                  <a:gd name="connsiteX1" fmla="*/ 408660 w 817320"/>
+                  <a:gd name="connsiteY1" fmla="*/ 0 h 817320"/>
+                  <a:gd name="connsiteX2" fmla="*/ 817320 w 817320"/>
+                  <a:gd name="connsiteY2" fmla="*/ 408660 h 817320"/>
+                  <a:gd name="connsiteX3" fmla="*/ 408660 w 817320"/>
+                  <a:gd name="connsiteY3" fmla="*/ 817320 h 817320"/>
+                  <a:gd name="connsiteX4" fmla="*/ 0 w 817320"/>
+                  <a:gd name="connsiteY4" fmla="*/ 408660 h 817320"/>
+                </a:gdLst>
+                <a:ahLst/>
+                <a:cxnLst>
+                  <a:cxn ang="0">
+                    <a:pos x="connsiteX0" y="connsiteY0"/>
+                  </a:cxn>
+                  <a:cxn ang="0">
+                    <a:pos x="connsiteX1" y="connsiteY1"/>
+                  </a:cxn>
+                  <a:cxn ang="0">
+                    <a:pos x="connsiteX2" y="connsiteY2"/>
+                  </a:cxn>
+                  <a:cxn ang="0">
+                    <a:pos x="connsiteX3" y="connsiteY3"/>
+                  </a:cxn>
+                  <a:cxn ang="0">
+                    <a:pos x="connsiteX4" y="connsiteY4"/>
+                  </a:cxn>
+                </a:cxnLst>
+                <a:rect l="l" t="t" r="r" b="b"/>
+                <a:pathLst>
+                  <a:path w="817320" h="817320">
+                    <a:moveTo>
+                      <a:pt x="0" y="408660"/>
+                    </a:moveTo>
+                    <a:cubicBezTo>
+                      <a:pt x="0" y="182963"/>
+                      <a:pt x="182963" y="0"/>
+                      <a:pt x="408660" y="0"/>
+                    </a:cubicBezTo>
+                    <a:cubicBezTo>
+                      <a:pt x="634357" y="0"/>
+                      <a:pt x="817320" y="182963"/>
+                      <a:pt x="817320" y="408660"/>
+                    </a:cubicBezTo>
+                    <a:cubicBezTo>
+                      <a:pt x="817320" y="634357"/>
+                      <a:pt x="634357" y="817320"/>
+                      <a:pt x="408660" y="817320"/>
+                    </a:cubicBezTo>
+                    <a:cubicBezTo>
+                      <a:pt x="182963" y="817320"/>
+                      <a:pt x="0" y="634357"/>
+                      <a:pt x="0" y="408660"/>
+                    </a:cubicBezTo>
+                    <a:close/>
+                  </a:path>
+                </a:pathLst>
+              </a:custGeom>
+            </p:spPr>
+            <p:style>
+              <a:lnRef idx="2">
+                <a:schemeClr val="accent1">
+                  <a:hueOff val="0"/>
+                  <a:satOff val="0"/>
+                  <a:lumOff val="0"/>
+                  <a:alphaOff val="0"/>
+                </a:schemeClr>
+              </a:lnRef>
+              <a:fillRef idx="1">
+                <a:schemeClr val="accent1">
+                  <a:hueOff val="0"/>
+                  <a:satOff val="0"/>
+                  <a:lumOff val="0"/>
+                  <a:alphaOff val="0"/>
+                </a:schemeClr>
+              </a:fillRef>
+              <a:effectRef idx="0">
+                <a:schemeClr val="accent1">
+                  <a:hueOff val="0"/>
+                  <a:satOff val="0"/>
+                  <a:lumOff val="0"/>
+                  <a:alphaOff val="0"/>
+                </a:schemeClr>
+              </a:effectRef>
+              <a:fontRef idx="minor">
+                <a:schemeClr val="lt1"/>
+              </a:fontRef>
+            </p:style>
+            <p:txBody>
+              <a:bodyPr spcFirstLastPara="0" vert="horz" wrap="square" lIns="183416" tIns="132394" rIns="183416" bIns="132394" numCol="1" spcCol="1270" anchor="ctr" anchorCtr="0">
+                <a:noAutofit/>
+              </a:bodyPr>
+              <a:lstStyle/>
+              <a:p>
+                <a:pPr marL="0" lvl="0" indent="0" algn="ctr" defTabSz="1733550">
+                  <a:lnSpc>
+                    <a:spcPct val="90000"/>
+                  </a:lnSpc>
+                  <a:spcBef>
+                    <a:spcPct val="0"/>
+                  </a:spcBef>
+                  <a:spcAft>
+                    <a:spcPct val="35000"/>
+                  </a:spcAft>
+                  <a:buNone/>
+                </a:pPr>
+                <a:r>
+                  <a:rPr lang="en-US" sz="3900" kern="1200" dirty="0"/>
+                  <a:t>2</a:t>
+                </a:r>
+              </a:p>
+            </p:txBody>
+          </p:sp>
+        </p:grpSp>
+        <p:sp>
+          <p:nvSpPr>
+            <p:cNvPr id="10" name="Rechteck 9"/>
+            <p:cNvSpPr/>
+            <p:nvPr/>
+          </p:nvSpPr>
+          <p:spPr>
+            <a:xfrm>
+              <a:off x="2982396" y="5363423"/>
+              <a:ext cx="1946002" cy="72"/>
+            </a:xfrm>
+            <a:prstGeom prst="rect">
+              <a:avLst/>
+            </a:prstGeom>
+          </p:spPr>
+          <p:style>
+            <a:lnRef idx="2">
+              <a:schemeClr val="accent1">
+                <a:hueOff val="0"/>
+                <a:satOff val="0"/>
+                <a:lumOff val="0"/>
+                <a:alphaOff val="0"/>
+              </a:schemeClr>
+            </a:lnRef>
+            <a:fillRef idx="1">
+              <a:schemeClr val="accent1">
+                <a:hueOff val="0"/>
+                <a:satOff val="0"/>
+                <a:lumOff val="0"/>
+                <a:alphaOff val="0"/>
+              </a:schemeClr>
+            </a:fillRef>
+            <a:effectRef idx="0">
+              <a:schemeClr val="accent1">
+                <a:hueOff val="0"/>
+                <a:satOff val="0"/>
+                <a:lumOff val="0"/>
+                <a:alphaOff val="0"/>
+              </a:schemeClr>
+            </a:effectRef>
+            <a:fontRef idx="minor">
+              <a:schemeClr val="lt1"/>
+            </a:fontRef>
+          </p:style>
+        </p:sp>
+      </p:grpSp>
+      <p:grpSp>
+        <p:nvGrpSpPr>
+          <p:cNvPr id="29" name="Gruppieren 28"/>
+          <p:cNvGrpSpPr/>
+          <p:nvPr/>
+        </p:nvGrpSpPr>
+        <p:grpSpPr>
+          <a:xfrm>
+            <a:off x="5122998" y="2639092"/>
+            <a:ext cx="1946002" cy="2724403"/>
+            <a:chOff x="5122998" y="2639092"/>
+            <a:chExt cx="1946002" cy="2724403"/>
+          </a:xfrm>
+        </p:grpSpPr>
+        <p:sp>
+          <p:nvSpPr>
+            <p:cNvPr id="11" name="Freihandform: Form 10"/>
+            <p:cNvSpPr/>
+            <p:nvPr/>
+          </p:nvSpPr>
+          <p:spPr>
+            <a:xfrm>
+              <a:off x="5122998" y="2639092"/>
+              <a:ext cx="1946002" cy="2724403"/>
+            </a:xfrm>
+            <a:custGeom>
+              <a:avLst/>
+              <a:gdLst>
+                <a:gd name="connsiteX0" fmla="*/ 0 w 1946002"/>
+                <a:gd name="connsiteY0" fmla="*/ 0 h 2724403"/>
+                <a:gd name="connsiteX1" fmla="*/ 1946002 w 1946002"/>
+                <a:gd name="connsiteY1" fmla="*/ 0 h 2724403"/>
+                <a:gd name="connsiteX2" fmla="*/ 1946002 w 1946002"/>
+                <a:gd name="connsiteY2" fmla="*/ 2724403 h 2724403"/>
+                <a:gd name="connsiteX3" fmla="*/ 0 w 1946002"/>
+                <a:gd name="connsiteY3" fmla="*/ 2724403 h 2724403"/>
+                <a:gd name="connsiteX4" fmla="*/ 0 w 1946002"/>
+                <a:gd name="connsiteY4" fmla="*/ 0 h 2724403"/>
+              </a:gdLst>
+              <a:ahLst/>
+              <a:cxnLst>
+                <a:cxn ang="0">
+                  <a:pos x="connsiteX0" y="connsiteY0"/>
+                </a:cxn>
+                <a:cxn ang="0">
+                  <a:pos x="connsiteX1" y="connsiteY1"/>
+                </a:cxn>
+                <a:cxn ang="0">
+                  <a:pos x="connsiteX2" y="connsiteY2"/>
+                </a:cxn>
+                <a:cxn ang="0">
+                  <a:pos x="connsiteX3" y="connsiteY3"/>
+                </a:cxn>
+                <a:cxn ang="0">
+                  <a:pos x="connsiteX4" y="connsiteY4"/>
+                </a:cxn>
+              </a:cxnLst>
+              <a:rect l="l" t="t" r="r" b="b"/>
+              <a:pathLst>
+                <a:path w="1946002" h="2724403">
+                  <a:moveTo>
+                    <a:pt x="0" y="0"/>
+                  </a:moveTo>
+                  <a:lnTo>
+                    <a:pt x="1946002" y="0"/>
+                  </a:lnTo>
+                  <a:lnTo>
+                    <a:pt x="1946002" y="2724403"/>
+                  </a:lnTo>
+                  <a:lnTo>
+                    <a:pt x="0" y="2724403"/>
+                  </a:lnTo>
+                  <a:lnTo>
+                    <a:pt x="0" y="0"/>
+                  </a:lnTo>
+                  <a:close/>
+                </a:path>
+              </a:pathLst>
+            </a:custGeom>
+          </p:spPr>
+          <p:style>
+            <a:lnRef idx="2">
+              <a:schemeClr val="bg1">
+                <a:lumMod val="95000"/>
+                <a:hueOff val="0"/>
+                <a:satOff val="0"/>
+                <a:lumOff val="0"/>
+                <a:alphaOff val="0"/>
+              </a:schemeClr>
+            </a:lnRef>
+            <a:fillRef idx="1">
+              <a:schemeClr val="bg1">
+                <a:lumMod val="95000"/>
+                <a:hueOff val="0"/>
+                <a:satOff val="0"/>
+                <a:lumOff val="0"/>
+                <a:alphaOff val="0"/>
+              </a:schemeClr>
+            </a:fillRef>
+            <a:effectRef idx="0">
+              <a:schemeClr val="bg1">
+                <a:lumMod val="95000"/>
+                <a:hueOff val="0"/>
+                <a:satOff val="0"/>
+                <a:lumOff val="0"/>
+                <a:alphaOff val="0"/>
+              </a:schemeClr>
+            </a:effectRef>
+            <a:fontRef idx="minor">
+              <a:schemeClr val="tx1">
+                <a:lumMod val="75000"/>
+                <a:lumOff val="25000"/>
+                <a:hueOff val="0"/>
+                <a:satOff val="0"/>
+                <a:lumOff val="0"/>
+                <a:alphaOff val="0"/>
+              </a:schemeClr>
+            </a:fontRef>
+          </p:style>
+          <p:txBody>
+            <a:bodyPr spcFirstLastPara="0" vert="horz" wrap="square" lIns="151718" tIns="1365473" rIns="151718" bIns="384689" numCol="1" spcCol="1270" anchor="t" anchorCtr="0">
+              <a:noAutofit/>
+            </a:bodyPr>
+            <a:lstStyle/>
+            <a:p>
+              <a:pPr marL="0" lvl="0" indent="0" algn="l" defTabSz="977900">
+                <a:lnSpc>
+                  <a:spcPct val="90000"/>
+                </a:lnSpc>
+                <a:spcBef>
+                  <a:spcPct val="0"/>
+                </a:spcBef>
+                <a:spcAft>
+                  <a:spcPct val="35000"/>
+                </a:spcAft>
+                <a:buNone/>
+              </a:pPr>
+              <a:r>
+                <a:rPr lang="en-US" sz="2200" kern="1200" dirty="0"/>
+                <a:t>Use Case </a:t>
+              </a:r>
+              <a:r>
+                <a:rPr lang="en-US" sz="2200" kern="1200" dirty="0" err="1"/>
+                <a:t>Diagramm</a:t>
+              </a:r>
+              <a:endParaRPr lang="en-US" sz="2200" kern="1200" dirty="0"/>
+            </a:p>
+          </p:txBody>
+        </p:sp>
+        <p:sp>
+          <p:nvSpPr>
+            <p:cNvPr id="12" name="Freihandform: Form 11"/>
+            <p:cNvSpPr/>
+            <p:nvPr/>
+          </p:nvSpPr>
+          <p:spPr>
+            <a:xfrm>
+              <a:off x="5687339" y="2911532"/>
+              <a:ext cx="817320" cy="817320"/>
+            </a:xfrm>
+            <a:custGeom>
+              <a:avLst/>
+              <a:gdLst>
+                <a:gd name="connsiteX0" fmla="*/ 0 w 817320"/>
+                <a:gd name="connsiteY0" fmla="*/ 408660 h 817320"/>
+                <a:gd name="connsiteX1" fmla="*/ 408660 w 817320"/>
+                <a:gd name="connsiteY1" fmla="*/ 0 h 817320"/>
+                <a:gd name="connsiteX2" fmla="*/ 817320 w 817320"/>
+                <a:gd name="connsiteY2" fmla="*/ 408660 h 817320"/>
+                <a:gd name="connsiteX3" fmla="*/ 408660 w 817320"/>
+                <a:gd name="connsiteY3" fmla="*/ 817320 h 817320"/>
+                <a:gd name="connsiteX4" fmla="*/ 0 w 817320"/>
+                <a:gd name="connsiteY4" fmla="*/ 408660 h 817320"/>
+              </a:gdLst>
+              <a:ahLst/>
+              <a:cxnLst>
+                <a:cxn ang="0">
+                  <a:pos x="connsiteX0" y="connsiteY0"/>
+                </a:cxn>
+                <a:cxn ang="0">
+                  <a:pos x="connsiteX1" y="connsiteY1"/>
+                </a:cxn>
+                <a:cxn ang="0">
+                  <a:pos x="connsiteX2" y="connsiteY2"/>
+                </a:cxn>
+                <a:cxn ang="0">
+                  <a:pos x="connsiteX3" y="connsiteY3"/>
+                </a:cxn>
+                <a:cxn ang="0">
+                  <a:pos x="connsiteX4" y="connsiteY4"/>
+                </a:cxn>
+              </a:cxnLst>
+              <a:rect l="l" t="t" r="r" b="b"/>
+              <a:pathLst>
+                <a:path w="817320" h="817320">
+                  <a:moveTo>
+                    <a:pt x="0" y="408660"/>
+                  </a:moveTo>
+                  <a:cubicBezTo>
+                    <a:pt x="0" y="182963"/>
+                    <a:pt x="182963" y="0"/>
+                    <a:pt x="408660" y="0"/>
+                  </a:cubicBezTo>
+                  <a:cubicBezTo>
+                    <a:pt x="634357" y="0"/>
+                    <a:pt x="817320" y="182963"/>
+                    <a:pt x="817320" y="408660"/>
+                  </a:cubicBezTo>
+                  <a:cubicBezTo>
+                    <a:pt x="817320" y="634357"/>
+                    <a:pt x="634357" y="817320"/>
+                    <a:pt x="408660" y="817320"/>
+                  </a:cubicBezTo>
+                  <a:cubicBezTo>
+                    <a:pt x="182963" y="817320"/>
+                    <a:pt x="0" y="634357"/>
+                    <a:pt x="0" y="408660"/>
+                  </a:cubicBezTo>
+                  <a:close/>
+                </a:path>
+              </a:pathLst>
+            </a:custGeom>
+          </p:spPr>
+          <p:style>
+            <a:lnRef idx="2">
+              <a:schemeClr val="accent1">
+                <a:hueOff val="0"/>
+                <a:satOff val="0"/>
+                <a:lumOff val="0"/>
+                <a:alphaOff val="0"/>
+              </a:schemeClr>
+            </a:lnRef>
+            <a:fillRef idx="1">
+              <a:schemeClr val="accent1">
+                <a:hueOff val="0"/>
+                <a:satOff val="0"/>
+                <a:lumOff val="0"/>
+                <a:alphaOff val="0"/>
+              </a:schemeClr>
+            </a:fillRef>
+            <a:effectRef idx="0">
+              <a:schemeClr val="accent1">
+                <a:hueOff val="0"/>
+                <a:satOff val="0"/>
+                <a:lumOff val="0"/>
+                <a:alphaOff val="0"/>
+              </a:schemeClr>
+            </a:effectRef>
+            <a:fontRef idx="minor">
+              <a:schemeClr val="lt1"/>
+            </a:fontRef>
+          </p:style>
+          <p:txBody>
+            <a:bodyPr spcFirstLastPara="0" vert="horz" wrap="square" lIns="183416" tIns="132394" rIns="183416" bIns="132394" numCol="1" spcCol="1270" anchor="ctr" anchorCtr="0">
+              <a:noAutofit/>
+            </a:bodyPr>
+            <a:lstStyle/>
+            <a:p>
+              <a:pPr marL="0" lvl="0" indent="0" algn="ctr" defTabSz="1733550">
+                <a:lnSpc>
+                  <a:spcPct val="90000"/>
+                </a:lnSpc>
+                <a:spcBef>
+                  <a:spcPct val="0"/>
+                </a:spcBef>
+                <a:spcAft>
+                  <a:spcPct val="35000"/>
+                </a:spcAft>
+                <a:buNone/>
+              </a:pPr>
+              <a:r>
+                <a:rPr lang="de-DE" sz="3900" kern="1200" dirty="0"/>
+                <a:t>3</a:t>
+              </a:r>
+            </a:p>
+          </p:txBody>
+        </p:sp>
+        <p:sp>
+          <p:nvSpPr>
+            <p:cNvPr id="13" name="Rechteck 12"/>
+            <p:cNvSpPr/>
+            <p:nvPr/>
+          </p:nvSpPr>
+          <p:spPr>
+            <a:xfrm>
+              <a:off x="5122998" y="5363423"/>
+              <a:ext cx="1946002" cy="72"/>
+            </a:xfrm>
+            <a:prstGeom prst="rect">
+              <a:avLst/>
+            </a:prstGeom>
+          </p:spPr>
+          <p:style>
+            <a:lnRef idx="2">
+              <a:schemeClr val="accent1">
+                <a:hueOff val="0"/>
+                <a:satOff val="0"/>
+                <a:lumOff val="0"/>
+                <a:alphaOff val="0"/>
+              </a:schemeClr>
+            </a:lnRef>
+            <a:fillRef idx="1">
+              <a:schemeClr val="accent1">
+                <a:hueOff val="0"/>
+                <a:satOff val="0"/>
+                <a:lumOff val="0"/>
+                <a:alphaOff val="0"/>
+              </a:schemeClr>
+            </a:fillRef>
+            <a:effectRef idx="0">
+              <a:schemeClr val="accent1">
+                <a:hueOff val="0"/>
+                <a:satOff val="0"/>
+                <a:lumOff val="0"/>
+                <a:alphaOff val="0"/>
+              </a:schemeClr>
+            </a:effectRef>
+            <a:fontRef idx="minor">
+              <a:schemeClr val="lt1"/>
+            </a:fontRef>
+          </p:style>
+        </p:sp>
+      </p:grpSp>
+      <p:grpSp>
+        <p:nvGrpSpPr>
+          <p:cNvPr id="27" name="Gruppieren 26"/>
+          <p:cNvGrpSpPr/>
+          <p:nvPr/>
+        </p:nvGrpSpPr>
+        <p:grpSpPr>
+          <a:xfrm>
+            <a:off x="7263601" y="2639092"/>
+            <a:ext cx="1946002" cy="2724403"/>
+            <a:chOff x="7263601" y="2639092"/>
+            <a:chExt cx="1946002" cy="2724403"/>
+          </a:xfrm>
+        </p:grpSpPr>
+        <p:sp>
+          <p:nvSpPr>
+            <p:cNvPr id="14" name="Freihandform: Form 13"/>
+            <p:cNvSpPr/>
+            <p:nvPr/>
+          </p:nvSpPr>
+          <p:spPr>
+            <a:xfrm>
+              <a:off x="7263601" y="2639092"/>
+              <a:ext cx="1946002" cy="2724403"/>
+            </a:xfrm>
+            <a:custGeom>
+              <a:avLst/>
+              <a:gdLst>
+                <a:gd name="connsiteX0" fmla="*/ 0 w 1946002"/>
+                <a:gd name="connsiteY0" fmla="*/ 0 h 2724403"/>
+                <a:gd name="connsiteX1" fmla="*/ 1946002 w 1946002"/>
+                <a:gd name="connsiteY1" fmla="*/ 0 h 2724403"/>
+                <a:gd name="connsiteX2" fmla="*/ 1946002 w 1946002"/>
+                <a:gd name="connsiteY2" fmla="*/ 2724403 h 2724403"/>
+                <a:gd name="connsiteX3" fmla="*/ 0 w 1946002"/>
+                <a:gd name="connsiteY3" fmla="*/ 2724403 h 2724403"/>
+                <a:gd name="connsiteX4" fmla="*/ 0 w 1946002"/>
+                <a:gd name="connsiteY4" fmla="*/ 0 h 2724403"/>
+              </a:gdLst>
+              <a:ahLst/>
+              <a:cxnLst>
+                <a:cxn ang="0">
+                  <a:pos x="connsiteX0" y="connsiteY0"/>
+                </a:cxn>
+                <a:cxn ang="0">
+                  <a:pos x="connsiteX1" y="connsiteY1"/>
+                </a:cxn>
+                <a:cxn ang="0">
+                  <a:pos x="connsiteX2" y="connsiteY2"/>
+                </a:cxn>
+                <a:cxn ang="0">
+                  <a:pos x="connsiteX3" y="connsiteY3"/>
+                </a:cxn>
+                <a:cxn ang="0">
+                  <a:pos x="connsiteX4" y="connsiteY4"/>
+                </a:cxn>
+              </a:cxnLst>
+              <a:rect l="l" t="t" r="r" b="b"/>
+              <a:pathLst>
+                <a:path w="1946002" h="2724403">
+                  <a:moveTo>
+                    <a:pt x="0" y="0"/>
+                  </a:moveTo>
+                  <a:lnTo>
+                    <a:pt x="1946002" y="0"/>
+                  </a:lnTo>
+                  <a:lnTo>
+                    <a:pt x="1946002" y="2724403"/>
+                  </a:lnTo>
+                  <a:lnTo>
+                    <a:pt x="0" y="2724403"/>
+                  </a:lnTo>
+                  <a:lnTo>
+                    <a:pt x="0" y="0"/>
+                  </a:lnTo>
+                  <a:close/>
+                </a:path>
+              </a:pathLst>
+            </a:custGeom>
+          </p:spPr>
+          <p:style>
+            <a:lnRef idx="2">
+              <a:schemeClr val="bg1">
+                <a:lumMod val="95000"/>
+                <a:hueOff val="0"/>
+                <a:satOff val="0"/>
+                <a:lumOff val="0"/>
+                <a:alphaOff val="0"/>
+              </a:schemeClr>
+            </a:lnRef>
+            <a:fillRef idx="1">
+              <a:schemeClr val="bg1">
+                <a:lumMod val="95000"/>
+                <a:hueOff val="0"/>
+                <a:satOff val="0"/>
+                <a:lumOff val="0"/>
+                <a:alphaOff val="0"/>
+              </a:schemeClr>
+            </a:fillRef>
+            <a:effectRef idx="0">
+              <a:schemeClr val="bg1">
+                <a:lumMod val="95000"/>
+                <a:hueOff val="0"/>
+                <a:satOff val="0"/>
+                <a:lumOff val="0"/>
+                <a:alphaOff val="0"/>
+              </a:schemeClr>
+            </a:effectRef>
+            <a:fontRef idx="minor">
+              <a:schemeClr val="tx1">
+                <a:lumMod val="75000"/>
+                <a:lumOff val="25000"/>
+                <a:hueOff val="0"/>
+                <a:satOff val="0"/>
+                <a:lumOff val="0"/>
+                <a:alphaOff val="0"/>
+              </a:schemeClr>
+            </a:fontRef>
+          </p:style>
+          <p:txBody>
+            <a:bodyPr spcFirstLastPara="0" vert="horz" wrap="square" lIns="151718" tIns="1365473" rIns="151718" bIns="384689" numCol="1" spcCol="1270" anchor="t" anchorCtr="0">
+              <a:noAutofit/>
+            </a:bodyPr>
+            <a:lstStyle/>
+            <a:p>
+              <a:pPr marL="0" lvl="0" indent="0" algn="l" defTabSz="977900">
+                <a:lnSpc>
+                  <a:spcPct val="90000"/>
+                </a:lnSpc>
+                <a:spcBef>
+                  <a:spcPct val="0"/>
+                </a:spcBef>
+                <a:spcAft>
+                  <a:spcPct val="35000"/>
+                </a:spcAft>
+                <a:buNone/>
+              </a:pPr>
+              <a:r>
+                <a:rPr lang="en-US" sz="2200" kern="1200" dirty="0"/>
+                <a:t>Class </a:t>
+              </a:r>
+              <a:r>
+                <a:rPr lang="en-US" sz="2200" kern="1200" dirty="0" err="1"/>
+                <a:t>Diagramm</a:t>
+              </a:r>
+              <a:endParaRPr lang="en-US" sz="2200" kern="1200" dirty="0"/>
+            </a:p>
+          </p:txBody>
+        </p:sp>
+        <p:sp>
+          <p:nvSpPr>
+            <p:cNvPr id="15" name="Freihandform: Form 14"/>
+            <p:cNvSpPr/>
+            <p:nvPr/>
+          </p:nvSpPr>
+          <p:spPr>
+            <a:xfrm>
+              <a:off x="7827941" y="2911532"/>
+              <a:ext cx="817320" cy="817320"/>
+            </a:xfrm>
+            <a:custGeom>
+              <a:avLst/>
+              <a:gdLst>
+                <a:gd name="connsiteX0" fmla="*/ 0 w 817320"/>
+                <a:gd name="connsiteY0" fmla="*/ 408660 h 817320"/>
+                <a:gd name="connsiteX1" fmla="*/ 408660 w 817320"/>
+                <a:gd name="connsiteY1" fmla="*/ 0 h 817320"/>
+                <a:gd name="connsiteX2" fmla="*/ 817320 w 817320"/>
+                <a:gd name="connsiteY2" fmla="*/ 408660 h 817320"/>
+                <a:gd name="connsiteX3" fmla="*/ 408660 w 817320"/>
+                <a:gd name="connsiteY3" fmla="*/ 817320 h 817320"/>
+                <a:gd name="connsiteX4" fmla="*/ 0 w 817320"/>
+                <a:gd name="connsiteY4" fmla="*/ 408660 h 817320"/>
+              </a:gdLst>
+              <a:ahLst/>
+              <a:cxnLst>
+                <a:cxn ang="0">
+                  <a:pos x="connsiteX0" y="connsiteY0"/>
+                </a:cxn>
+                <a:cxn ang="0">
+                  <a:pos x="connsiteX1" y="connsiteY1"/>
+                </a:cxn>
+                <a:cxn ang="0">
+                  <a:pos x="connsiteX2" y="connsiteY2"/>
+                </a:cxn>
+                <a:cxn ang="0">
+                  <a:pos x="connsiteX3" y="connsiteY3"/>
+                </a:cxn>
+                <a:cxn ang="0">
+                  <a:pos x="connsiteX4" y="connsiteY4"/>
+                </a:cxn>
+              </a:cxnLst>
+              <a:rect l="l" t="t" r="r" b="b"/>
+              <a:pathLst>
+                <a:path w="817320" h="817320">
+                  <a:moveTo>
+                    <a:pt x="0" y="408660"/>
+                  </a:moveTo>
+                  <a:cubicBezTo>
+                    <a:pt x="0" y="182963"/>
+                    <a:pt x="182963" y="0"/>
+                    <a:pt x="408660" y="0"/>
+                  </a:cubicBezTo>
+                  <a:cubicBezTo>
+                    <a:pt x="634357" y="0"/>
+                    <a:pt x="817320" y="182963"/>
+                    <a:pt x="817320" y="408660"/>
+                  </a:cubicBezTo>
+                  <a:cubicBezTo>
+                    <a:pt x="817320" y="634357"/>
+                    <a:pt x="634357" y="817320"/>
+                    <a:pt x="408660" y="817320"/>
+                  </a:cubicBezTo>
+                  <a:cubicBezTo>
+                    <a:pt x="182963" y="817320"/>
+                    <a:pt x="0" y="634357"/>
+                    <a:pt x="0" y="408660"/>
+                  </a:cubicBezTo>
+                  <a:close/>
+                </a:path>
+              </a:pathLst>
+            </a:custGeom>
+          </p:spPr>
+          <p:style>
+            <a:lnRef idx="2">
+              <a:schemeClr val="accent1">
+                <a:hueOff val="0"/>
+                <a:satOff val="0"/>
+                <a:lumOff val="0"/>
+                <a:alphaOff val="0"/>
+              </a:schemeClr>
+            </a:lnRef>
+            <a:fillRef idx="1">
+              <a:schemeClr val="accent1">
+                <a:hueOff val="0"/>
+                <a:satOff val="0"/>
+                <a:lumOff val="0"/>
+                <a:alphaOff val="0"/>
+              </a:schemeClr>
+            </a:fillRef>
+            <a:effectRef idx="0">
+              <a:schemeClr val="accent1">
+                <a:hueOff val="0"/>
+                <a:satOff val="0"/>
+                <a:lumOff val="0"/>
+                <a:alphaOff val="0"/>
+              </a:schemeClr>
+            </a:effectRef>
+            <a:fontRef idx="minor">
+              <a:schemeClr val="lt1"/>
+            </a:fontRef>
+          </p:style>
+          <p:txBody>
+            <a:bodyPr spcFirstLastPara="0" vert="horz" wrap="square" lIns="183416" tIns="132394" rIns="183416" bIns="132394" numCol="1" spcCol="1270" anchor="ctr" anchorCtr="0">
+              <a:noAutofit/>
+            </a:bodyPr>
+            <a:lstStyle/>
+            <a:p>
+              <a:pPr marL="0" lvl="0" indent="0" algn="ctr" defTabSz="1733550">
+                <a:lnSpc>
+                  <a:spcPct val="90000"/>
+                </a:lnSpc>
+                <a:spcBef>
+                  <a:spcPct val="0"/>
+                </a:spcBef>
+                <a:spcAft>
+                  <a:spcPct val="35000"/>
+                </a:spcAft>
+                <a:buNone/>
+              </a:pPr>
+              <a:r>
+                <a:rPr lang="de-DE" sz="3900" kern="1200" dirty="0"/>
+                <a:t>4</a:t>
+              </a:r>
+            </a:p>
+          </p:txBody>
+        </p:sp>
+        <p:sp>
+          <p:nvSpPr>
+            <p:cNvPr id="16" name="Rechteck 15"/>
+            <p:cNvSpPr/>
+            <p:nvPr/>
+          </p:nvSpPr>
+          <p:spPr>
+            <a:xfrm>
+              <a:off x="7263601" y="5363423"/>
+              <a:ext cx="1946002" cy="72"/>
+            </a:xfrm>
+            <a:prstGeom prst="rect">
+              <a:avLst/>
+            </a:prstGeom>
+          </p:spPr>
+          <p:style>
+            <a:lnRef idx="2">
+              <a:schemeClr val="accent1">
+                <a:hueOff val="0"/>
+                <a:satOff val="0"/>
+                <a:lumOff val="0"/>
+                <a:alphaOff val="0"/>
+              </a:schemeClr>
+            </a:lnRef>
+            <a:fillRef idx="1">
+              <a:schemeClr val="accent1">
+                <a:hueOff val="0"/>
+                <a:satOff val="0"/>
+                <a:lumOff val="0"/>
+                <a:alphaOff val="0"/>
+              </a:schemeClr>
+            </a:fillRef>
+            <a:effectRef idx="0">
+              <a:schemeClr val="accent1">
+                <a:hueOff val="0"/>
+                <a:satOff val="0"/>
+                <a:lumOff val="0"/>
+                <a:alphaOff val="0"/>
+              </a:schemeClr>
+            </a:effectRef>
+            <a:fontRef idx="minor">
+              <a:schemeClr val="lt1"/>
+            </a:fontRef>
+          </p:style>
+        </p:sp>
+      </p:grpSp>
+      <p:grpSp>
+        <p:nvGrpSpPr>
+          <p:cNvPr id="28" name="Gruppieren 27"/>
+          <p:cNvGrpSpPr/>
+          <p:nvPr/>
+        </p:nvGrpSpPr>
+        <p:grpSpPr>
+          <a:xfrm>
+            <a:off x="9404203" y="2639092"/>
+            <a:ext cx="1946002" cy="2724403"/>
+            <a:chOff x="9404203" y="2639092"/>
+            <a:chExt cx="1946002" cy="2724403"/>
+          </a:xfrm>
+        </p:grpSpPr>
+        <p:sp>
+          <p:nvSpPr>
+            <p:cNvPr id="17" name="Freihandform: Form 16"/>
+            <p:cNvSpPr/>
+            <p:nvPr/>
+          </p:nvSpPr>
+          <p:spPr>
+            <a:xfrm>
+              <a:off x="9404203" y="2639092"/>
+              <a:ext cx="1946002" cy="2724403"/>
+            </a:xfrm>
+            <a:custGeom>
+              <a:avLst/>
+              <a:gdLst>
+                <a:gd name="connsiteX0" fmla="*/ 0 w 1946002"/>
+                <a:gd name="connsiteY0" fmla="*/ 0 h 2724403"/>
+                <a:gd name="connsiteX1" fmla="*/ 1946002 w 1946002"/>
+                <a:gd name="connsiteY1" fmla="*/ 0 h 2724403"/>
+                <a:gd name="connsiteX2" fmla="*/ 1946002 w 1946002"/>
+                <a:gd name="connsiteY2" fmla="*/ 2724403 h 2724403"/>
+                <a:gd name="connsiteX3" fmla="*/ 0 w 1946002"/>
+                <a:gd name="connsiteY3" fmla="*/ 2724403 h 2724403"/>
+                <a:gd name="connsiteX4" fmla="*/ 0 w 1946002"/>
+                <a:gd name="connsiteY4" fmla="*/ 0 h 2724403"/>
+              </a:gdLst>
+              <a:ahLst/>
+              <a:cxnLst>
+                <a:cxn ang="0">
+                  <a:pos x="connsiteX0" y="connsiteY0"/>
+                </a:cxn>
+                <a:cxn ang="0">
+                  <a:pos x="connsiteX1" y="connsiteY1"/>
+                </a:cxn>
+                <a:cxn ang="0">
+                  <a:pos x="connsiteX2" y="connsiteY2"/>
+                </a:cxn>
+                <a:cxn ang="0">
+                  <a:pos x="connsiteX3" y="connsiteY3"/>
+                </a:cxn>
+                <a:cxn ang="0">
+                  <a:pos x="connsiteX4" y="connsiteY4"/>
+                </a:cxn>
+              </a:cxnLst>
+              <a:rect l="l" t="t" r="r" b="b"/>
+              <a:pathLst>
+                <a:path w="1946002" h="2724403">
+                  <a:moveTo>
+                    <a:pt x="0" y="0"/>
+                  </a:moveTo>
+                  <a:lnTo>
+                    <a:pt x="1946002" y="0"/>
+                  </a:lnTo>
+                  <a:lnTo>
+                    <a:pt x="1946002" y="2724403"/>
+                  </a:lnTo>
+                  <a:lnTo>
+                    <a:pt x="0" y="2724403"/>
+                  </a:lnTo>
+                  <a:lnTo>
+                    <a:pt x="0" y="0"/>
+                  </a:lnTo>
+                  <a:close/>
+                </a:path>
+              </a:pathLst>
+            </a:custGeom>
+          </p:spPr>
+          <p:style>
+            <a:lnRef idx="2">
+              <a:schemeClr val="bg1">
+                <a:lumMod val="95000"/>
+                <a:hueOff val="0"/>
+                <a:satOff val="0"/>
+                <a:lumOff val="0"/>
+                <a:alphaOff val="0"/>
+              </a:schemeClr>
+            </a:lnRef>
+            <a:fillRef idx="1">
+              <a:schemeClr val="bg1">
+                <a:lumMod val="95000"/>
+                <a:hueOff val="0"/>
+                <a:satOff val="0"/>
+                <a:lumOff val="0"/>
+                <a:alphaOff val="0"/>
+              </a:schemeClr>
+            </a:fillRef>
+            <a:effectRef idx="0">
+              <a:schemeClr val="bg1">
+                <a:lumMod val="95000"/>
+                <a:hueOff val="0"/>
+                <a:satOff val="0"/>
+                <a:lumOff val="0"/>
+                <a:alphaOff val="0"/>
+              </a:schemeClr>
+            </a:effectRef>
+            <a:fontRef idx="minor">
+              <a:schemeClr val="tx1">
+                <a:lumMod val="75000"/>
+                <a:lumOff val="25000"/>
+                <a:hueOff val="0"/>
+                <a:satOff val="0"/>
+                <a:lumOff val="0"/>
+                <a:alphaOff val="0"/>
+              </a:schemeClr>
+            </a:fontRef>
+          </p:style>
+          <p:txBody>
+            <a:bodyPr spcFirstLastPara="0" vert="horz" wrap="square" lIns="151718" tIns="1365473" rIns="151718" bIns="384689" numCol="1" spcCol="1270" anchor="t" anchorCtr="0">
+              <a:noAutofit/>
+            </a:bodyPr>
+            <a:lstStyle/>
+            <a:p>
+              <a:pPr marL="0" lvl="0" indent="0" algn="l" defTabSz="977900">
+                <a:lnSpc>
+                  <a:spcPct val="90000"/>
+                </a:lnSpc>
+                <a:spcBef>
+                  <a:spcPct val="0"/>
+                </a:spcBef>
+                <a:spcAft>
+                  <a:spcPct val="35000"/>
+                </a:spcAft>
+                <a:buNone/>
+              </a:pPr>
+              <a:r>
+                <a:rPr lang="de-AT" sz="2200" kern="1200" dirty="0"/>
+                <a:t>Vorführung</a:t>
+              </a:r>
+              <a:endParaRPr lang="en-US" sz="2200" kern="1200" dirty="0"/>
+            </a:p>
+          </p:txBody>
+        </p:sp>
+        <p:sp>
+          <p:nvSpPr>
+            <p:cNvPr id="18" name="Freihandform: Form 17"/>
+            <p:cNvSpPr/>
+            <p:nvPr/>
+          </p:nvSpPr>
+          <p:spPr>
+            <a:xfrm>
+              <a:off x="9968544" y="2911532"/>
+              <a:ext cx="817320" cy="817320"/>
+            </a:xfrm>
+            <a:custGeom>
+              <a:avLst/>
+              <a:gdLst>
+                <a:gd name="connsiteX0" fmla="*/ 0 w 817320"/>
+                <a:gd name="connsiteY0" fmla="*/ 408660 h 817320"/>
+                <a:gd name="connsiteX1" fmla="*/ 408660 w 817320"/>
+                <a:gd name="connsiteY1" fmla="*/ 0 h 817320"/>
+                <a:gd name="connsiteX2" fmla="*/ 817320 w 817320"/>
+                <a:gd name="connsiteY2" fmla="*/ 408660 h 817320"/>
+                <a:gd name="connsiteX3" fmla="*/ 408660 w 817320"/>
+                <a:gd name="connsiteY3" fmla="*/ 817320 h 817320"/>
+                <a:gd name="connsiteX4" fmla="*/ 0 w 817320"/>
+                <a:gd name="connsiteY4" fmla="*/ 408660 h 817320"/>
+              </a:gdLst>
+              <a:ahLst/>
+              <a:cxnLst>
+                <a:cxn ang="0">
+                  <a:pos x="connsiteX0" y="connsiteY0"/>
+                </a:cxn>
+                <a:cxn ang="0">
+                  <a:pos x="connsiteX1" y="connsiteY1"/>
+                </a:cxn>
+                <a:cxn ang="0">
+                  <a:pos x="connsiteX2" y="connsiteY2"/>
+                </a:cxn>
+                <a:cxn ang="0">
+                  <a:pos x="connsiteX3" y="connsiteY3"/>
+                </a:cxn>
+                <a:cxn ang="0">
+                  <a:pos x="connsiteX4" y="connsiteY4"/>
+                </a:cxn>
+              </a:cxnLst>
+              <a:rect l="l" t="t" r="r" b="b"/>
+              <a:pathLst>
+                <a:path w="817320" h="817320">
+                  <a:moveTo>
+                    <a:pt x="0" y="408660"/>
+                  </a:moveTo>
+                  <a:cubicBezTo>
+                    <a:pt x="0" y="182963"/>
+                    <a:pt x="182963" y="0"/>
+                    <a:pt x="408660" y="0"/>
+                  </a:cubicBezTo>
+                  <a:cubicBezTo>
+                    <a:pt x="634357" y="0"/>
+                    <a:pt x="817320" y="182963"/>
+                    <a:pt x="817320" y="408660"/>
+                  </a:cubicBezTo>
+                  <a:cubicBezTo>
+                    <a:pt x="817320" y="634357"/>
+                    <a:pt x="634357" y="817320"/>
+                    <a:pt x="408660" y="817320"/>
+                  </a:cubicBezTo>
+                  <a:cubicBezTo>
+                    <a:pt x="182963" y="817320"/>
+                    <a:pt x="0" y="634357"/>
+                    <a:pt x="0" y="408660"/>
+                  </a:cubicBezTo>
+                  <a:close/>
+                </a:path>
+              </a:pathLst>
+            </a:custGeom>
+          </p:spPr>
+          <p:style>
+            <a:lnRef idx="2">
+              <a:schemeClr val="accent1">
+                <a:hueOff val="0"/>
+                <a:satOff val="0"/>
+                <a:lumOff val="0"/>
+                <a:alphaOff val="0"/>
+              </a:schemeClr>
+            </a:lnRef>
+            <a:fillRef idx="1">
+              <a:schemeClr val="accent1">
+                <a:hueOff val="0"/>
+                <a:satOff val="0"/>
+                <a:lumOff val="0"/>
+                <a:alphaOff val="0"/>
+              </a:schemeClr>
+            </a:fillRef>
+            <a:effectRef idx="0">
+              <a:schemeClr val="accent1">
+                <a:hueOff val="0"/>
+                <a:satOff val="0"/>
+                <a:lumOff val="0"/>
+                <a:alphaOff val="0"/>
+              </a:schemeClr>
+            </a:effectRef>
+            <a:fontRef idx="minor">
+              <a:schemeClr val="lt1"/>
+            </a:fontRef>
+          </p:style>
+          <p:txBody>
+            <a:bodyPr spcFirstLastPara="0" vert="horz" wrap="square" lIns="183416" tIns="132394" rIns="183416" bIns="132394" numCol="1" spcCol="1270" anchor="ctr" anchorCtr="0">
+              <a:noAutofit/>
+            </a:bodyPr>
+            <a:lstStyle/>
+            <a:p>
+              <a:pPr marL="0" lvl="0" indent="0" algn="ctr" defTabSz="1733550">
+                <a:lnSpc>
+                  <a:spcPct val="90000"/>
+                </a:lnSpc>
+                <a:spcBef>
+                  <a:spcPct val="0"/>
+                </a:spcBef>
+                <a:spcAft>
+                  <a:spcPct val="35000"/>
+                </a:spcAft>
+                <a:buNone/>
+              </a:pPr>
+              <a:r>
+                <a:rPr lang="en-US" sz="3900" kern="1200" dirty="0"/>
+                <a:t>5</a:t>
+              </a:r>
+            </a:p>
+          </p:txBody>
+        </p:sp>
+        <p:sp>
+          <p:nvSpPr>
+            <p:cNvPr id="19" name="Rechteck 18"/>
+            <p:cNvSpPr/>
+            <p:nvPr/>
+          </p:nvSpPr>
+          <p:spPr>
+            <a:xfrm>
+              <a:off x="9404203" y="5363423"/>
+              <a:ext cx="1946002" cy="72"/>
+            </a:xfrm>
+            <a:prstGeom prst="rect">
+              <a:avLst/>
+            </a:prstGeom>
+          </p:spPr>
+          <p:style>
+            <a:lnRef idx="2">
+              <a:schemeClr val="accent1">
+                <a:hueOff val="0"/>
+                <a:satOff val="0"/>
+                <a:lumOff val="0"/>
+                <a:alphaOff val="0"/>
+              </a:schemeClr>
+            </a:lnRef>
+            <a:fillRef idx="1">
+              <a:schemeClr val="accent1">
+                <a:hueOff val="0"/>
+                <a:satOff val="0"/>
+                <a:lumOff val="0"/>
+                <a:alphaOff val="0"/>
+              </a:schemeClr>
+            </a:fillRef>
+            <a:effectRef idx="0">
+              <a:schemeClr val="accent1">
+                <a:hueOff val="0"/>
+                <a:satOff val="0"/>
+                <a:lumOff val="0"/>
+                <a:alphaOff val="0"/>
+              </a:schemeClr>
+            </a:effectRef>
+            <a:fontRef idx="minor">
+              <a:schemeClr val="lt1"/>
+            </a:fontRef>
+          </p:style>
+        </p:sp>
+      </p:grpSp>
     </p:spTree>
     <p:extLst>
       <p:ext uri="{BB962C8B-B14F-4D97-AF65-F5344CB8AC3E}">
@@ -7406,6 +5503,419 @@
   <p:clrMapOvr>
     <a:masterClrMapping/>
   </p:clrMapOvr>
+  <p:timing>
+    <p:tnLst>
+      <p:par>
+        <p:cTn id="1" dur="indefinite" restart="never" nodeType="tmRoot">
+          <p:childTnLst>
+            <p:seq concurrent="1" nextAc="seek">
+              <p:cTn id="2" dur="indefinite" nodeType="mainSeq">
+                <p:childTnLst>
+                  <p:par>
+                    <p:cTn id="3" fill="hold">
+                      <p:stCondLst>
+                        <p:cond delay="indefinite"/>
+                      </p:stCondLst>
+                      <p:childTnLst>
+                        <p:par>
+                          <p:cTn id="4" fill="hold">
+                            <p:stCondLst>
+                              <p:cond delay="0"/>
+                            </p:stCondLst>
+                            <p:childTnLst>
+                              <p:par>
+                                <p:cTn id="5" presetID="2" presetClass="entr" presetSubtype="8" fill="hold" nodeType="clickEffect">
+                                  <p:stCondLst>
+                                    <p:cond delay="0"/>
+                                  </p:stCondLst>
+                                  <p:childTnLst>
+                                    <p:set>
+                                      <p:cBhvr>
+                                        <p:cTn id="6" dur="1" fill="hold">
+                                          <p:stCondLst>
+                                            <p:cond delay="0"/>
+                                          </p:stCondLst>
+                                        </p:cTn>
+                                        <p:tgtEl>
+                                          <p:spTgt spid="22"/>
+                                        </p:tgtEl>
+                                        <p:attrNameLst>
+                                          <p:attrName>style.visibility</p:attrName>
+                                        </p:attrNameLst>
+                                      </p:cBhvr>
+                                      <p:to>
+                                        <p:strVal val="visible"/>
+                                      </p:to>
+                                    </p:set>
+                                    <p:anim calcmode="lin" valueType="num">
+                                      <p:cBhvr additive="base">
+                                        <p:cTn id="7" dur="500" fill="hold"/>
+                                        <p:tgtEl>
+                                          <p:spTgt spid="22"/>
+                                        </p:tgtEl>
+                                        <p:attrNameLst>
+                                          <p:attrName>ppt_x</p:attrName>
+                                        </p:attrNameLst>
+                                      </p:cBhvr>
+                                      <p:tavLst>
+                                        <p:tav tm="0">
+                                          <p:val>
+                                            <p:strVal val="0-#ppt_w/2"/>
+                                          </p:val>
+                                        </p:tav>
+                                        <p:tav tm="100000">
+                                          <p:val>
+                                            <p:strVal val="#ppt_x"/>
+                                          </p:val>
+                                        </p:tav>
+                                      </p:tavLst>
+                                    </p:anim>
+                                    <p:anim calcmode="lin" valueType="num">
+                                      <p:cBhvr additive="base">
+                                        <p:cTn id="8" dur="500" fill="hold"/>
+                                        <p:tgtEl>
+                                          <p:spTgt spid="22"/>
+                                        </p:tgtEl>
+                                        <p:attrNameLst>
+                                          <p:attrName>ppt_y</p:attrName>
+                                        </p:attrNameLst>
+                                      </p:cBhvr>
+                                      <p:tavLst>
+                                        <p:tav tm="0">
+                                          <p:val>
+                                            <p:strVal val="#ppt_y"/>
+                                          </p:val>
+                                        </p:tav>
+                                        <p:tav tm="100000">
+                                          <p:val>
+                                            <p:strVal val="#ppt_y"/>
+                                          </p:val>
+                                        </p:tav>
+                                      </p:tavLst>
+                                    </p:anim>
+                                  </p:childTnLst>
+                                </p:cTn>
+                              </p:par>
+                              <p:par>
+                                <p:cTn id="9" presetID="2" presetClass="entr" presetSubtype="8" fill="hold" nodeType="withEffect">
+                                  <p:stCondLst>
+                                    <p:cond delay="0"/>
+                                  </p:stCondLst>
+                                  <p:childTnLst>
+                                    <p:set>
+                                      <p:cBhvr>
+                                        <p:cTn id="10" dur="1" fill="hold">
+                                          <p:stCondLst>
+                                            <p:cond delay="0"/>
+                                          </p:stCondLst>
+                                        </p:cTn>
+                                        <p:tgtEl>
+                                          <p:spTgt spid="30"/>
+                                        </p:tgtEl>
+                                        <p:attrNameLst>
+                                          <p:attrName>style.visibility</p:attrName>
+                                        </p:attrNameLst>
+                                      </p:cBhvr>
+                                      <p:to>
+                                        <p:strVal val="visible"/>
+                                      </p:to>
+                                    </p:set>
+                                    <p:anim calcmode="lin" valueType="num">
+                                      <p:cBhvr additive="base">
+                                        <p:cTn id="11" dur="750" fill="hold"/>
+                                        <p:tgtEl>
+                                          <p:spTgt spid="30"/>
+                                        </p:tgtEl>
+                                        <p:attrNameLst>
+                                          <p:attrName>ppt_x</p:attrName>
+                                        </p:attrNameLst>
+                                      </p:cBhvr>
+                                      <p:tavLst>
+                                        <p:tav tm="0">
+                                          <p:val>
+                                            <p:strVal val="0-#ppt_w/2"/>
+                                          </p:val>
+                                        </p:tav>
+                                        <p:tav tm="100000">
+                                          <p:val>
+                                            <p:strVal val="#ppt_x"/>
+                                          </p:val>
+                                        </p:tav>
+                                      </p:tavLst>
+                                    </p:anim>
+                                    <p:anim calcmode="lin" valueType="num">
+                                      <p:cBhvr additive="base">
+                                        <p:cTn id="12" dur="750" fill="hold"/>
+                                        <p:tgtEl>
+                                          <p:spTgt spid="30"/>
+                                        </p:tgtEl>
+                                        <p:attrNameLst>
+                                          <p:attrName>ppt_y</p:attrName>
+                                        </p:attrNameLst>
+                                      </p:cBhvr>
+                                      <p:tavLst>
+                                        <p:tav tm="0">
+                                          <p:val>
+                                            <p:strVal val="#ppt_y"/>
+                                          </p:val>
+                                        </p:tav>
+                                        <p:tav tm="100000">
+                                          <p:val>
+                                            <p:strVal val="#ppt_y"/>
+                                          </p:val>
+                                        </p:tav>
+                                      </p:tavLst>
+                                    </p:anim>
+                                  </p:childTnLst>
+                                </p:cTn>
+                              </p:par>
+                              <p:par>
+                                <p:cTn id="13" presetID="2" presetClass="entr" presetSubtype="8" fill="hold" nodeType="withEffect">
+                                  <p:stCondLst>
+                                    <p:cond delay="0"/>
+                                  </p:stCondLst>
+                                  <p:childTnLst>
+                                    <p:set>
+                                      <p:cBhvr>
+                                        <p:cTn id="14" dur="1" fill="hold">
+                                          <p:stCondLst>
+                                            <p:cond delay="0"/>
+                                          </p:stCondLst>
+                                        </p:cTn>
+                                        <p:tgtEl>
+                                          <p:spTgt spid="29"/>
+                                        </p:tgtEl>
+                                        <p:attrNameLst>
+                                          <p:attrName>style.visibility</p:attrName>
+                                        </p:attrNameLst>
+                                      </p:cBhvr>
+                                      <p:to>
+                                        <p:strVal val="visible"/>
+                                      </p:to>
+                                    </p:set>
+                                    <p:anim calcmode="lin" valueType="num">
+                                      <p:cBhvr additive="base">
+                                        <p:cTn id="15" dur="1000" fill="hold"/>
+                                        <p:tgtEl>
+                                          <p:spTgt spid="29"/>
+                                        </p:tgtEl>
+                                        <p:attrNameLst>
+                                          <p:attrName>ppt_x</p:attrName>
+                                        </p:attrNameLst>
+                                      </p:cBhvr>
+                                      <p:tavLst>
+                                        <p:tav tm="0">
+                                          <p:val>
+                                            <p:strVal val="0-#ppt_w/2"/>
+                                          </p:val>
+                                        </p:tav>
+                                        <p:tav tm="100000">
+                                          <p:val>
+                                            <p:strVal val="#ppt_x"/>
+                                          </p:val>
+                                        </p:tav>
+                                      </p:tavLst>
+                                    </p:anim>
+                                    <p:anim calcmode="lin" valueType="num">
+                                      <p:cBhvr additive="base">
+                                        <p:cTn id="16" dur="1000" fill="hold"/>
+                                        <p:tgtEl>
+                                          <p:spTgt spid="29"/>
+                                        </p:tgtEl>
+                                        <p:attrNameLst>
+                                          <p:attrName>ppt_y</p:attrName>
+                                        </p:attrNameLst>
+                                      </p:cBhvr>
+                                      <p:tavLst>
+                                        <p:tav tm="0">
+                                          <p:val>
+                                            <p:strVal val="#ppt_y"/>
+                                          </p:val>
+                                        </p:tav>
+                                        <p:tav tm="100000">
+                                          <p:val>
+                                            <p:strVal val="#ppt_y"/>
+                                          </p:val>
+                                        </p:tav>
+                                      </p:tavLst>
+                                    </p:anim>
+                                  </p:childTnLst>
+                                </p:cTn>
+                              </p:par>
+                              <p:par>
+                                <p:cTn id="17" presetID="2" presetClass="entr" presetSubtype="8" fill="hold" nodeType="withEffect">
+                                  <p:stCondLst>
+                                    <p:cond delay="0"/>
+                                  </p:stCondLst>
+                                  <p:childTnLst>
+                                    <p:set>
+                                      <p:cBhvr>
+                                        <p:cTn id="18" dur="1" fill="hold">
+                                          <p:stCondLst>
+                                            <p:cond delay="0"/>
+                                          </p:stCondLst>
+                                        </p:cTn>
+                                        <p:tgtEl>
+                                          <p:spTgt spid="27"/>
+                                        </p:tgtEl>
+                                        <p:attrNameLst>
+                                          <p:attrName>style.visibility</p:attrName>
+                                        </p:attrNameLst>
+                                      </p:cBhvr>
+                                      <p:to>
+                                        <p:strVal val="visible"/>
+                                      </p:to>
+                                    </p:set>
+                                    <p:anim calcmode="lin" valueType="num">
+                                      <p:cBhvr additive="base">
+                                        <p:cTn id="19" dur="1250" fill="hold"/>
+                                        <p:tgtEl>
+                                          <p:spTgt spid="27"/>
+                                        </p:tgtEl>
+                                        <p:attrNameLst>
+                                          <p:attrName>ppt_x</p:attrName>
+                                        </p:attrNameLst>
+                                      </p:cBhvr>
+                                      <p:tavLst>
+                                        <p:tav tm="0">
+                                          <p:val>
+                                            <p:strVal val="0-#ppt_w/2"/>
+                                          </p:val>
+                                        </p:tav>
+                                        <p:tav tm="100000">
+                                          <p:val>
+                                            <p:strVal val="#ppt_x"/>
+                                          </p:val>
+                                        </p:tav>
+                                      </p:tavLst>
+                                    </p:anim>
+                                    <p:anim calcmode="lin" valueType="num">
+                                      <p:cBhvr additive="base">
+                                        <p:cTn id="20" dur="1250" fill="hold"/>
+                                        <p:tgtEl>
+                                          <p:spTgt spid="27"/>
+                                        </p:tgtEl>
+                                        <p:attrNameLst>
+                                          <p:attrName>ppt_y</p:attrName>
+                                        </p:attrNameLst>
+                                      </p:cBhvr>
+                                      <p:tavLst>
+                                        <p:tav tm="0">
+                                          <p:val>
+                                            <p:strVal val="#ppt_y"/>
+                                          </p:val>
+                                        </p:tav>
+                                        <p:tav tm="100000">
+                                          <p:val>
+                                            <p:strVal val="#ppt_y"/>
+                                          </p:val>
+                                        </p:tav>
+                                      </p:tavLst>
+                                    </p:anim>
+                                  </p:childTnLst>
+                                </p:cTn>
+                              </p:par>
+                              <p:par>
+                                <p:cTn id="21" presetID="2" presetClass="entr" presetSubtype="8" fill="hold" nodeType="withEffect">
+                                  <p:stCondLst>
+                                    <p:cond delay="0"/>
+                                  </p:stCondLst>
+                                  <p:childTnLst>
+                                    <p:set>
+                                      <p:cBhvr>
+                                        <p:cTn id="22" dur="1" fill="hold">
+                                          <p:stCondLst>
+                                            <p:cond delay="0"/>
+                                          </p:stCondLst>
+                                        </p:cTn>
+                                        <p:tgtEl>
+                                          <p:spTgt spid="28"/>
+                                        </p:tgtEl>
+                                        <p:attrNameLst>
+                                          <p:attrName>style.visibility</p:attrName>
+                                        </p:attrNameLst>
+                                      </p:cBhvr>
+                                      <p:to>
+                                        <p:strVal val="visible"/>
+                                      </p:to>
+                                    </p:set>
+                                    <p:anim calcmode="lin" valueType="num">
+                                      <p:cBhvr additive="base">
+                                        <p:cTn id="23" dur="1500" fill="hold"/>
+                                        <p:tgtEl>
+                                          <p:spTgt spid="28"/>
+                                        </p:tgtEl>
+                                        <p:attrNameLst>
+                                          <p:attrName>ppt_x</p:attrName>
+                                        </p:attrNameLst>
+                                      </p:cBhvr>
+                                      <p:tavLst>
+                                        <p:tav tm="0">
+                                          <p:val>
+                                            <p:strVal val="0-#ppt_w/2"/>
+                                          </p:val>
+                                        </p:tav>
+                                        <p:tav tm="100000">
+                                          <p:val>
+                                            <p:strVal val="#ppt_x"/>
+                                          </p:val>
+                                        </p:tav>
+                                      </p:tavLst>
+                                    </p:anim>
+                                    <p:anim calcmode="lin" valueType="num">
+                                      <p:cBhvr additive="base">
+                                        <p:cTn id="24" dur="1500" fill="hold"/>
+                                        <p:tgtEl>
+                                          <p:spTgt spid="28"/>
+                                        </p:tgtEl>
+                                        <p:attrNameLst>
+                                          <p:attrName>ppt_y</p:attrName>
+                                        </p:attrNameLst>
+                                      </p:cBhvr>
+                                      <p:tavLst>
+                                        <p:tav tm="0">
+                                          <p:val>
+                                            <p:strVal val="#ppt_y"/>
+                                          </p:val>
+                                        </p:tav>
+                                        <p:tav tm="100000">
+                                          <p:val>
+                                            <p:strVal val="#ppt_y"/>
+                                          </p:val>
+                                        </p:tav>
+                                      </p:tavLst>
+                                    </p:anim>
+                                  </p:childTnLst>
+                                </p:cTn>
+                              </p:par>
+                            </p:childTnLst>
+                          </p:cTn>
+                        </p:par>
+                      </p:childTnLst>
+                    </p:cTn>
+                  </p:par>
+                </p:childTnLst>
+              </p:cTn>
+              <p:prevCondLst>
+                <p:cond evt="onPrev" delay="0">
+                  <p:tgtEl>
+                    <p:sldTgt/>
+                  </p:tgtEl>
+                </p:cond>
+              </p:prevCondLst>
+              <p:nextCondLst>
+                <p:cond evt="onNext" delay="0">
+                  <p:tgtEl>
+                    <p:sldTgt/>
+                  </p:tgtEl>
+                </p:cond>
+              </p:nextCondLst>
+            </p:seq>
+          </p:childTnLst>
+        </p:cTn>
+      </p:par>
+    </p:tnLst>
+  </p:timing>
 </p:sld>
 </file>
 
